--- a/Custom Functions for Excel with Azure Functions.pptx
+++ b/Custom Functions for Excel with Azure Functions.pptx
@@ -6,31 +6,39 @@
     <p:sldMasterId id="2147483660" r:id="rId2"/>
   </p:sldMasterIdLst>
   <p:notesMasterIdLst>
-    <p:notesMasterId r:id="rId25"/>
+    <p:notesMasterId r:id="rId33"/>
   </p:notesMasterIdLst>
   <p:sldIdLst>
     <p:sldId id="256" r:id="rId3"/>
-    <p:sldId id="257" r:id="rId4"/>
-    <p:sldId id="260" r:id="rId5"/>
-    <p:sldId id="261" r:id="rId6"/>
-    <p:sldId id="262" r:id="rId7"/>
-    <p:sldId id="263" r:id="rId8"/>
-    <p:sldId id="265" r:id="rId9"/>
-    <p:sldId id="268" r:id="rId10"/>
-    <p:sldId id="267" r:id="rId11"/>
-    <p:sldId id="269" r:id="rId12"/>
-    <p:sldId id="1834" r:id="rId13"/>
-    <p:sldId id="1836" r:id="rId14"/>
-    <p:sldId id="270" r:id="rId15"/>
-    <p:sldId id="1823" r:id="rId16"/>
-    <p:sldId id="1824" r:id="rId17"/>
-    <p:sldId id="1826" r:id="rId18"/>
-    <p:sldId id="1827" r:id="rId19"/>
-    <p:sldId id="1609" r:id="rId20"/>
-    <p:sldId id="1828" r:id="rId21"/>
-    <p:sldId id="1831" r:id="rId22"/>
-    <p:sldId id="1832" r:id="rId23"/>
-    <p:sldId id="1833" r:id="rId24"/>
+    <p:sldId id="1837" r:id="rId4"/>
+    <p:sldId id="1838" r:id="rId5"/>
+    <p:sldId id="1839" r:id="rId6"/>
+    <p:sldId id="1840" r:id="rId7"/>
+    <p:sldId id="1841" r:id="rId8"/>
+    <p:sldId id="1842" r:id="rId9"/>
+    <p:sldId id="1843" r:id="rId10"/>
+    <p:sldId id="1844" r:id="rId11"/>
+    <p:sldId id="257" r:id="rId12"/>
+    <p:sldId id="260" r:id="rId13"/>
+    <p:sldId id="261" r:id="rId14"/>
+    <p:sldId id="262" r:id="rId15"/>
+    <p:sldId id="263" r:id="rId16"/>
+    <p:sldId id="265" r:id="rId17"/>
+    <p:sldId id="268" r:id="rId18"/>
+    <p:sldId id="267" r:id="rId19"/>
+    <p:sldId id="269" r:id="rId20"/>
+    <p:sldId id="1834" r:id="rId21"/>
+    <p:sldId id="1836" r:id="rId22"/>
+    <p:sldId id="270" r:id="rId23"/>
+    <p:sldId id="1823" r:id="rId24"/>
+    <p:sldId id="1826" r:id="rId25"/>
+    <p:sldId id="1827" r:id="rId26"/>
+    <p:sldId id="1609" r:id="rId27"/>
+    <p:sldId id="1828" r:id="rId28"/>
+    <p:sldId id="1845" r:id="rId29"/>
+    <p:sldId id="1831" r:id="rId30"/>
+    <p:sldId id="1832" r:id="rId31"/>
+    <p:sldId id="1833" r:id="rId32"/>
   </p:sldIdLst>
   <p:sldSz cx="12192000" cy="6858000"/>
   <p:notesSz cx="6858000" cy="9144000"/>
@@ -129,6 +137,11 @@
       </a:defRPr>
     </a:lvl9pPr>
   </p:defaultTextStyle>
+  <p:extLst>
+    <p:ext uri="{EFAFB233-063F-42B5-8137-9DF3F51BA10A}">
+      <p15:sldGuideLst xmlns:p15="http://schemas.microsoft.com/office/powerpoint/2012/main"/>
+    </p:ext>
+  </p:extLst>
 </p:presentation>
 </file>
 
@@ -258,7 +271,7 @@
                   <a:bodyPr/>
                   <a:lstStyle/>
                   <a:p>
-                    <a:fld id="{7851332C-55ED-4BD6-A0F3-E6C129C2EE22}" type="CELLRANGE">
+                    <a:fld id="{D5E231BB-FAB9-4B32-BFB3-E9BC018A22AC}" type="CELLRANGE">
                       <a:rPr lang="en-US"/>
                       <a:pPr/>
                       <a:t>[CELLRANGE]</a:t>
@@ -291,7 +304,7 @@
                   <a:bodyPr/>
                   <a:lstStyle/>
                   <a:p>
-                    <a:fld id="{811450F9-812F-44D8-851E-BA3C8CBEF7C9}" type="CELLRANGE">
+                    <a:fld id="{4869B7F1-FFA0-4C64-91FB-5B232DDFAC29}" type="CELLRANGE">
                       <a:rPr lang="en-US"/>
                       <a:pPr/>
                       <a:t>[CELLRANGE]</a:t>
@@ -325,7 +338,7 @@
                   <a:bodyPr/>
                   <a:lstStyle/>
                   <a:p>
-                    <a:fld id="{394BCE95-A31D-41F8-B8A7-C50DAB06FC23}" type="CELLRANGE">
+                    <a:fld id="{33B1652F-1B84-46A5-A467-D46D7A8C6D6E}" type="CELLRANGE">
                       <a:rPr lang="en-US"/>
                       <a:pPr/>
                       <a:t>[CELLRANGE]</a:t>
@@ -359,7 +372,7 @@
                   <a:bodyPr/>
                   <a:lstStyle/>
                   <a:p>
-                    <a:fld id="{AFE12299-F6B2-4D6C-B8A0-04C6A7F8664D}" type="CELLRANGE">
+                    <a:fld id="{DEE6C532-0AFF-4BF0-848F-464341EDB4F2}" type="CELLRANGE">
                       <a:rPr lang="en-US"/>
                       <a:pPr/>
                       <a:t>[CELLRANGE]</a:t>
@@ -393,7 +406,7 @@
                   <a:bodyPr/>
                   <a:lstStyle/>
                   <a:p>
-                    <a:fld id="{387DABC3-1861-4F43-AFD2-3071F4033545}" type="CELLRANGE">
+                    <a:fld id="{1266DAA1-0E26-4424-A0BE-061F40FC4C27}" type="CELLRANGE">
                       <a:rPr lang="en-US"/>
                       <a:pPr/>
                       <a:t>[CELLRANGE]</a:t>
@@ -585,7 +598,7 @@
                   <a:bodyPr/>
                   <a:lstStyle/>
                   <a:p>
-                    <a:fld id="{83098CD0-F8D5-4D54-93F9-F56F74FCB925}" type="CELLRANGE">
+                    <a:fld id="{7A5B1DC6-F8E3-437B-8956-B113AD4BF413}" type="CELLRANGE">
                       <a:rPr lang="en-US"/>
                       <a:pPr/>
                       <a:t>[CELLRANGE]</a:t>
@@ -617,7 +630,7 @@
                   <a:bodyPr/>
                   <a:lstStyle/>
                   <a:p>
-                    <a:fld id="{A440FB7E-CB0D-4BB5-B223-4C2C7EF0D8EA}" type="CELLRANGE">
+                    <a:fld id="{AF3D1642-86B6-40C2-8460-ED971677C081}" type="CELLRANGE">
                       <a:rPr lang="en-US"/>
                       <a:pPr/>
                       <a:t>[CELLRANGE]</a:t>
@@ -650,7 +663,7 @@
                   <a:bodyPr/>
                   <a:lstStyle/>
                   <a:p>
-                    <a:fld id="{BCDF73CB-52C4-4CA4-8AEB-3EB949C2E61B}" type="CELLRANGE">
+                    <a:fld id="{95814418-AEEF-44F4-99DA-3106ABD3D492}" type="CELLRANGE">
                       <a:rPr lang="en-US"/>
                       <a:pPr/>
                       <a:t>[CELLRANGE]</a:t>
@@ -683,7 +696,7 @@
                   <a:bodyPr/>
                   <a:lstStyle/>
                   <a:p>
-                    <a:fld id="{B0B27C4B-42F8-483D-AE6B-0B05DD6CEF6E}" type="CELLRANGE">
+                    <a:fld id="{2C7C2340-865E-4FCF-8085-1E7D26E8F97E}" type="CELLRANGE">
                       <a:rPr lang="en-US"/>
                       <a:pPr/>
                       <a:t>[CELLRANGE]</a:t>
@@ -716,7 +729,7 @@
                   <a:bodyPr/>
                   <a:lstStyle/>
                   <a:p>
-                    <a:fld id="{C657EAEE-1A96-4CF6-B66F-1E9D6E98B0E5}" type="CELLRANGE">
+                    <a:fld id="{3FA0473D-DD86-4464-A0CD-5A18C67E39E1}" type="CELLRANGE">
                       <a:rPr lang="en-US"/>
                       <a:pPr/>
                       <a:t>[CELLRANGE]</a:t>
@@ -1544,7 +1557,7 @@
           <a:p>
             <a:fld id="{3FB708FD-E3AE-4119-BC7B-2A0B7B629D23}" type="datetimeFigureOut">
               <a:rPr lang="en-US" smtClean="0"/>
-              <a:t>6/19/2018</a:t>
+              <a:t>9/4/2019</a:t>
             </a:fld>
             <a:endParaRPr lang="en-US"/>
           </a:p>
@@ -1923,7 +1936,7 @@
                 <a:tabLst/>
                 <a:defRPr/>
               </a:pPr>
-              <a:t>18</a:t>
+              <a:t>25</a:t>
             </a:fld>
             <a:endParaRPr kumimoji="0" lang="en-US" sz="1200" b="0" i="0" u="none" strike="noStrike" kern="1200" cap="none" spc="0" normalizeH="0" baseline="0" noProof="0">
               <a:ln>
@@ -2172,7 +2185,7 @@
           <a:p>
             <a:fld id="{9AB3A824-1A51-4B26-AD58-A6D8E14F6C04}" type="datetimeFigureOut">
               <a:rPr lang="en-US" dirty="0"/>
-              <a:t>6/19/2018</a:t>
+              <a:t>9/4/2019</a:t>
             </a:fld>
             <a:endParaRPr lang="en-US" dirty="0"/>
           </a:p>
@@ -2506,7 +2519,7 @@
           <a:p>
             <a:fld id="{D857E33E-8B18-4087-B112-809917729534}" type="datetimeFigureOut">
               <a:rPr lang="en-US" dirty="0"/>
-              <a:t>6/19/2018</a:t>
+              <a:t>9/4/2019</a:t>
             </a:fld>
             <a:endParaRPr lang="en-US" dirty="0"/>
           </a:p>
@@ -2808,7 +2821,7 @@
           <a:p>
             <a:fld id="{D3FFE419-2371-464F-8239-3959401C3561}" type="datetimeFigureOut">
               <a:rPr lang="en-US" dirty="0"/>
-              <a:t>6/19/2018</a:t>
+              <a:t>9/4/2019</a:t>
             </a:fld>
             <a:endParaRPr lang="en-US" dirty="0"/>
           </a:p>
@@ -4605,7 +4618,7 @@
       </p:transition>
     </mc:Fallback>
   </mc:AlternateContent>
-  <p:extLst mod="1">
+  <p:extLst>
     <p:ext uri="{DCECCB84-F9BA-43D5-87BE-67443E8EF086}">
       <p15:sldGuideLst xmlns:p15="http://schemas.microsoft.com/office/powerpoint/2012/main">
         <p15:guide id="1" orient="horz" pos="2228">
@@ -4887,7 +4900,7 @@
       </p:transition>
     </mc:Fallback>
   </mc:AlternateContent>
-  <p:extLst mod="1">
+  <p:extLst>
     <p:ext uri="{DCECCB84-F9BA-43D5-87BE-67443E8EF086}">
       <p15:sldGuideLst xmlns:p15="http://schemas.microsoft.com/office/powerpoint/2012/main">
         <p15:guide id="1" orient="horz" pos="2228">
@@ -5055,7 +5068,7 @@
   <p:transition>
     <p:fade/>
   </p:transition>
-  <p:extLst mod="1">
+  <p:extLst>
     <p:ext uri="{DCECCB84-F9BA-43D5-87BE-67443E8EF086}">
       <p15:sldGuideLst xmlns:p15="http://schemas.microsoft.com/office/powerpoint/2012/main">
         <p15:guide id="1" orient="horz" pos="288">
@@ -5195,7 +5208,7 @@
   <p:transition>
     <p:fade/>
   </p:transition>
-  <p:extLst mod="1">
+  <p:extLst>
     <p:ext uri="{DCECCB84-F9BA-43D5-87BE-67443E8EF086}">
       <p15:sldGuideLst xmlns:p15="http://schemas.microsoft.com/office/powerpoint/2012/main">
         <p15:guide id="2" orient="horz" pos="1272">
@@ -5475,7 +5488,7 @@
   <p:transition>
     <p:fade/>
   </p:transition>
-  <p:extLst mod="1">
+  <p:extLst>
     <p:ext uri="{DCECCB84-F9BA-43D5-87BE-67443E8EF086}">
       <p15:sldGuideLst xmlns:p15="http://schemas.microsoft.com/office/powerpoint/2012/main">
         <p15:guide id="1" orient="horz" pos="288">
@@ -5755,7 +5768,7 @@
   <p:transition>
     <p:fade/>
   </p:transition>
-  <p:extLst mod="1">
+  <p:extLst>
     <p:ext uri="{DCECCB84-F9BA-43D5-87BE-67443E8EF086}">
       <p15:sldGuideLst xmlns:p15="http://schemas.microsoft.com/office/powerpoint/2012/main">
         <p15:guide id="1" orient="horz" pos="288">
@@ -5837,7 +5850,7 @@
   <p:transition>
     <p:fade/>
   </p:transition>
-  <p:extLst mod="1">
+  <p:extLst>
     <p:ext uri="{DCECCB84-F9BA-43D5-87BE-67443E8EF086}">
       <p15:sldGuideLst xmlns:p15="http://schemas.microsoft.com/office/powerpoint/2012/main">
         <p15:guide id="3" orient="horz" pos="900">
@@ -5919,7 +5932,7 @@
   <p:transition>
     <p:fade/>
   </p:transition>
-  <p:extLst mod="1">
+  <p:extLst>
     <p:ext uri="{DCECCB84-F9BA-43D5-87BE-67443E8EF086}">
       <p15:sldGuideLst xmlns:p15="http://schemas.microsoft.com/office/powerpoint/2012/main">
         <p15:guide id="6" pos="779">
@@ -6240,7 +6253,7 @@
           <a:p>
             <a:fld id="{97D162C4-EDD9-4389-A98B-B87ECEA2A816}" type="datetimeFigureOut">
               <a:rPr lang="en-US" dirty="0"/>
-              <a:t>6/19/2018</a:t>
+              <a:t>9/4/2019</a:t>
             </a:fld>
             <a:endParaRPr lang="en-US" dirty="0"/>
           </a:p>
@@ -6412,7 +6425,7 @@
   <p:transition>
     <p:fade/>
   </p:transition>
-  <p:extLst mod="1">
+  <p:extLst>
     <p:ext uri="{DCECCB84-F9BA-43D5-87BE-67443E8EF086}">
       <p15:sldGuideLst xmlns:p15="http://schemas.microsoft.com/office/powerpoint/2012/main">
         <p15:guide id="6" pos="779">
@@ -6622,7 +6635,7 @@
   <p:transition>
     <p:fade/>
   </p:transition>
-  <p:extLst mod="1">
+  <p:extLst>
     <p:ext uri="{DCECCB84-F9BA-43D5-87BE-67443E8EF086}">
       <p15:sldGuideLst xmlns:p15="http://schemas.microsoft.com/office/powerpoint/2012/main">
         <p15:guide id="6" pos="779">
@@ -6962,7 +6975,7 @@
   <p:transition>
     <p:fade/>
   </p:transition>
-  <p:extLst mod="1">
+  <p:extLst>
     <p:ext uri="{DCECCB84-F9BA-43D5-87BE-67443E8EF086}">
       <p15:sldGuideLst xmlns:p15="http://schemas.microsoft.com/office/powerpoint/2012/main">
         <p15:guide id="2" pos="3360">
@@ -7155,7 +7168,7 @@
   <p:transition>
     <p:fade/>
   </p:transition>
-  <p:extLst mod="1">
+  <p:extLst>
     <p:ext uri="{DCECCB84-F9BA-43D5-87BE-67443E8EF086}">
       <p15:sldGuideLst xmlns:p15="http://schemas.microsoft.com/office/powerpoint/2012/main">
         <p15:guide id="2" pos="3360">
@@ -7338,7 +7351,7 @@
   <p:transition>
     <p:fade/>
   </p:transition>
-  <p:extLst mod="1">
+  <p:extLst>
     <p:ext uri="{DCECCB84-F9BA-43D5-87BE-67443E8EF086}">
       <p15:sldGuideLst xmlns:p15="http://schemas.microsoft.com/office/powerpoint/2012/main">
         <p15:guide id="2" pos="3360">
@@ -7561,7 +7574,7 @@
       </p:transition>
     </mc:Fallback>
   </mc:AlternateContent>
-  <p:extLst mod="1">
+  <p:extLst>
     <p:ext uri="{DCECCB84-F9BA-43D5-87BE-67443E8EF086}">
       <p15:sldGuideLst xmlns:p15="http://schemas.microsoft.com/office/powerpoint/2012/main">
         <p15:guide id="1" orient="horz" pos="2160">
@@ -7779,7 +7792,7 @@
       </p:transition>
     </mc:Fallback>
   </mc:AlternateContent>
-  <p:extLst mod="1">
+  <p:extLst>
     <p:ext uri="{DCECCB84-F9BA-43D5-87BE-67443E8EF086}">
       <p15:sldGuideLst xmlns:p15="http://schemas.microsoft.com/office/powerpoint/2012/main">
         <p15:guide id="1" orient="horz" pos="2160">
@@ -7941,7 +7954,7 @@
       </p:transition>
     </mc:Fallback>
   </mc:AlternateContent>
-  <p:extLst mod="1">
+  <p:extLst>
     <p:ext uri="{DCECCB84-F9BA-43D5-87BE-67443E8EF086}">
       <p15:sldGuideLst xmlns:p15="http://schemas.microsoft.com/office/powerpoint/2012/main">
         <p15:guide id="1" orient="horz" pos="2160">
@@ -8103,7 +8116,7 @@
       </p:transition>
     </mc:Fallback>
   </mc:AlternateContent>
-  <p:extLst mod="1">
+  <p:extLst>
     <p:ext uri="{DCECCB84-F9BA-43D5-87BE-67443E8EF086}">
       <p15:sldGuideLst xmlns:p15="http://schemas.microsoft.com/office/powerpoint/2012/main">
         <p15:guide id="1" orient="horz" pos="2160">
@@ -8236,7 +8249,7 @@
       </p:transition>
     </mc:Fallback>
   </mc:AlternateContent>
-  <p:extLst mod="1">
+  <p:extLst>
     <p:ext uri="{DCECCB84-F9BA-43D5-87BE-67443E8EF086}">
       <p15:sldGuideLst xmlns:p15="http://schemas.microsoft.com/office/powerpoint/2012/main">
         <p15:guide id="1" orient="horz" pos="2160">
@@ -8571,7 +8584,7 @@
           <a:p>
             <a:fld id="{3E5059C3-6A89-4494-99FF-5A4D6FFD50EB}" type="datetimeFigureOut">
               <a:rPr lang="en-US" dirty="0"/>
-              <a:t>6/19/2018</a:t>
+              <a:t>9/4/2019</a:t>
             </a:fld>
             <a:endParaRPr lang="en-US" dirty="0"/>
           </a:p>
@@ -8735,7 +8748,7 @@
       </p:transition>
     </mc:Fallback>
   </mc:AlternateContent>
-  <p:extLst mod="1">
+  <p:extLst>
     <p:ext uri="{DCECCB84-F9BA-43D5-87BE-67443E8EF086}">
       <p15:sldGuideLst xmlns:p15="http://schemas.microsoft.com/office/powerpoint/2012/main">
         <p15:guide id="1" orient="horz" pos="2160">
@@ -8794,7 +8807,7 @@
   <p:transition>
     <p:fade/>
   </p:transition>
-  <p:extLst mod="1">
+  <p:extLst>
     <p:ext uri="{DCECCB84-F9BA-43D5-87BE-67443E8EF086}">
       <p15:sldGuideLst xmlns:p15="http://schemas.microsoft.com/office/powerpoint/2012/main">
         <p15:guide id="1" orient="horz" pos="1272">
@@ -8853,7 +8866,7 @@
   <p:transition>
     <p:fade/>
   </p:transition>
-  <p:extLst mod="1">
+  <p:extLst>
     <p:ext uri="{DCECCB84-F9BA-43D5-87BE-67443E8EF086}">
       <p15:sldGuideLst xmlns:p15="http://schemas.microsoft.com/office/powerpoint/2012/main">
         <p15:guide id="1" orient="horz" pos="904">
@@ -9093,7 +9106,7 @@
   <p:transition>
     <p:fade/>
   </p:transition>
-  <p:extLst mod="1">
+  <p:extLst>
     <p:ext uri="{DCECCB84-F9BA-43D5-87BE-67443E8EF086}">
       <p15:sldGuideLst xmlns:p15="http://schemas.microsoft.com/office/powerpoint/2012/main">
         <p15:guide id="1" orient="horz" pos="1272">
@@ -9469,7 +9482,7 @@
   <p:transition>
     <p:fade/>
   </p:transition>
-  <p:extLst mod="1">
+  <p:extLst>
     <p:ext uri="{DCECCB84-F9BA-43D5-87BE-67443E8EF086}">
       <p15:sldGuideLst xmlns:p15="http://schemas.microsoft.com/office/powerpoint/2012/main">
         <p15:guide id="1" orient="horz" pos="904">
@@ -9642,7 +9655,7 @@
                 <a:tabLst/>
                 <a:defRPr/>
               </a:pPr>
-              <a:t>6/19/2018</a:t>
+              <a:t>9/4/2019</a:t>
             </a:fld>
             <a:endParaRPr kumimoji="0" lang="en-US" sz="1765" b="0" i="0" u="none" strike="noStrike" kern="1200" cap="none" spc="0" normalizeH="0" baseline="0" noProof="0">
               <a:ln>
@@ -9947,7 +9960,7 @@
       </p:transition>
     </mc:Fallback>
   </mc:AlternateContent>
-  <p:extLst mod="1">
+  <p:extLst>
     <p:ext uri="{DCECCB84-F9BA-43D5-87BE-67443E8EF086}">
       <p15:sldGuideLst xmlns:p15="http://schemas.microsoft.com/office/powerpoint/2012/main">
         <p15:guide id="1" pos="3427">
@@ -10357,7 +10370,7 @@
           <a:p>
             <a:fld id="{CA954B2F-12DE-47F5-8894-472B206D2E1E}" type="datetimeFigureOut">
               <a:rPr lang="en-US" dirty="0"/>
-              <a:t>6/19/2018</a:t>
+              <a:t>9/4/2019</a:t>
             </a:fld>
             <a:endParaRPr lang="en-US" dirty="0"/>
           </a:p>
@@ -10901,7 +10914,7 @@
           <a:p>
             <a:fld id="{3F30E46F-7819-4ACF-B48B-48222C2ACC88}" type="datetimeFigureOut">
               <a:rPr lang="en-US" dirty="0"/>
-              <a:t>6/19/2018</a:t>
+              <a:t>9/4/2019</a:t>
             </a:fld>
             <a:endParaRPr lang="en-US" dirty="0"/>
           </a:p>
@@ -11096,7 +11109,7 @@
           <a:p>
             <a:fld id="{1FAF3416-4057-4DAA-829D-4CA07428D088}" type="datetimeFigureOut">
               <a:rPr lang="en-US" dirty="0"/>
-              <a:t>6/19/2018</a:t>
+              <a:t>9/4/2019</a:t>
             </a:fld>
             <a:endParaRPr lang="en-US" dirty="0"/>
           </a:p>
@@ -11309,7 +11322,7 @@
           <a:p>
             <a:fld id="{921D9284-D300-4297-87F7-E791DCC15DB1}" type="datetimeFigureOut">
               <a:rPr lang="en-US" dirty="0"/>
-              <a:t>6/19/2018</a:t>
+              <a:t>9/4/2019</a:t>
             </a:fld>
             <a:endParaRPr lang="en-US" dirty="0"/>
           </a:p>
@@ -11678,7 +11691,7 @@
           <a:p>
             <a:fld id="{37D525BB-DA17-4BA0-B3C8-3AC3ABC827E6}" type="datetimeFigureOut">
               <a:rPr lang="en-US" dirty="0"/>
-              <a:t>6/19/2018</a:t>
+              <a:t>9/4/2019</a:t>
             </a:fld>
             <a:endParaRPr lang="en-US" dirty="0"/>
           </a:p>
@@ -12081,7 +12094,7 @@
           <a:p>
             <a:fld id="{B16C4C9A-3960-41CF-A4E9-2A8FB932454B}" type="datetimeFigureOut">
               <a:rPr lang="en-US" dirty="0"/>
-              <a:t>6/19/2018</a:t>
+              <a:t>9/4/2019</a:t>
             </a:fld>
             <a:endParaRPr lang="en-US" dirty="0"/>
           </a:p>
@@ -12419,7 +12432,7 @@
           <a:p>
             <a:fld id="{3CBC1C18-307B-4F68-A007-B5B542270E8D}" type="datetimeFigureOut">
               <a:rPr lang="en-US" dirty="0"/>
-              <a:t>6/19/2018</a:t>
+              <a:t>9/4/2019</a:t>
             </a:fld>
             <a:endParaRPr lang="en-US" dirty="0"/>
           </a:p>
@@ -15167,7 +15180,7 @@
       </a:lvl9pPr>
     </p:otherStyle>
   </p:txStyles>
-  <p:extLst mod="1">
+  <p:extLst>
     <p:ext uri="{27BBF7A9-308A-43DC-89C8-2F10F3537804}">
       <p15:sldGuideLst xmlns:p15="http://schemas.microsoft.com/office/powerpoint/2012/main">
         <p15:guide id="16" pos="368">
@@ -15269,10 +15282,6 @@
             <a:br>
               <a:rPr lang="en-CA" dirty="0"/>
             </a:br>
-            <a:r>
-              <a:rPr lang="en-CA" sz="2200" dirty="0"/>
-              <a:t>with Azure Functions</a:t>
-            </a:r>
             <a:endParaRPr lang="en-US" dirty="0"/>
           </a:p>
         </p:txBody>
@@ -15291,6 +15300,1796 @@
 </file>
 
 <file path=ppt/slides/slide10.xml><?xml version="1.0" encoding="utf-8"?>
+<p:sld xmlns:a="http://schemas.openxmlformats.org/drawingml/2006/main" xmlns:r="http://schemas.openxmlformats.org/officeDocument/2006/relationships" xmlns:p="http://schemas.openxmlformats.org/presentationml/2006/main" show="0">
+  <p:cSld>
+    <p:spTree>
+      <p:nvGrpSpPr>
+        <p:cNvPr id="1" name=""/>
+        <p:cNvGrpSpPr/>
+        <p:nvPr/>
+      </p:nvGrpSpPr>
+      <p:grpSpPr>
+        <a:xfrm>
+          <a:off x="0" y="0"/>
+          <a:ext cx="0" cy="0"/>
+          <a:chOff x="0" y="0"/>
+          <a:chExt cx="0" cy="0"/>
+        </a:xfrm>
+      </p:grpSpPr>
+      <p:sp>
+        <p:nvSpPr>
+          <p:cNvPr id="2" name="Title 1">
+            <a:extLst>
+              <a:ext uri="{FF2B5EF4-FFF2-40B4-BE49-F238E27FC236}">
+                <a16:creationId xmlns:a16="http://schemas.microsoft.com/office/drawing/2014/main" id="{448FF6A7-4F19-424C-9BBB-2A8C4F02267B}"/>
+              </a:ext>
+            </a:extLst>
+          </p:cNvPr>
+          <p:cNvSpPr>
+            <a:spLocks noGrp="1"/>
+          </p:cNvSpPr>
+          <p:nvPr>
+            <p:ph type="title"/>
+          </p:nvPr>
+        </p:nvSpPr>
+        <p:spPr/>
+        <p:txBody>
+          <a:bodyPr/>
+          <a:lstStyle/>
+          <a:p>
+            <a:r>
+              <a:rPr lang="en-CA" dirty="0"/>
+              <a:t>Azure Functions</a:t>
+            </a:r>
+            <a:endParaRPr lang="en-US" dirty="0"/>
+          </a:p>
+        </p:txBody>
+      </p:sp>
+      <p:sp>
+        <p:nvSpPr>
+          <p:cNvPr id="3" name="Content Placeholder 2">
+            <a:extLst>
+              <a:ext uri="{FF2B5EF4-FFF2-40B4-BE49-F238E27FC236}">
+                <a16:creationId xmlns:a16="http://schemas.microsoft.com/office/drawing/2014/main" id="{149BCE9C-2940-4C3A-A9CC-1BF020194BBB}"/>
+              </a:ext>
+            </a:extLst>
+          </p:cNvPr>
+          <p:cNvSpPr>
+            <a:spLocks noGrp="1"/>
+          </p:cNvSpPr>
+          <p:nvPr>
+            <p:ph idx="1"/>
+          </p:nvPr>
+        </p:nvSpPr>
+        <p:spPr/>
+        <p:txBody>
+          <a:bodyPr/>
+          <a:lstStyle/>
+          <a:p>
+            <a:r>
+              <a:rPr lang="en-CA" dirty="0"/>
+              <a:t>Serverless</a:t>
+            </a:r>
+          </a:p>
+          <a:p>
+            <a:r>
+              <a:rPr lang="en-CA" dirty="0"/>
+              <a:t>Cloud-Only</a:t>
+            </a:r>
+          </a:p>
+          <a:p>
+            <a:r>
+              <a:rPr lang="en-CA" dirty="0"/>
+              <a:t>Event-Driven</a:t>
+            </a:r>
+          </a:p>
+          <a:p>
+            <a:r>
+              <a:rPr lang="en-CA" dirty="0"/>
+              <a:t>Perfect Scalability</a:t>
+            </a:r>
+          </a:p>
+          <a:p>
+            <a:r>
+              <a:rPr lang="en-CA" dirty="0"/>
+              <a:t>Very good fit for Microservices</a:t>
+            </a:r>
+            <a:endParaRPr lang="en-US" dirty="0"/>
+          </a:p>
+        </p:txBody>
+      </p:sp>
+    </p:spTree>
+    <p:extLst>
+      <p:ext uri="{BB962C8B-B14F-4D97-AF65-F5344CB8AC3E}">
+        <p14:creationId xmlns:p14="http://schemas.microsoft.com/office/powerpoint/2010/main" val="2522330110"/>
+      </p:ext>
+    </p:extLst>
+  </p:cSld>
+  <p:clrMapOvr>
+    <a:masterClrMapping/>
+  </p:clrMapOvr>
+</p:sld>
+</file>
+
+<file path=ppt/slides/slide11.xml><?xml version="1.0" encoding="utf-8"?>
+<p:sld xmlns:a="http://schemas.openxmlformats.org/drawingml/2006/main" xmlns:r="http://schemas.openxmlformats.org/officeDocument/2006/relationships" xmlns:p="http://schemas.openxmlformats.org/presentationml/2006/main" show="0">
+  <p:cSld>
+    <p:spTree>
+      <p:nvGrpSpPr>
+        <p:cNvPr id="1" name=""/>
+        <p:cNvGrpSpPr/>
+        <p:nvPr/>
+      </p:nvGrpSpPr>
+      <p:grpSpPr>
+        <a:xfrm>
+          <a:off x="0" y="0"/>
+          <a:ext cx="0" cy="0"/>
+          <a:chOff x="0" y="0"/>
+          <a:chExt cx="0" cy="0"/>
+        </a:xfrm>
+      </p:grpSpPr>
+      <p:sp>
+        <p:nvSpPr>
+          <p:cNvPr id="2" name="Title 1">
+            <a:extLst>
+              <a:ext uri="{FF2B5EF4-FFF2-40B4-BE49-F238E27FC236}">
+                <a16:creationId xmlns:a16="http://schemas.microsoft.com/office/drawing/2014/main" id="{EE476F79-CB4A-4212-939F-D418218089EC}"/>
+              </a:ext>
+            </a:extLst>
+          </p:cNvPr>
+          <p:cNvSpPr>
+            <a:spLocks noGrp="1"/>
+          </p:cNvSpPr>
+          <p:nvPr>
+            <p:ph type="title"/>
+          </p:nvPr>
+        </p:nvSpPr>
+        <p:spPr/>
+        <p:txBody>
+          <a:bodyPr/>
+          <a:lstStyle/>
+          <a:p>
+            <a:r>
+              <a:rPr lang="en-CA" dirty="0"/>
+              <a:t>Azure Cloud Computing</a:t>
+            </a:r>
+            <a:endParaRPr lang="en-US" dirty="0"/>
+          </a:p>
+        </p:txBody>
+      </p:sp>
+      <p:sp>
+        <p:nvSpPr>
+          <p:cNvPr id="3" name="Text Placeholder 2">
+            <a:extLst>
+              <a:ext uri="{FF2B5EF4-FFF2-40B4-BE49-F238E27FC236}">
+                <a16:creationId xmlns:a16="http://schemas.microsoft.com/office/drawing/2014/main" id="{06EF2491-AC90-47B6-9CB7-A7C2DC6F9993}"/>
+              </a:ext>
+            </a:extLst>
+          </p:cNvPr>
+          <p:cNvSpPr>
+            <a:spLocks noGrp="1"/>
+          </p:cNvSpPr>
+          <p:nvPr>
+            <p:ph type="body" idx="1"/>
+          </p:nvPr>
+        </p:nvSpPr>
+        <p:spPr/>
+        <p:txBody>
+          <a:bodyPr/>
+          <a:lstStyle/>
+          <a:p>
+            <a:r>
+              <a:rPr lang="en-CA" dirty="0"/>
+              <a:t>IaaS</a:t>
+            </a:r>
+            <a:endParaRPr lang="en-US" dirty="0"/>
+          </a:p>
+        </p:txBody>
+      </p:sp>
+      <p:sp>
+        <p:nvSpPr>
+          <p:cNvPr id="4" name="Content Placeholder 3">
+            <a:extLst>
+              <a:ext uri="{FF2B5EF4-FFF2-40B4-BE49-F238E27FC236}">
+                <a16:creationId xmlns:a16="http://schemas.microsoft.com/office/drawing/2014/main" id="{F8E4F5F0-759B-4642-A3FA-97CCACF541B8}"/>
+              </a:ext>
+            </a:extLst>
+          </p:cNvPr>
+          <p:cNvSpPr>
+            <a:spLocks noGrp="1"/>
+          </p:cNvSpPr>
+          <p:nvPr>
+            <p:ph sz="half" idx="2"/>
+          </p:nvPr>
+        </p:nvSpPr>
+        <p:spPr/>
+        <p:txBody>
+          <a:bodyPr/>
+          <a:lstStyle/>
+          <a:p>
+            <a:r>
+              <a:rPr lang="en-CA" dirty="0"/>
+              <a:t>Infrastructure</a:t>
+            </a:r>
+          </a:p>
+          <a:p>
+            <a:r>
+              <a:rPr lang="en-CA" dirty="0"/>
+              <a:t>VMs</a:t>
+            </a:r>
+          </a:p>
+          <a:p>
+            <a:r>
+              <a:rPr lang="en-CA" dirty="0"/>
+              <a:t>Manage everything yourself</a:t>
+            </a:r>
+            <a:endParaRPr lang="en-US" dirty="0"/>
+          </a:p>
+        </p:txBody>
+      </p:sp>
+      <p:sp>
+        <p:nvSpPr>
+          <p:cNvPr id="5" name="Text Placeholder 4">
+            <a:extLst>
+              <a:ext uri="{FF2B5EF4-FFF2-40B4-BE49-F238E27FC236}">
+                <a16:creationId xmlns:a16="http://schemas.microsoft.com/office/drawing/2014/main" id="{1D97483D-7AE3-46E2-AC45-E5E0A1A6FE0F}"/>
+              </a:ext>
+            </a:extLst>
+          </p:cNvPr>
+          <p:cNvSpPr>
+            <a:spLocks noGrp="1"/>
+          </p:cNvSpPr>
+          <p:nvPr>
+            <p:ph type="body" sz="quarter" idx="3"/>
+          </p:nvPr>
+        </p:nvSpPr>
+        <p:spPr/>
+        <p:txBody>
+          <a:bodyPr/>
+          <a:lstStyle/>
+          <a:p>
+            <a:r>
+              <a:rPr lang="en-CA" dirty="0"/>
+              <a:t>PaaS</a:t>
+            </a:r>
+            <a:endParaRPr lang="en-US" dirty="0"/>
+          </a:p>
+        </p:txBody>
+      </p:sp>
+      <p:sp>
+        <p:nvSpPr>
+          <p:cNvPr id="6" name="Content Placeholder 5">
+            <a:extLst>
+              <a:ext uri="{FF2B5EF4-FFF2-40B4-BE49-F238E27FC236}">
+                <a16:creationId xmlns:a16="http://schemas.microsoft.com/office/drawing/2014/main" id="{E8DB231C-73C0-4878-9410-6D9C63A6D237}"/>
+              </a:ext>
+            </a:extLst>
+          </p:cNvPr>
+          <p:cNvSpPr>
+            <a:spLocks noGrp="1"/>
+          </p:cNvSpPr>
+          <p:nvPr>
+            <p:ph sz="quarter" idx="4"/>
+          </p:nvPr>
+        </p:nvSpPr>
+        <p:spPr/>
+        <p:txBody>
+          <a:bodyPr/>
+          <a:lstStyle/>
+          <a:p>
+            <a:r>
+              <a:rPr lang="en-CA" dirty="0"/>
+              <a:t>Platform</a:t>
+            </a:r>
+          </a:p>
+          <a:p>
+            <a:r>
+              <a:rPr lang="en-CA" dirty="0"/>
+              <a:t>Shared Platform</a:t>
+            </a:r>
+          </a:p>
+          <a:p>
+            <a:r>
+              <a:rPr lang="en-CA" dirty="0"/>
+              <a:t>Platform manages everything for you</a:t>
+            </a:r>
+          </a:p>
+          <a:p>
+            <a:r>
+              <a:rPr lang="en-CA" dirty="0"/>
+              <a:t>Manage Application Runtime and Application</a:t>
+            </a:r>
+          </a:p>
+          <a:p>
+            <a:endParaRPr lang="en-US" dirty="0"/>
+          </a:p>
+        </p:txBody>
+      </p:sp>
+    </p:spTree>
+    <p:extLst>
+      <p:ext uri="{BB962C8B-B14F-4D97-AF65-F5344CB8AC3E}">
+        <p14:creationId xmlns:p14="http://schemas.microsoft.com/office/powerpoint/2010/main" val="198415830"/>
+      </p:ext>
+    </p:extLst>
+  </p:cSld>
+  <p:clrMapOvr>
+    <a:masterClrMapping/>
+  </p:clrMapOvr>
+</p:sld>
+</file>
+
+<file path=ppt/slides/slide12.xml><?xml version="1.0" encoding="utf-8"?>
+<p:sld xmlns:a="http://schemas.openxmlformats.org/drawingml/2006/main" xmlns:r="http://schemas.openxmlformats.org/officeDocument/2006/relationships" xmlns:p="http://schemas.openxmlformats.org/presentationml/2006/main" show="0">
+  <p:cSld>
+    <p:spTree>
+      <p:nvGrpSpPr>
+        <p:cNvPr id="1" name=""/>
+        <p:cNvGrpSpPr/>
+        <p:nvPr/>
+      </p:nvGrpSpPr>
+      <p:grpSpPr>
+        <a:xfrm>
+          <a:off x="0" y="0"/>
+          <a:ext cx="0" cy="0"/>
+          <a:chOff x="0" y="0"/>
+          <a:chExt cx="0" cy="0"/>
+        </a:xfrm>
+      </p:grpSpPr>
+      <p:sp>
+        <p:nvSpPr>
+          <p:cNvPr id="2" name="Title 1">
+            <a:extLst>
+              <a:ext uri="{FF2B5EF4-FFF2-40B4-BE49-F238E27FC236}">
+                <a16:creationId xmlns:a16="http://schemas.microsoft.com/office/drawing/2014/main" id="{EE476F79-CB4A-4212-939F-D418218089EC}"/>
+              </a:ext>
+            </a:extLst>
+          </p:cNvPr>
+          <p:cNvSpPr>
+            <a:spLocks noGrp="1"/>
+          </p:cNvSpPr>
+          <p:nvPr>
+            <p:ph type="title"/>
+          </p:nvPr>
+        </p:nvSpPr>
+        <p:spPr/>
+        <p:txBody>
+          <a:bodyPr/>
+          <a:lstStyle/>
+          <a:p>
+            <a:r>
+              <a:rPr lang="en-CA" dirty="0"/>
+              <a:t>Azure Cloud Computing</a:t>
+            </a:r>
+            <a:endParaRPr lang="en-US" dirty="0"/>
+          </a:p>
+        </p:txBody>
+      </p:sp>
+      <p:sp>
+        <p:nvSpPr>
+          <p:cNvPr id="3" name="Text Placeholder 2">
+            <a:extLst>
+              <a:ext uri="{FF2B5EF4-FFF2-40B4-BE49-F238E27FC236}">
+                <a16:creationId xmlns:a16="http://schemas.microsoft.com/office/drawing/2014/main" id="{06EF2491-AC90-47B6-9CB7-A7C2DC6F9993}"/>
+              </a:ext>
+            </a:extLst>
+          </p:cNvPr>
+          <p:cNvSpPr>
+            <a:spLocks noGrp="1"/>
+          </p:cNvSpPr>
+          <p:nvPr>
+            <p:ph type="body" idx="1"/>
+          </p:nvPr>
+        </p:nvSpPr>
+        <p:spPr/>
+        <p:txBody>
+          <a:bodyPr/>
+          <a:lstStyle/>
+          <a:p>
+            <a:r>
+              <a:rPr lang="en-CA" dirty="0"/>
+              <a:t>PaaS</a:t>
+            </a:r>
+            <a:endParaRPr lang="en-US" dirty="0"/>
+          </a:p>
+        </p:txBody>
+      </p:sp>
+      <p:sp>
+        <p:nvSpPr>
+          <p:cNvPr id="4" name="Content Placeholder 3">
+            <a:extLst>
+              <a:ext uri="{FF2B5EF4-FFF2-40B4-BE49-F238E27FC236}">
+                <a16:creationId xmlns:a16="http://schemas.microsoft.com/office/drawing/2014/main" id="{F8E4F5F0-759B-4642-A3FA-97CCACF541B8}"/>
+              </a:ext>
+            </a:extLst>
+          </p:cNvPr>
+          <p:cNvSpPr>
+            <a:spLocks noGrp="1"/>
+          </p:cNvSpPr>
+          <p:nvPr>
+            <p:ph sz="half" idx="2"/>
+          </p:nvPr>
+        </p:nvSpPr>
+        <p:spPr/>
+        <p:txBody>
+          <a:bodyPr>
+            <a:normAutofit fontScale="92500" lnSpcReduction="20000"/>
+          </a:bodyPr>
+          <a:lstStyle/>
+          <a:p>
+            <a:r>
+              <a:rPr lang="en-CA" dirty="0"/>
+              <a:t>Platform</a:t>
+            </a:r>
+          </a:p>
+          <a:p>
+            <a:r>
+              <a:rPr lang="en-CA" dirty="0"/>
+              <a:t>Shared Platform</a:t>
+            </a:r>
+          </a:p>
+          <a:p>
+            <a:r>
+              <a:rPr lang="en-CA" dirty="0"/>
+              <a:t>Platform manages everything for you</a:t>
+            </a:r>
+          </a:p>
+          <a:p>
+            <a:r>
+              <a:rPr lang="en-CA" dirty="0"/>
+              <a:t>Manage Application Runtime and Application</a:t>
+            </a:r>
+            <a:endParaRPr lang="en-US" dirty="0"/>
+          </a:p>
+        </p:txBody>
+      </p:sp>
+      <p:sp>
+        <p:nvSpPr>
+          <p:cNvPr id="5" name="Text Placeholder 4">
+            <a:extLst>
+              <a:ext uri="{FF2B5EF4-FFF2-40B4-BE49-F238E27FC236}">
+                <a16:creationId xmlns:a16="http://schemas.microsoft.com/office/drawing/2014/main" id="{1D97483D-7AE3-46E2-AC45-E5E0A1A6FE0F}"/>
+              </a:ext>
+            </a:extLst>
+          </p:cNvPr>
+          <p:cNvSpPr>
+            <a:spLocks noGrp="1"/>
+          </p:cNvSpPr>
+          <p:nvPr>
+            <p:ph type="body" sz="quarter" idx="3"/>
+          </p:nvPr>
+        </p:nvSpPr>
+        <p:spPr/>
+        <p:txBody>
+          <a:bodyPr/>
+          <a:lstStyle/>
+          <a:p>
+            <a:r>
+              <a:rPr lang="en-CA" dirty="0" err="1"/>
+              <a:t>FaaS</a:t>
+            </a:r>
+            <a:endParaRPr lang="en-US" dirty="0"/>
+          </a:p>
+        </p:txBody>
+      </p:sp>
+      <p:sp>
+        <p:nvSpPr>
+          <p:cNvPr id="6" name="Content Placeholder 5">
+            <a:extLst>
+              <a:ext uri="{FF2B5EF4-FFF2-40B4-BE49-F238E27FC236}">
+                <a16:creationId xmlns:a16="http://schemas.microsoft.com/office/drawing/2014/main" id="{E8DB231C-73C0-4878-9410-6D9C63A6D237}"/>
+              </a:ext>
+            </a:extLst>
+          </p:cNvPr>
+          <p:cNvSpPr>
+            <a:spLocks noGrp="1"/>
+          </p:cNvSpPr>
+          <p:nvPr>
+            <p:ph sz="quarter" idx="4"/>
+          </p:nvPr>
+        </p:nvSpPr>
+        <p:spPr/>
+        <p:txBody>
+          <a:bodyPr>
+            <a:normAutofit fontScale="92500" lnSpcReduction="20000"/>
+          </a:bodyPr>
+          <a:lstStyle/>
+          <a:p>
+            <a:r>
+              <a:rPr lang="en-CA" dirty="0"/>
+              <a:t>Function</a:t>
+            </a:r>
+          </a:p>
+          <a:p>
+            <a:r>
+              <a:rPr lang="en-CA" dirty="0"/>
+              <a:t>Shared Instance</a:t>
+            </a:r>
+          </a:p>
+          <a:p>
+            <a:r>
+              <a:rPr lang="en-CA" dirty="0"/>
+              <a:t>Instance manages everything for you</a:t>
+            </a:r>
+          </a:p>
+          <a:p>
+            <a:r>
+              <a:rPr lang="en-CA" dirty="0"/>
+              <a:t>Function Host manages Runtime and Application</a:t>
+            </a:r>
+          </a:p>
+          <a:p>
+            <a:r>
+              <a:rPr lang="en-CA" dirty="0"/>
+              <a:t>You manage Function only</a:t>
+            </a:r>
+          </a:p>
+          <a:p>
+            <a:endParaRPr lang="en-US" dirty="0"/>
+          </a:p>
+        </p:txBody>
+      </p:sp>
+    </p:spTree>
+    <p:extLst>
+      <p:ext uri="{BB962C8B-B14F-4D97-AF65-F5344CB8AC3E}">
+        <p14:creationId xmlns:p14="http://schemas.microsoft.com/office/powerpoint/2010/main" val="1634031147"/>
+      </p:ext>
+    </p:extLst>
+  </p:cSld>
+  <p:clrMapOvr>
+    <a:masterClrMapping/>
+  </p:clrMapOvr>
+</p:sld>
+</file>
+
+<file path=ppt/slides/slide13.xml><?xml version="1.0" encoding="utf-8"?>
+<p:sld xmlns:a="http://schemas.openxmlformats.org/drawingml/2006/main" xmlns:r="http://schemas.openxmlformats.org/officeDocument/2006/relationships" xmlns:p="http://schemas.openxmlformats.org/presentationml/2006/main" show="0">
+  <p:cSld>
+    <p:spTree>
+      <p:nvGrpSpPr>
+        <p:cNvPr id="1" name=""/>
+        <p:cNvGrpSpPr/>
+        <p:nvPr/>
+      </p:nvGrpSpPr>
+      <p:grpSpPr>
+        <a:xfrm>
+          <a:off x="0" y="0"/>
+          <a:ext cx="0" cy="0"/>
+          <a:chOff x="0" y="0"/>
+          <a:chExt cx="0" cy="0"/>
+        </a:xfrm>
+      </p:grpSpPr>
+      <p:sp>
+        <p:nvSpPr>
+          <p:cNvPr id="2" name="Title 1">
+            <a:extLst>
+              <a:ext uri="{FF2B5EF4-FFF2-40B4-BE49-F238E27FC236}">
+                <a16:creationId xmlns:a16="http://schemas.microsoft.com/office/drawing/2014/main" id="{6BF31C99-BCA3-4C88-BB76-0ECDE88BBD32}"/>
+              </a:ext>
+            </a:extLst>
+          </p:cNvPr>
+          <p:cNvSpPr>
+            <a:spLocks noGrp="1"/>
+          </p:cNvSpPr>
+          <p:nvPr>
+            <p:ph type="title"/>
+          </p:nvPr>
+        </p:nvSpPr>
+        <p:spPr/>
+        <p:txBody>
+          <a:bodyPr/>
+          <a:lstStyle/>
+          <a:p>
+            <a:r>
+              <a:rPr lang="en-CA" dirty="0"/>
+              <a:t>Azure Functions</a:t>
+            </a:r>
+            <a:endParaRPr lang="en-US" dirty="0"/>
+          </a:p>
+        </p:txBody>
+      </p:sp>
+      <p:sp>
+        <p:nvSpPr>
+          <p:cNvPr id="3" name="Content Placeholder 2">
+            <a:extLst>
+              <a:ext uri="{FF2B5EF4-FFF2-40B4-BE49-F238E27FC236}">
+                <a16:creationId xmlns:a16="http://schemas.microsoft.com/office/drawing/2014/main" id="{1E4B8E1F-7C4D-4198-8AD6-C969AEFDC467}"/>
+              </a:ext>
+            </a:extLst>
+          </p:cNvPr>
+          <p:cNvSpPr>
+            <a:spLocks noGrp="1"/>
+          </p:cNvSpPr>
+          <p:nvPr>
+            <p:ph idx="1"/>
+          </p:nvPr>
+        </p:nvSpPr>
+        <p:spPr/>
+        <p:txBody>
+          <a:bodyPr/>
+          <a:lstStyle/>
+          <a:p>
+            <a:endParaRPr lang="en-US" dirty="0"/>
+          </a:p>
+        </p:txBody>
+      </p:sp>
+      <p:sp>
+        <p:nvSpPr>
+          <p:cNvPr id="4" name="Text Placeholder 3">
+            <a:extLst>
+              <a:ext uri="{FF2B5EF4-FFF2-40B4-BE49-F238E27FC236}">
+                <a16:creationId xmlns:a16="http://schemas.microsoft.com/office/drawing/2014/main" id="{D951E920-AB0C-40B3-A3D7-13905DDE1E5E}"/>
+              </a:ext>
+            </a:extLst>
+          </p:cNvPr>
+          <p:cNvSpPr>
+            <a:spLocks noGrp="1"/>
+          </p:cNvSpPr>
+          <p:nvPr>
+            <p:ph type="body" sz="half" idx="2"/>
+          </p:nvPr>
+        </p:nvSpPr>
+        <p:spPr/>
+        <p:txBody>
+          <a:bodyPr/>
+          <a:lstStyle/>
+          <a:p>
+            <a:endParaRPr lang="en-US"/>
+          </a:p>
+        </p:txBody>
+      </p:sp>
+      <p:sp>
+        <p:nvSpPr>
+          <p:cNvPr id="6" name="Shape 184">
+            <a:extLst>
+              <a:ext uri="{FF2B5EF4-FFF2-40B4-BE49-F238E27FC236}">
+                <a16:creationId xmlns:a16="http://schemas.microsoft.com/office/drawing/2014/main" id="{A3F231AE-574B-4B43-AFAD-85D410E22DEF}"/>
+              </a:ext>
+            </a:extLst>
+          </p:cNvPr>
+          <p:cNvSpPr/>
+          <p:nvPr/>
+        </p:nvSpPr>
+        <p:spPr>
+          <a:xfrm>
+            <a:off x="5796243" y="1188585"/>
+            <a:ext cx="875452" cy="875452"/>
+          </a:xfrm>
+          <a:prstGeom prst="rect">
+            <a:avLst/>
+          </a:prstGeom>
+          <a:solidFill>
+            <a:schemeClr val="accent2">
+              <a:hueOff val="-2473793"/>
+              <a:satOff val="-50209"/>
+              <a:lumOff val="23543"/>
+            </a:schemeClr>
+          </a:solidFill>
+          <a:ln w="12700">
+            <a:miter lim="400000"/>
+          </a:ln>
+          <a:effectLst>
+            <a:outerShdw blurRad="50800" dist="12700" rotWithShape="0">
+              <a:srgbClr val="000000">
+                <a:alpha val="50000"/>
+              </a:srgbClr>
+            </a:outerShdw>
+          </a:effectLst>
+          <a:extLst>
+            <a:ext uri="{C572A759-6A51-4108-AA02-DFA0A04FC94B}">
+              <ma14:wrappingTextBoxFlag xmlns:ma14="http://schemas.microsoft.com/office/mac/drawingml/2011/main" xmlns="" val="1"/>
+            </a:ext>
+          </a:extLst>
+        </p:spPr>
+        <p:txBody>
+          <a:bodyPr lIns="50800" tIns="50800" rIns="50800" bIns="50800" anchor="ctr"/>
+          <a:lstStyle>
+            <a:lvl1pPr>
+              <a:defRPr sz="2400">
+                <a:solidFill>
+                  <a:srgbClr val="FFFFFF"/>
+                </a:solidFill>
+              </a:defRPr>
+            </a:lvl1pPr>
+          </a:lstStyle>
+          <a:p>
+            <a:pPr algn="ctr"/>
+            <a:r>
+              <a:rPr sz="1400" dirty="0"/>
+              <a:t>DB</a:t>
+            </a:r>
+          </a:p>
+        </p:txBody>
+      </p:sp>
+      <p:sp>
+        <p:nvSpPr>
+          <p:cNvPr id="7" name="Shape 185">
+            <a:extLst>
+              <a:ext uri="{FF2B5EF4-FFF2-40B4-BE49-F238E27FC236}">
+                <a16:creationId xmlns:a16="http://schemas.microsoft.com/office/drawing/2014/main" id="{082AA398-3FE5-45D0-9C18-DA297CB0F388}"/>
+              </a:ext>
+            </a:extLst>
+          </p:cNvPr>
+          <p:cNvSpPr/>
+          <p:nvPr/>
+        </p:nvSpPr>
+        <p:spPr>
+          <a:xfrm>
+            <a:off x="5765189" y="4929768"/>
+            <a:ext cx="875452" cy="875452"/>
+          </a:xfrm>
+          <a:prstGeom prst="rect">
+            <a:avLst/>
+          </a:prstGeom>
+          <a:solidFill>
+            <a:schemeClr val="accent2">
+              <a:hueOff val="-2473793"/>
+              <a:satOff val="-50209"/>
+              <a:lumOff val="23543"/>
+            </a:schemeClr>
+          </a:solidFill>
+          <a:ln w="12700">
+            <a:miter lim="400000"/>
+          </a:ln>
+          <a:effectLst>
+            <a:outerShdw blurRad="38100" dist="25400" dir="5400000" rotWithShape="0">
+              <a:srgbClr val="000000">
+                <a:alpha val="50000"/>
+              </a:srgbClr>
+            </a:outerShdw>
+          </a:effectLst>
+          <a:extLst>
+            <a:ext uri="{C572A759-6A51-4108-AA02-DFA0A04FC94B}">
+              <ma14:wrappingTextBoxFlag xmlns:ma14="http://schemas.microsoft.com/office/mac/drawingml/2011/main" xmlns="" val="1"/>
+            </a:ext>
+          </a:extLst>
+        </p:spPr>
+        <p:txBody>
+          <a:bodyPr lIns="50800" tIns="50800" rIns="50800" bIns="50800" anchor="ctr"/>
+          <a:lstStyle>
+            <a:lvl1pPr>
+              <a:defRPr sz="1800">
+                <a:solidFill>
+                  <a:srgbClr val="FFFFFF"/>
+                </a:solidFill>
+              </a:defRPr>
+            </a:lvl1pPr>
+          </a:lstStyle>
+          <a:p>
+            <a:pPr algn="ctr"/>
+            <a:r>
+              <a:rPr sz="1200" dirty="0"/>
+              <a:t>Messaging</a:t>
+            </a:r>
+          </a:p>
+        </p:txBody>
+      </p:sp>
+      <p:sp>
+        <p:nvSpPr>
+          <p:cNvPr id="8" name="Shape 186">
+            <a:extLst>
+              <a:ext uri="{FF2B5EF4-FFF2-40B4-BE49-F238E27FC236}">
+                <a16:creationId xmlns:a16="http://schemas.microsoft.com/office/drawing/2014/main" id="{E28BF4A3-1ED2-43E4-9CED-60ED081F00ED}"/>
+              </a:ext>
+            </a:extLst>
+          </p:cNvPr>
+          <p:cNvSpPr/>
+          <p:nvPr/>
+        </p:nvSpPr>
+        <p:spPr>
+          <a:xfrm>
+            <a:off x="9178179" y="1214057"/>
+            <a:ext cx="865345" cy="824508"/>
+          </a:xfrm>
+          <a:prstGeom prst="rect">
+            <a:avLst/>
+          </a:prstGeom>
+          <a:solidFill>
+            <a:schemeClr val="accent2">
+              <a:hueOff val="-2473793"/>
+              <a:satOff val="-50209"/>
+              <a:lumOff val="23543"/>
+            </a:schemeClr>
+          </a:solidFill>
+          <a:ln w="12700">
+            <a:miter lim="400000"/>
+          </a:ln>
+          <a:effectLst>
+            <a:outerShdw blurRad="38100" dist="25400" dir="5400000" rotWithShape="0">
+              <a:srgbClr val="000000">
+                <a:alpha val="50000"/>
+              </a:srgbClr>
+            </a:outerShdw>
+          </a:effectLst>
+          <a:extLst>
+            <a:ext uri="{C572A759-6A51-4108-AA02-DFA0A04FC94B}">
+              <ma14:wrappingTextBoxFlag xmlns:ma14="http://schemas.microsoft.com/office/mac/drawingml/2011/main" xmlns="" val="1"/>
+            </a:ext>
+          </a:extLst>
+        </p:spPr>
+        <p:txBody>
+          <a:bodyPr lIns="50800" tIns="50800" rIns="50800" bIns="50800" anchor="ctr"/>
+          <a:lstStyle>
+            <a:lvl1pPr>
+              <a:defRPr sz="2400">
+                <a:solidFill>
+                  <a:srgbClr val="FFFFFF"/>
+                </a:solidFill>
+              </a:defRPr>
+            </a:lvl1pPr>
+          </a:lstStyle>
+          <a:p>
+            <a:pPr algn="ctr"/>
+            <a:r>
+              <a:rPr sz="1400" dirty="0"/>
+              <a:t>Web-Server</a:t>
+            </a:r>
+            <a:endParaRPr dirty="0"/>
+          </a:p>
+        </p:txBody>
+      </p:sp>
+      <p:sp>
+        <p:nvSpPr>
+          <p:cNvPr id="9" name="Shape 187">
+            <a:extLst>
+              <a:ext uri="{FF2B5EF4-FFF2-40B4-BE49-F238E27FC236}">
+                <a16:creationId xmlns:a16="http://schemas.microsoft.com/office/drawing/2014/main" id="{A2302588-82A1-4B65-AD97-49E1B05C2D63}"/>
+              </a:ext>
+            </a:extLst>
+          </p:cNvPr>
+          <p:cNvSpPr/>
+          <p:nvPr/>
+        </p:nvSpPr>
+        <p:spPr>
+          <a:xfrm>
+            <a:off x="9307230" y="4852473"/>
+            <a:ext cx="875452" cy="875452"/>
+          </a:xfrm>
+          <a:prstGeom prst="rect">
+            <a:avLst/>
+          </a:prstGeom>
+          <a:solidFill>
+            <a:schemeClr val="accent2">
+              <a:hueOff val="-2473793"/>
+              <a:satOff val="-50209"/>
+              <a:lumOff val="23543"/>
+            </a:schemeClr>
+          </a:solidFill>
+          <a:ln w="12700">
+            <a:miter lim="400000"/>
+          </a:ln>
+          <a:effectLst>
+            <a:outerShdw blurRad="38100" dist="25400" dir="5400000" rotWithShape="0">
+              <a:srgbClr val="000000">
+                <a:alpha val="50000"/>
+              </a:srgbClr>
+            </a:outerShdw>
+          </a:effectLst>
+          <a:extLst>
+            <a:ext uri="{C572A759-6A51-4108-AA02-DFA0A04FC94B}">
+              <ma14:wrappingTextBoxFlag xmlns:ma14="http://schemas.microsoft.com/office/mac/drawingml/2011/main" xmlns="" val="1"/>
+            </a:ext>
+          </a:extLst>
+        </p:spPr>
+        <p:txBody>
+          <a:bodyPr lIns="50800" tIns="50800" rIns="50800" bIns="50800" anchor="ctr"/>
+          <a:lstStyle>
+            <a:lvl1pPr>
+              <a:defRPr sz="1800">
+                <a:solidFill>
+                  <a:srgbClr val="FFFFFF"/>
+                </a:solidFill>
+              </a:defRPr>
+            </a:lvl1pPr>
+          </a:lstStyle>
+          <a:p>
+            <a:pPr algn="ctr"/>
+            <a:r>
+              <a:rPr sz="1200" dirty="0"/>
+              <a:t>Monitoring</a:t>
+            </a:r>
+          </a:p>
+        </p:txBody>
+      </p:sp>
+      <p:sp>
+        <p:nvSpPr>
+          <p:cNvPr id="10" name="Shape 188">
+            <a:extLst>
+              <a:ext uri="{FF2B5EF4-FFF2-40B4-BE49-F238E27FC236}">
+                <a16:creationId xmlns:a16="http://schemas.microsoft.com/office/drawing/2014/main" id="{EEDE0AEC-495C-4C77-AAA6-2FD52460698E}"/>
+              </a:ext>
+            </a:extLst>
+          </p:cNvPr>
+          <p:cNvSpPr/>
+          <p:nvPr/>
+        </p:nvSpPr>
+        <p:spPr>
+          <a:xfrm>
+            <a:off x="5779365" y="1322631"/>
+            <a:ext cx="4271248" cy="4271248"/>
+          </a:xfrm>
+          <a:prstGeom prst="ellipse">
+            <a:avLst/>
+          </a:prstGeom>
+          <a:solidFill>
+            <a:schemeClr val="accent4">
+              <a:hueOff val="384618"/>
+              <a:satOff val="3869"/>
+              <a:lumOff val="5802"/>
+            </a:schemeClr>
+          </a:solidFill>
+          <a:ln w="12700">
+            <a:miter lim="400000"/>
+          </a:ln>
+          <a:effectLst>
+            <a:outerShdw blurRad="38100" dist="25400" dir="5400000" rotWithShape="0">
+              <a:srgbClr val="000000">
+                <a:alpha val="50000"/>
+              </a:srgbClr>
+            </a:outerShdw>
+          </a:effectLst>
+          <a:extLst>
+            <a:ext uri="{C572A759-6A51-4108-AA02-DFA0A04FC94B}">
+              <ma14:wrappingTextBoxFlag xmlns:ma14="http://schemas.microsoft.com/office/mac/drawingml/2011/main" xmlns="" val="1"/>
+            </a:ext>
+          </a:extLst>
+        </p:spPr>
+        <p:txBody>
+          <a:bodyPr lIns="50800" tIns="50800" rIns="50800" bIns="50800" anchor="ctr"/>
+          <a:lstStyle>
+            <a:lvl1pPr>
+              <a:defRPr sz="5100">
+                <a:solidFill>
+                  <a:srgbClr val="FFFFFF"/>
+                </a:solidFill>
+              </a:defRPr>
+            </a:lvl1pPr>
+          </a:lstStyle>
+          <a:p>
+            <a:pPr algn="ctr"/>
+            <a:r>
+              <a:rPr dirty="0"/>
+              <a:t>Feature</a:t>
+            </a:r>
+          </a:p>
+        </p:txBody>
+      </p:sp>
+    </p:spTree>
+    <p:extLst>
+      <p:ext uri="{BB962C8B-B14F-4D97-AF65-F5344CB8AC3E}">
+        <p14:creationId xmlns:p14="http://schemas.microsoft.com/office/powerpoint/2010/main" val="3175596156"/>
+      </p:ext>
+    </p:extLst>
+  </p:cSld>
+  <p:clrMapOvr>
+    <a:masterClrMapping/>
+  </p:clrMapOvr>
+</p:sld>
+</file>
+
+<file path=ppt/slides/slide14.xml><?xml version="1.0" encoding="utf-8"?>
+<p:sld xmlns:a="http://schemas.openxmlformats.org/drawingml/2006/main" xmlns:r="http://schemas.openxmlformats.org/officeDocument/2006/relationships" xmlns:p="http://schemas.openxmlformats.org/presentationml/2006/main" show="0">
+  <p:cSld>
+    <p:spTree>
+      <p:nvGrpSpPr>
+        <p:cNvPr id="1" name=""/>
+        <p:cNvGrpSpPr/>
+        <p:nvPr/>
+      </p:nvGrpSpPr>
+      <p:grpSpPr>
+        <a:xfrm>
+          <a:off x="0" y="0"/>
+          <a:ext cx="0" cy="0"/>
+          <a:chOff x="0" y="0"/>
+          <a:chExt cx="0" cy="0"/>
+        </a:xfrm>
+      </p:grpSpPr>
+      <p:sp>
+        <p:nvSpPr>
+          <p:cNvPr id="2" name="Title 1">
+            <a:extLst>
+              <a:ext uri="{FF2B5EF4-FFF2-40B4-BE49-F238E27FC236}">
+                <a16:creationId xmlns:a16="http://schemas.microsoft.com/office/drawing/2014/main" id="{47D2FA26-7388-449A-B962-99C2FF26C858}"/>
+              </a:ext>
+            </a:extLst>
+          </p:cNvPr>
+          <p:cNvSpPr>
+            <a:spLocks noGrp="1"/>
+          </p:cNvSpPr>
+          <p:nvPr>
+            <p:ph type="title"/>
+          </p:nvPr>
+        </p:nvSpPr>
+        <p:spPr/>
+        <p:txBody>
+          <a:bodyPr/>
+          <a:lstStyle/>
+          <a:p>
+            <a:r>
+              <a:rPr lang="en-CA" dirty="0"/>
+              <a:t>Azure Functions</a:t>
+            </a:r>
+            <a:endParaRPr lang="en-US" dirty="0"/>
+          </a:p>
+        </p:txBody>
+      </p:sp>
+      <p:sp>
+        <p:nvSpPr>
+          <p:cNvPr id="3" name="Content Placeholder 2">
+            <a:extLst>
+              <a:ext uri="{FF2B5EF4-FFF2-40B4-BE49-F238E27FC236}">
+                <a16:creationId xmlns:a16="http://schemas.microsoft.com/office/drawing/2014/main" id="{0ACF4E50-76AA-4B31-97C1-5380BEBFC025}"/>
+              </a:ext>
+            </a:extLst>
+          </p:cNvPr>
+          <p:cNvSpPr>
+            <a:spLocks noGrp="1"/>
+          </p:cNvSpPr>
+          <p:nvPr>
+            <p:ph idx="1"/>
+          </p:nvPr>
+        </p:nvSpPr>
+        <p:spPr/>
+        <p:txBody>
+          <a:bodyPr/>
+          <a:lstStyle/>
+          <a:p>
+            <a:endParaRPr lang="en-US" dirty="0"/>
+          </a:p>
+        </p:txBody>
+      </p:sp>
+      <p:sp>
+        <p:nvSpPr>
+          <p:cNvPr id="4" name="Text Placeholder 3">
+            <a:extLst>
+              <a:ext uri="{FF2B5EF4-FFF2-40B4-BE49-F238E27FC236}">
+                <a16:creationId xmlns:a16="http://schemas.microsoft.com/office/drawing/2014/main" id="{8E1A906D-60C7-4685-BD37-EF82E971E7D7}"/>
+              </a:ext>
+            </a:extLst>
+          </p:cNvPr>
+          <p:cNvSpPr>
+            <a:spLocks noGrp="1"/>
+          </p:cNvSpPr>
+          <p:nvPr>
+            <p:ph type="body" sz="half" idx="2"/>
+          </p:nvPr>
+        </p:nvSpPr>
+        <p:spPr/>
+        <p:txBody>
+          <a:bodyPr/>
+          <a:lstStyle/>
+          <a:p>
+            <a:endParaRPr lang="en-US"/>
+          </a:p>
+        </p:txBody>
+      </p:sp>
+      <p:sp>
+        <p:nvSpPr>
+          <p:cNvPr id="5" name="Shape 191">
+            <a:extLst>
+              <a:ext uri="{FF2B5EF4-FFF2-40B4-BE49-F238E27FC236}">
+                <a16:creationId xmlns:a16="http://schemas.microsoft.com/office/drawing/2014/main" id="{5B76BBB7-BD2A-4D7C-ABD8-6F71C2AF1EC8}"/>
+              </a:ext>
+            </a:extLst>
+          </p:cNvPr>
+          <p:cNvSpPr/>
+          <p:nvPr/>
+        </p:nvSpPr>
+        <p:spPr>
+          <a:xfrm>
+            <a:off x="7486785" y="2830924"/>
+            <a:ext cx="1004784" cy="1004784"/>
+          </a:xfrm>
+          <a:prstGeom prst="ellipse">
+            <a:avLst/>
+          </a:prstGeom>
+          <a:solidFill>
+            <a:schemeClr val="accent5">
+              <a:hueOff val="-444211"/>
+              <a:satOff val="-14915"/>
+              <a:lumOff val="22857"/>
+            </a:schemeClr>
+          </a:solidFill>
+          <a:ln w="12700">
+            <a:miter lim="400000"/>
+          </a:ln>
+          <a:effectLst>
+            <a:outerShdw blurRad="38100" dist="25400" dir="5400000" rotWithShape="0">
+              <a:srgbClr val="000000">
+                <a:alpha val="50000"/>
+              </a:srgbClr>
+            </a:outerShdw>
+          </a:effectLst>
+          <a:extLst>
+            <a:ext uri="{C572A759-6A51-4108-AA02-DFA0A04FC94B}">
+              <ma14:wrappingTextBoxFlag xmlns:ma14="http://schemas.microsoft.com/office/mac/drawingml/2011/main" xmlns="" val="1"/>
+            </a:ext>
+          </a:extLst>
+        </p:spPr>
+        <p:txBody>
+          <a:bodyPr lIns="50800" tIns="50800" rIns="50800" bIns="50800" anchor="ctr"/>
+          <a:lstStyle>
+            <a:lvl1pPr>
+              <a:defRPr sz="2500">
+                <a:solidFill>
+                  <a:srgbClr val="FFFFFF"/>
+                </a:solidFill>
+              </a:defRPr>
+            </a:lvl1pPr>
+          </a:lstStyle>
+          <a:p>
+            <a:r>
+              <a:t>Feature</a:t>
+            </a:r>
+          </a:p>
+        </p:txBody>
+      </p:sp>
+      <p:sp>
+        <p:nvSpPr>
+          <p:cNvPr id="6" name="Shape 192">
+            <a:extLst>
+              <a:ext uri="{FF2B5EF4-FFF2-40B4-BE49-F238E27FC236}">
+                <a16:creationId xmlns:a16="http://schemas.microsoft.com/office/drawing/2014/main" id="{A8BB9113-8181-418A-8506-309F90F38AD4}"/>
+              </a:ext>
+            </a:extLst>
+          </p:cNvPr>
+          <p:cNvSpPr/>
+          <p:nvPr/>
+        </p:nvSpPr>
+        <p:spPr>
+          <a:xfrm>
+            <a:off x="6519735" y="1955605"/>
+            <a:ext cx="1289129" cy="1289129"/>
+          </a:xfrm>
+          <a:prstGeom prst="rect">
+            <a:avLst/>
+          </a:prstGeom>
+          <a:solidFill>
+            <a:schemeClr val="accent2">
+              <a:hueOff val="-554920"/>
+              <a:satOff val="-21482"/>
+              <a:lumOff val="-6228"/>
+            </a:schemeClr>
+          </a:solidFill>
+          <a:ln w="12700">
+            <a:miter lim="400000"/>
+          </a:ln>
+          <a:effectLst>
+            <a:outerShdw blurRad="38100" dist="25400" dir="5400000" rotWithShape="0">
+              <a:srgbClr val="000000">
+                <a:alpha val="50000"/>
+              </a:srgbClr>
+            </a:outerShdw>
+          </a:effectLst>
+          <a:extLst>
+            <a:ext uri="{C572A759-6A51-4108-AA02-DFA0A04FC94B}">
+              <ma14:wrappingTextBoxFlag xmlns:ma14="http://schemas.microsoft.com/office/mac/drawingml/2011/main" xmlns="" val="1"/>
+            </a:ext>
+          </a:extLst>
+        </p:spPr>
+        <p:txBody>
+          <a:bodyPr lIns="50800" tIns="50800" rIns="50800" bIns="50800" anchor="ctr"/>
+          <a:lstStyle>
+            <a:lvl1pPr>
+              <a:defRPr sz="2400">
+                <a:solidFill>
+                  <a:srgbClr val="FFFFFF"/>
+                </a:solidFill>
+              </a:defRPr>
+            </a:lvl1pPr>
+          </a:lstStyle>
+          <a:p>
+            <a:pPr algn="ctr"/>
+            <a:r>
+              <a:rPr dirty="0"/>
+              <a:t>DB</a:t>
+            </a:r>
+          </a:p>
+        </p:txBody>
+      </p:sp>
+      <p:sp>
+        <p:nvSpPr>
+          <p:cNvPr id="7" name="Shape 193">
+            <a:extLst>
+              <a:ext uri="{FF2B5EF4-FFF2-40B4-BE49-F238E27FC236}">
+                <a16:creationId xmlns:a16="http://schemas.microsoft.com/office/drawing/2014/main" id="{9A46F7B2-34D7-4A5F-A4AB-FE2188495975}"/>
+              </a:ext>
+            </a:extLst>
+          </p:cNvPr>
+          <p:cNvSpPr/>
+          <p:nvPr/>
+        </p:nvSpPr>
+        <p:spPr>
+          <a:xfrm>
+            <a:off x="6529345" y="3408671"/>
+            <a:ext cx="1289129" cy="1289129"/>
+          </a:xfrm>
+          <a:prstGeom prst="rect">
+            <a:avLst/>
+          </a:prstGeom>
+          <a:solidFill>
+            <a:schemeClr val="accent2">
+              <a:hueOff val="-554920"/>
+              <a:satOff val="-21482"/>
+              <a:lumOff val="-6228"/>
+            </a:schemeClr>
+          </a:solidFill>
+          <a:ln w="12700">
+            <a:miter lim="400000"/>
+          </a:ln>
+          <a:effectLst>
+            <a:outerShdw blurRad="38100" dist="25400" dir="5400000" rotWithShape="0">
+              <a:srgbClr val="000000">
+                <a:alpha val="50000"/>
+              </a:srgbClr>
+            </a:outerShdw>
+          </a:effectLst>
+          <a:extLst>
+            <a:ext uri="{C572A759-6A51-4108-AA02-DFA0A04FC94B}">
+              <ma14:wrappingTextBoxFlag xmlns:ma14="http://schemas.microsoft.com/office/mac/drawingml/2011/main" xmlns="" val="1"/>
+            </a:ext>
+          </a:extLst>
+        </p:spPr>
+        <p:txBody>
+          <a:bodyPr lIns="50800" tIns="50800" rIns="50800" bIns="50800" anchor="ctr"/>
+          <a:lstStyle>
+            <a:lvl1pPr>
+              <a:defRPr sz="1800">
+                <a:solidFill>
+                  <a:srgbClr val="FFFFFF"/>
+                </a:solidFill>
+              </a:defRPr>
+            </a:lvl1pPr>
+          </a:lstStyle>
+          <a:p>
+            <a:pPr algn="ctr"/>
+            <a:r>
+              <a:rPr dirty="0"/>
+              <a:t>Messaging</a:t>
+            </a:r>
+          </a:p>
+        </p:txBody>
+      </p:sp>
+      <p:sp>
+        <p:nvSpPr>
+          <p:cNvPr id="8" name="Shape 194">
+            <a:extLst>
+              <a:ext uri="{FF2B5EF4-FFF2-40B4-BE49-F238E27FC236}">
+                <a16:creationId xmlns:a16="http://schemas.microsoft.com/office/drawing/2014/main" id="{292D21C3-2884-4A37-84DF-F361FEDD2BA0}"/>
+              </a:ext>
+            </a:extLst>
+          </p:cNvPr>
+          <p:cNvSpPr/>
+          <p:nvPr/>
+        </p:nvSpPr>
+        <p:spPr>
+          <a:xfrm>
+            <a:off x="8169491" y="1955606"/>
+            <a:ext cx="1289128" cy="1289129"/>
+          </a:xfrm>
+          <a:prstGeom prst="rect">
+            <a:avLst/>
+          </a:prstGeom>
+          <a:solidFill>
+            <a:schemeClr val="accent2">
+              <a:hueOff val="-554920"/>
+              <a:satOff val="-21482"/>
+              <a:lumOff val="-6228"/>
+            </a:schemeClr>
+          </a:solidFill>
+          <a:ln w="12700">
+            <a:miter lim="400000"/>
+          </a:ln>
+          <a:effectLst>
+            <a:outerShdw blurRad="38100" dist="25400" dir="5400000" rotWithShape="0">
+              <a:srgbClr val="000000">
+                <a:alpha val="50000"/>
+              </a:srgbClr>
+            </a:outerShdw>
+          </a:effectLst>
+          <a:extLst>
+            <a:ext uri="{C572A759-6A51-4108-AA02-DFA0A04FC94B}">
+              <ma14:wrappingTextBoxFlag xmlns:ma14="http://schemas.microsoft.com/office/mac/drawingml/2011/main" xmlns="" val="1"/>
+            </a:ext>
+          </a:extLst>
+        </p:spPr>
+        <p:txBody>
+          <a:bodyPr lIns="50800" tIns="50800" rIns="50800" bIns="50800" anchor="ctr"/>
+          <a:lstStyle>
+            <a:lvl1pPr>
+              <a:defRPr sz="2400">
+                <a:solidFill>
+                  <a:srgbClr val="FFFFFF"/>
+                </a:solidFill>
+              </a:defRPr>
+            </a:lvl1pPr>
+          </a:lstStyle>
+          <a:p>
+            <a:pPr algn="ctr"/>
+            <a:r>
+              <a:rPr dirty="0"/>
+              <a:t>Web-Server</a:t>
+            </a:r>
+          </a:p>
+        </p:txBody>
+      </p:sp>
+      <p:sp>
+        <p:nvSpPr>
+          <p:cNvPr id="9" name="Shape 195">
+            <a:extLst>
+              <a:ext uri="{FF2B5EF4-FFF2-40B4-BE49-F238E27FC236}">
+                <a16:creationId xmlns:a16="http://schemas.microsoft.com/office/drawing/2014/main" id="{BA3C0F2A-F09E-411F-83D1-9BD8DB763896}"/>
+              </a:ext>
+            </a:extLst>
+          </p:cNvPr>
+          <p:cNvSpPr/>
+          <p:nvPr/>
+        </p:nvSpPr>
+        <p:spPr>
+          <a:xfrm>
+            <a:off x="8169491" y="3423563"/>
+            <a:ext cx="1289128" cy="1289129"/>
+          </a:xfrm>
+          <a:prstGeom prst="rect">
+            <a:avLst/>
+          </a:prstGeom>
+          <a:solidFill>
+            <a:schemeClr val="accent2">
+              <a:hueOff val="-554920"/>
+              <a:satOff val="-21482"/>
+              <a:lumOff val="-6228"/>
+            </a:schemeClr>
+          </a:solidFill>
+          <a:ln w="12700">
+            <a:miter lim="400000"/>
+          </a:ln>
+          <a:effectLst>
+            <a:outerShdw blurRad="38100" dist="25400" dir="5400000" rotWithShape="0">
+              <a:srgbClr val="000000">
+                <a:alpha val="50000"/>
+              </a:srgbClr>
+            </a:outerShdw>
+          </a:effectLst>
+          <a:extLst>
+            <a:ext uri="{C572A759-6A51-4108-AA02-DFA0A04FC94B}">
+              <ma14:wrappingTextBoxFlag xmlns:ma14="http://schemas.microsoft.com/office/mac/drawingml/2011/main" xmlns="" val="1"/>
+            </a:ext>
+          </a:extLst>
+        </p:spPr>
+        <p:txBody>
+          <a:bodyPr lIns="50800" tIns="50800" rIns="50800" bIns="50800" anchor="ctr"/>
+          <a:lstStyle>
+            <a:lvl1pPr>
+              <a:defRPr sz="1800">
+                <a:solidFill>
+                  <a:srgbClr val="FFFFFF"/>
+                </a:solidFill>
+              </a:defRPr>
+            </a:lvl1pPr>
+          </a:lstStyle>
+          <a:p>
+            <a:pPr algn="ctr"/>
+            <a:r>
+              <a:rPr dirty="0"/>
+              <a:t>Monitoring</a:t>
+            </a:r>
+          </a:p>
+        </p:txBody>
+      </p:sp>
+    </p:spTree>
+    <p:extLst>
+      <p:ext uri="{BB962C8B-B14F-4D97-AF65-F5344CB8AC3E}">
+        <p14:creationId xmlns:p14="http://schemas.microsoft.com/office/powerpoint/2010/main" val="3372430508"/>
+      </p:ext>
+    </p:extLst>
+  </p:cSld>
+  <p:clrMapOvr>
+    <a:masterClrMapping/>
+  </p:clrMapOvr>
+</p:sld>
+</file>
+
+<file path=ppt/slides/slide15.xml><?xml version="1.0" encoding="utf-8"?>
+<p:sld xmlns:a="http://schemas.openxmlformats.org/drawingml/2006/main" xmlns:r="http://schemas.openxmlformats.org/officeDocument/2006/relationships" xmlns:p="http://schemas.openxmlformats.org/presentationml/2006/main" show="0">
+  <p:cSld>
+    <p:spTree>
+      <p:nvGrpSpPr>
+        <p:cNvPr id="1" name=""/>
+        <p:cNvGrpSpPr/>
+        <p:nvPr/>
+      </p:nvGrpSpPr>
+      <p:grpSpPr>
+        <a:xfrm>
+          <a:off x="0" y="0"/>
+          <a:ext cx="0" cy="0"/>
+          <a:chOff x="0" y="0"/>
+          <a:chExt cx="0" cy="0"/>
+        </a:xfrm>
+      </p:grpSpPr>
+      <p:sp>
+        <p:nvSpPr>
+          <p:cNvPr id="2" name="Title 1">
+            <a:extLst>
+              <a:ext uri="{FF2B5EF4-FFF2-40B4-BE49-F238E27FC236}">
+                <a16:creationId xmlns:a16="http://schemas.microsoft.com/office/drawing/2014/main" id="{E86F82CE-E22A-4FC2-BDD9-8993FDE713DE}"/>
+              </a:ext>
+            </a:extLst>
+          </p:cNvPr>
+          <p:cNvSpPr>
+            <a:spLocks noGrp="1"/>
+          </p:cNvSpPr>
+          <p:nvPr>
+            <p:ph type="title"/>
+          </p:nvPr>
+        </p:nvSpPr>
+        <p:spPr>
+          <a:xfrm>
+            <a:off x="2611808" y="808056"/>
+            <a:ext cx="7958331" cy="1077229"/>
+          </a:xfrm>
+        </p:spPr>
+        <p:txBody>
+          <a:bodyPr/>
+          <a:lstStyle/>
+          <a:p>
+            <a:r>
+              <a:rPr lang="en-CA" dirty="0"/>
+              <a:t>Azure Functions</a:t>
+            </a:r>
+            <a:endParaRPr lang="en-US" dirty="0"/>
+          </a:p>
+        </p:txBody>
+      </p:sp>
+      <p:sp>
+        <p:nvSpPr>
+          <p:cNvPr id="3" name="Shape 233">
+            <a:extLst>
+              <a:ext uri="{FF2B5EF4-FFF2-40B4-BE49-F238E27FC236}">
+                <a16:creationId xmlns:a16="http://schemas.microsoft.com/office/drawing/2014/main" id="{08AA0337-5B4B-4B7D-AC1A-9FFB3781D72D}"/>
+              </a:ext>
+            </a:extLst>
+          </p:cNvPr>
+          <p:cNvSpPr/>
+          <p:nvPr/>
+        </p:nvSpPr>
+        <p:spPr>
+          <a:xfrm>
+            <a:off x="1548098" y="5058439"/>
+            <a:ext cx="1520479" cy="1270000"/>
+          </a:xfrm>
+          <a:prstGeom prst="rect">
+            <a:avLst/>
+          </a:prstGeom>
+          <a:solidFill>
+            <a:schemeClr val="accent2">
+              <a:hueOff val="-2473793"/>
+              <a:satOff val="-50209"/>
+              <a:lumOff val="23543"/>
+            </a:schemeClr>
+          </a:solidFill>
+          <a:ln w="12700">
+            <a:miter lim="400000"/>
+          </a:ln>
+          <a:effectLst>
+            <a:outerShdw blurRad="38100" dist="25400" dir="5400000" rotWithShape="0">
+              <a:srgbClr val="000000">
+                <a:alpha val="50000"/>
+              </a:srgbClr>
+            </a:outerShdw>
+          </a:effectLst>
+          <a:extLst>
+            <a:ext uri="{C572A759-6A51-4108-AA02-DFA0A04FC94B}">
+              <ma14:wrappingTextBoxFlag xmlns:ma14="http://schemas.microsoft.com/office/mac/drawingml/2011/main" xmlns="" val="1"/>
+            </a:ext>
+          </a:extLst>
+        </p:spPr>
+        <p:txBody>
+          <a:bodyPr lIns="50800" tIns="50800" rIns="50800" bIns="50800" anchor="ctr"/>
+          <a:lstStyle>
+            <a:lvl1pPr>
+              <a:defRPr sz="2400">
+                <a:solidFill>
+                  <a:srgbClr val="FFFFFF"/>
+                </a:solidFill>
+              </a:defRPr>
+            </a:lvl1pPr>
+          </a:lstStyle>
+          <a:p>
+            <a:r>
+              <a:t>Trigger</a:t>
+            </a:r>
+          </a:p>
+        </p:txBody>
+      </p:sp>
+      <p:sp>
+        <p:nvSpPr>
+          <p:cNvPr id="4" name="Shape 234">
+            <a:extLst>
+              <a:ext uri="{FF2B5EF4-FFF2-40B4-BE49-F238E27FC236}">
+                <a16:creationId xmlns:a16="http://schemas.microsoft.com/office/drawing/2014/main" id="{218E247D-AC29-4594-AAAD-8FEEF30161EE}"/>
+              </a:ext>
+            </a:extLst>
+          </p:cNvPr>
+          <p:cNvSpPr/>
+          <p:nvPr/>
+        </p:nvSpPr>
+        <p:spPr>
+          <a:xfrm>
+            <a:off x="5572039" y="1489739"/>
+            <a:ext cx="1520478" cy="1270000"/>
+          </a:xfrm>
+          <a:prstGeom prst="rect">
+            <a:avLst/>
+          </a:prstGeom>
+          <a:solidFill>
+            <a:schemeClr val="accent4"/>
+          </a:solidFill>
+          <a:ln w="12700">
+            <a:miter lim="400000"/>
+          </a:ln>
+          <a:effectLst>
+            <a:outerShdw blurRad="38100" dist="25400" dir="5400000" rotWithShape="0">
+              <a:srgbClr val="000000">
+                <a:alpha val="50000"/>
+              </a:srgbClr>
+            </a:outerShdw>
+          </a:effectLst>
+          <a:extLst>
+            <a:ext uri="{C572A759-6A51-4108-AA02-DFA0A04FC94B}">
+              <ma14:wrappingTextBoxFlag xmlns:ma14="http://schemas.microsoft.com/office/mac/drawingml/2011/main" xmlns="" val="1"/>
+            </a:ext>
+          </a:extLst>
+        </p:spPr>
+        <p:txBody>
+          <a:bodyPr lIns="50800" tIns="50800" rIns="50800" bIns="50800" anchor="ctr"/>
+          <a:lstStyle>
+            <a:lvl1pPr>
+              <a:defRPr sz="2400">
+                <a:solidFill>
+                  <a:srgbClr val="FFFFFF"/>
+                </a:solidFill>
+              </a:defRPr>
+            </a:lvl1pPr>
+          </a:lstStyle>
+          <a:p>
+            <a:r>
+              <a:rPr dirty="0"/>
+              <a:t>In Bindings</a:t>
+            </a:r>
+            <a:r>
+              <a:rPr lang="en-CA" dirty="0"/>
+              <a:t>*</a:t>
+            </a:r>
+            <a:endParaRPr dirty="0"/>
+          </a:p>
+        </p:txBody>
+      </p:sp>
+      <p:sp>
+        <p:nvSpPr>
+          <p:cNvPr id="5" name="Shape 235">
+            <a:extLst>
+              <a:ext uri="{FF2B5EF4-FFF2-40B4-BE49-F238E27FC236}">
+                <a16:creationId xmlns:a16="http://schemas.microsoft.com/office/drawing/2014/main" id="{9C2E725D-55C2-40A7-BBC4-8E2FE621BEA9}"/>
+              </a:ext>
+            </a:extLst>
+          </p:cNvPr>
+          <p:cNvSpPr/>
+          <p:nvPr/>
+        </p:nvSpPr>
+        <p:spPr>
+          <a:xfrm>
+            <a:off x="9621578" y="5058439"/>
+            <a:ext cx="1520478" cy="1270000"/>
+          </a:xfrm>
+          <a:prstGeom prst="rect">
+            <a:avLst/>
+          </a:prstGeom>
+          <a:solidFill>
+            <a:srgbClr val="3298C8"/>
+          </a:solidFill>
+          <a:ln w="12700">
+            <a:miter lim="400000"/>
+          </a:ln>
+          <a:effectLst>
+            <a:outerShdw blurRad="38100" dist="25400" dir="5400000" rotWithShape="0">
+              <a:srgbClr val="000000">
+                <a:alpha val="50000"/>
+              </a:srgbClr>
+            </a:outerShdw>
+          </a:effectLst>
+          <a:extLst>
+            <a:ext uri="{C572A759-6A51-4108-AA02-DFA0A04FC94B}">
+              <ma14:wrappingTextBoxFlag xmlns:ma14="http://schemas.microsoft.com/office/mac/drawingml/2011/main" xmlns="" val="1"/>
+            </a:ext>
+          </a:extLst>
+        </p:spPr>
+        <p:txBody>
+          <a:bodyPr lIns="50800" tIns="50800" rIns="50800" bIns="50800" anchor="ctr"/>
+          <a:lstStyle>
+            <a:lvl1pPr>
+              <a:defRPr sz="2400">
+                <a:solidFill>
+                  <a:srgbClr val="FFFFFF"/>
+                </a:solidFill>
+              </a:defRPr>
+            </a:lvl1pPr>
+          </a:lstStyle>
+          <a:p>
+            <a:r>
+              <a:rPr dirty="0"/>
+              <a:t>Out Bindings</a:t>
+            </a:r>
+            <a:r>
+              <a:rPr lang="en-CA" dirty="0"/>
+              <a:t>*</a:t>
+            </a:r>
+            <a:endParaRPr dirty="0"/>
+          </a:p>
+        </p:txBody>
+      </p:sp>
+      <p:sp>
+        <p:nvSpPr>
+          <p:cNvPr id="6" name="Shape 236">
+            <a:extLst>
+              <a:ext uri="{FF2B5EF4-FFF2-40B4-BE49-F238E27FC236}">
+                <a16:creationId xmlns:a16="http://schemas.microsoft.com/office/drawing/2014/main" id="{9A7B56AE-F946-41A9-9272-AC8117B928DE}"/>
+              </a:ext>
+            </a:extLst>
+          </p:cNvPr>
+          <p:cNvSpPr/>
+          <p:nvPr/>
+        </p:nvSpPr>
+        <p:spPr>
+          <a:xfrm>
+            <a:off x="3419068" y="5693439"/>
+            <a:ext cx="1623018" cy="0"/>
+          </a:xfrm>
+          <a:prstGeom prst="line">
+            <a:avLst/>
+          </a:prstGeom>
+          <a:ln w="76200">
+            <a:solidFill>
+              <a:srgbClr val="3298C8"/>
+            </a:solidFill>
+            <a:miter lim="400000"/>
+            <a:tailEnd type="triangle"/>
+          </a:ln>
+        </p:spPr>
+        <p:txBody>
+          <a:bodyPr lIns="50800" tIns="50800" rIns="50800" bIns="50800" anchor="ctr"/>
+          <a:lstStyle/>
+          <a:p>
+            <a:pPr>
+              <a:defRPr sz="2400"/>
+            </a:pPr>
+            <a:endParaRPr/>
+          </a:p>
+        </p:txBody>
+      </p:sp>
+      <p:pic>
+        <p:nvPicPr>
+          <p:cNvPr id="7" name="pasted-image.png">
+            <a:extLst>
+              <a:ext uri="{FF2B5EF4-FFF2-40B4-BE49-F238E27FC236}">
+                <a16:creationId xmlns:a16="http://schemas.microsoft.com/office/drawing/2014/main" id="{6D430963-BB18-44FE-8CEE-D1B3C75FE63E}"/>
+              </a:ext>
+            </a:extLst>
+          </p:cNvPr>
+          <p:cNvPicPr>
+            <a:picLocks noChangeAspect="1"/>
+          </p:cNvPicPr>
+          <p:nvPr/>
+        </p:nvPicPr>
+        <p:blipFill>
+          <a:blip r:embed="rId2"/>
+          <a:stretch>
+            <a:fillRect/>
+          </a:stretch>
+        </p:blipFill>
+        <p:spPr>
+          <a:xfrm>
+            <a:off x="5392577" y="4779039"/>
+            <a:ext cx="1905001" cy="1905000"/>
+          </a:xfrm>
+          <a:prstGeom prst="rect">
+            <a:avLst/>
+          </a:prstGeom>
+          <a:ln w="12700">
+            <a:miter lim="400000"/>
+          </a:ln>
+        </p:spPr>
+      </p:pic>
+      <p:sp>
+        <p:nvSpPr>
+          <p:cNvPr id="8" name="Shape 238">
+            <a:extLst>
+              <a:ext uri="{FF2B5EF4-FFF2-40B4-BE49-F238E27FC236}">
+                <a16:creationId xmlns:a16="http://schemas.microsoft.com/office/drawing/2014/main" id="{24C6B0D3-F96F-4910-AB4B-D63103F5A047}"/>
+              </a:ext>
+            </a:extLst>
+          </p:cNvPr>
+          <p:cNvSpPr/>
+          <p:nvPr/>
+        </p:nvSpPr>
+        <p:spPr>
+          <a:xfrm>
+            <a:off x="7648069" y="5693439"/>
+            <a:ext cx="1623017" cy="0"/>
+          </a:xfrm>
+          <a:prstGeom prst="line">
+            <a:avLst/>
+          </a:prstGeom>
+          <a:ln w="76200">
+            <a:solidFill>
+              <a:srgbClr val="3298C8"/>
+            </a:solidFill>
+            <a:miter lim="400000"/>
+            <a:tailEnd type="triangle"/>
+          </a:ln>
+        </p:spPr>
+        <p:txBody>
+          <a:bodyPr lIns="50800" tIns="50800" rIns="50800" bIns="50800" anchor="ctr"/>
+          <a:lstStyle/>
+          <a:p>
+            <a:pPr>
+              <a:defRPr sz="2400"/>
+            </a:pPr>
+            <a:endParaRPr/>
+          </a:p>
+        </p:txBody>
+      </p:sp>
+      <p:sp>
+        <p:nvSpPr>
+          <p:cNvPr id="9" name="Shape 239">
+            <a:extLst>
+              <a:ext uri="{FF2B5EF4-FFF2-40B4-BE49-F238E27FC236}">
+                <a16:creationId xmlns:a16="http://schemas.microsoft.com/office/drawing/2014/main" id="{DB70B8F8-7B46-4A4F-A089-98BC8455CA57}"/>
+              </a:ext>
+            </a:extLst>
+          </p:cNvPr>
+          <p:cNvSpPr/>
+          <p:nvPr/>
+        </p:nvSpPr>
+        <p:spPr>
+          <a:xfrm>
+            <a:off x="6345077" y="3156230"/>
+            <a:ext cx="1" cy="1226318"/>
+          </a:xfrm>
+          <a:prstGeom prst="line">
+            <a:avLst/>
+          </a:prstGeom>
+          <a:ln w="76200">
+            <a:solidFill>
+              <a:srgbClr val="3298C8"/>
+            </a:solidFill>
+            <a:miter lim="400000"/>
+            <a:tailEnd type="triangle"/>
+          </a:ln>
+        </p:spPr>
+        <p:txBody>
+          <a:bodyPr lIns="50800" tIns="50800" rIns="50800" bIns="50800" anchor="ctr"/>
+          <a:lstStyle/>
+          <a:p>
+            <a:pPr>
+              <a:defRPr sz="2400"/>
+            </a:pPr>
+            <a:endParaRPr/>
+          </a:p>
+        </p:txBody>
+      </p:sp>
+    </p:spTree>
+    <p:extLst>
+      <p:ext uri="{BB962C8B-B14F-4D97-AF65-F5344CB8AC3E}">
+        <p14:creationId xmlns:p14="http://schemas.microsoft.com/office/powerpoint/2010/main" val="2142047554"/>
+      </p:ext>
+    </p:extLst>
+  </p:cSld>
+  <p:clrMapOvr>
+    <a:masterClrMapping/>
+  </p:clrMapOvr>
+</p:sld>
+</file>
+
+<file path=ppt/slides/slide16.xml><?xml version="1.0" encoding="utf-8"?>
 <p:sld xmlns:a="http://schemas.openxmlformats.org/drawingml/2006/main" xmlns:r="http://schemas.openxmlformats.org/officeDocument/2006/relationships" xmlns:p="http://schemas.openxmlformats.org/presentationml/2006/main">
   <p:cSld>
     <p:spTree>
@@ -15312,7 +17111,7 @@
           <p:cNvPr id="2" name="Title 1">
             <a:extLst>
               <a:ext uri="{FF2B5EF4-FFF2-40B4-BE49-F238E27FC236}">
-                <a16:creationId xmlns:a16="http://schemas.microsoft.com/office/drawing/2014/main" id="{1E5852E8-BAB6-4E3D-BEFC-AA5FB4ADE4C5}"/>
+                <a16:creationId xmlns:a16="http://schemas.microsoft.com/office/drawing/2014/main" id="{F4E7171A-C474-47DD-99BB-6E66C6F61314}"/>
               </a:ext>
             </a:extLst>
           </p:cNvPr>
@@ -15330,151 +17129,76 @@
           <a:p>
             <a:r>
               <a:rPr lang="en-CA" dirty="0"/>
-              <a:t>Custom Functions</a:t>
+              <a:t>Custom Functions for Excel</a:t>
             </a:r>
             <a:endParaRPr lang="en-US" dirty="0"/>
           </a:p>
         </p:txBody>
       </p:sp>
-      <p:sp>
-        <p:nvSpPr>
-          <p:cNvPr id="3" name="Content Placeholder 2">
+      <p:pic>
+        <p:nvPicPr>
+          <p:cNvPr id="4" name="Picture 3" descr="A person wearing a suit and tie&#10;&#10;Description generated with very high confidence">
             <a:extLst>
               <a:ext uri="{FF2B5EF4-FFF2-40B4-BE49-F238E27FC236}">
-                <a16:creationId xmlns:a16="http://schemas.microsoft.com/office/drawing/2014/main" id="{14489881-67B2-411F-B6A1-37D2BE1EC12A}"/>
+                <a16:creationId xmlns:a16="http://schemas.microsoft.com/office/drawing/2014/main" id="{C0CC5C42-D466-4A0D-BBBC-36966748AD08}"/>
               </a:ext>
             </a:extLst>
           </p:cNvPr>
-          <p:cNvSpPr>
-            <a:spLocks noGrp="1"/>
-          </p:cNvSpPr>
-          <p:nvPr>
-            <p:ph idx="1"/>
-          </p:nvPr>
-        </p:nvSpPr>
+          <p:cNvPicPr>
+            <a:picLocks noChangeAspect="1"/>
+          </p:cNvPicPr>
+          <p:nvPr/>
+        </p:nvPicPr>
+        <p:blipFill>
+          <a:blip r:embed="rId2"/>
+          <a:stretch>
+            <a:fillRect/>
+          </a:stretch>
+        </p:blipFill>
         <p:spPr>
           <a:xfrm>
-            <a:off x="2773599" y="2052116"/>
-            <a:ext cx="7796540" cy="4206917"/>
+            <a:off x="1389764" y="1678616"/>
+            <a:ext cx="4762500" cy="4762500"/>
           </a:xfrm>
+          <a:prstGeom prst="rect">
+            <a:avLst/>
+          </a:prstGeom>
         </p:spPr>
-        <p:txBody>
-          <a:bodyPr>
-            <a:normAutofit fontScale="92500"/>
-          </a:bodyPr>
-          <a:lstStyle/>
-          <a:p>
-            <a:r>
-              <a:rPr lang="en-US" sz="2200" dirty="0"/>
-              <a:t>run across </a:t>
-            </a:r>
-            <a:r>
-              <a:rPr lang="en-US" sz="2200" b="1" dirty="0"/>
-              <a:t>all Excel platforms</a:t>
-            </a:r>
-          </a:p>
-          <a:p>
-            <a:r>
-              <a:rPr lang="en-US" sz="2200" dirty="0"/>
-              <a:t>run </a:t>
-            </a:r>
-            <a:r>
-              <a:rPr lang="en-US" sz="2200" b="1" dirty="0"/>
-              <a:t>fast</a:t>
-            </a:r>
-          </a:p>
-          <a:p>
-            <a:r>
-              <a:rPr lang="en-US" sz="2200" dirty="0"/>
-              <a:t>look and feel like native Excel functions</a:t>
-            </a:r>
-          </a:p>
-          <a:p>
-            <a:r>
-              <a:rPr lang="en-US" sz="2200" dirty="0"/>
-              <a:t>shipped by developers as part of an </a:t>
-            </a:r>
-            <a:r>
-              <a:rPr lang="en-US" sz="2200" b="1" dirty="0"/>
-              <a:t>add-in</a:t>
-            </a:r>
-            <a:endParaRPr lang="en-US" sz="2200" dirty="0"/>
-          </a:p>
-          <a:p>
-            <a:r>
-              <a:rPr lang="en-US" sz="2200" dirty="0"/>
-              <a:t>make </a:t>
-            </a:r>
-            <a:r>
-              <a:rPr lang="en-US" sz="2200" b="1" dirty="0"/>
-              <a:t>web</a:t>
-            </a:r>
-            <a:r>
-              <a:rPr lang="en-US" sz="2200" dirty="0"/>
-              <a:t> </a:t>
-            </a:r>
-            <a:r>
-              <a:rPr lang="en-US" sz="2200" b="1" dirty="0"/>
-              <a:t>service calls </a:t>
-            </a:r>
-            <a:r>
-              <a:rPr lang="en-US" sz="2200" dirty="0"/>
-              <a:t>(if desired)</a:t>
-            </a:r>
-          </a:p>
-          <a:p>
-            <a:r>
-              <a:rPr lang="en-US" sz="2200" dirty="0"/>
-              <a:t>run </a:t>
-            </a:r>
-            <a:r>
-              <a:rPr lang="en-US" sz="2200" b="1" dirty="0"/>
-              <a:t>offline </a:t>
-            </a:r>
-            <a:r>
-              <a:rPr lang="en-US" sz="2200" dirty="0"/>
-              <a:t>if they don’t depend on the web</a:t>
-            </a:r>
-            <a:endParaRPr lang="en-US" sz="2200" b="1" dirty="0"/>
-          </a:p>
-          <a:p>
-            <a:r>
-              <a:rPr lang="en-US" sz="2200" dirty="0">
-                <a:solidFill>
-                  <a:schemeClr val="tx1">
-                    <a:lumMod val="65000"/>
-                  </a:schemeClr>
-                </a:solidFill>
-              </a:rPr>
-              <a:t>run even when the workbook is </a:t>
-            </a:r>
-            <a:r>
-              <a:rPr lang="en-US" sz="2200" b="1" dirty="0">
-                <a:solidFill>
-                  <a:schemeClr val="tx1">
-                    <a:lumMod val="65000"/>
-                  </a:schemeClr>
-                </a:solidFill>
-              </a:rPr>
-              <a:t>unattended </a:t>
-            </a:r>
-            <a:r>
-              <a:rPr lang="en-US" sz="2200" dirty="0">
-                <a:solidFill>
-                  <a:schemeClr val="tx1">
-                    <a:lumMod val="65000"/>
-                  </a:schemeClr>
-                </a:solidFill>
-              </a:rPr>
-              <a:t>(not for preview or first availability)</a:t>
-            </a:r>
-          </a:p>
-        </p:txBody>
-      </p:sp>
+      </p:pic>
+      <p:pic>
+        <p:nvPicPr>
+          <p:cNvPr id="6" name="Picture 5" descr="A picture containing person, man, indoor&#10;&#10;Description generated with high confidence">
+            <a:extLst>
+              <a:ext uri="{FF2B5EF4-FFF2-40B4-BE49-F238E27FC236}">
+                <a16:creationId xmlns:a16="http://schemas.microsoft.com/office/drawing/2014/main" id="{DE510F10-ADE1-4861-8CF8-2A5FE821C9F1}"/>
+              </a:ext>
+            </a:extLst>
+          </p:cNvPr>
+          <p:cNvPicPr>
+            <a:picLocks noChangeAspect="1"/>
+          </p:cNvPicPr>
+          <p:nvPr/>
+        </p:nvPicPr>
+        <p:blipFill>
+          <a:blip r:embed="rId3"/>
+          <a:stretch>
+            <a:fillRect/>
+          </a:stretch>
+        </p:blipFill>
+        <p:spPr>
+          <a:xfrm>
+            <a:off x="6760139" y="2154866"/>
+            <a:ext cx="3810000" cy="3810000"/>
+          </a:xfrm>
+          <a:prstGeom prst="rect">
+            <a:avLst/>
+          </a:prstGeom>
+        </p:spPr>
+      </p:pic>
     </p:spTree>
     <p:extLst>
       <p:ext uri="{BB962C8B-B14F-4D97-AF65-F5344CB8AC3E}">
-        <p14:creationId xmlns:p14="http://schemas.microsoft.com/office/powerpoint/2010/main" val="2658985284"/>
+        <p14:creationId xmlns:p14="http://schemas.microsoft.com/office/powerpoint/2010/main" val="3843400752"/>
       </p:ext>
     </p:extLst>
   </p:cSld>
@@ -15484,7 +17208,7 @@
 </p:sld>
 </file>
 
-<file path=ppt/slides/slide11.xml><?xml version="1.0" encoding="utf-8"?>
+<file path=ppt/slides/slide17.xml><?xml version="1.0" encoding="utf-8"?>
 <p:sld xmlns:a="http://schemas.openxmlformats.org/drawingml/2006/main" xmlns:r="http://schemas.openxmlformats.org/officeDocument/2006/relationships" xmlns:p="http://schemas.openxmlformats.org/presentationml/2006/main">
   <p:cSld>
     <p:spTree>
@@ -15501,74 +17225,39 @@
           <a:chExt cx="0" cy="0"/>
         </a:xfrm>
       </p:grpSpPr>
-      <p:sp>
-        <p:nvSpPr>
-          <p:cNvPr id="2" name="Title 1">
+      <p:pic>
+        <p:nvPicPr>
+          <p:cNvPr id="2" name="Picture 1">
             <a:extLst>
               <a:ext uri="{FF2B5EF4-FFF2-40B4-BE49-F238E27FC236}">
-                <a16:creationId xmlns:a16="http://schemas.microsoft.com/office/drawing/2014/main" id="{31486CD8-D92F-45DC-B732-F706833E0459}"/>
+                <a16:creationId xmlns:a16="http://schemas.microsoft.com/office/drawing/2014/main" id="{DD285D8E-2230-47BF-9EE5-AC3EAC9BA772}"/>
               </a:ext>
             </a:extLst>
           </p:cNvPr>
-          <p:cNvSpPr>
-            <a:spLocks noGrp="1"/>
-          </p:cNvSpPr>
-          <p:nvPr>
-            <p:ph type="title"/>
-          </p:nvPr>
-        </p:nvSpPr>
-        <p:spPr/>
-        <p:txBody>
-          <a:bodyPr/>
-          <a:lstStyle/>
-          <a:p>
-            <a:r>
-              <a:rPr lang="en-CA" dirty="0"/>
-              <a:t>Custom Functions</a:t>
-            </a:r>
-            <a:endParaRPr lang="en-US" dirty="0"/>
-          </a:p>
-        </p:txBody>
-      </p:sp>
-      <p:sp>
-        <p:nvSpPr>
-          <p:cNvPr id="3" name="Content Placeholder 2">
-            <a:extLst>
-              <a:ext uri="{FF2B5EF4-FFF2-40B4-BE49-F238E27FC236}">
-                <a16:creationId xmlns:a16="http://schemas.microsoft.com/office/drawing/2014/main" id="{043E8E8A-CD8F-49CA-978B-FB531F712884}"/>
-              </a:ext>
-            </a:extLst>
-          </p:cNvPr>
-          <p:cNvSpPr>
-            <a:spLocks noGrp="1"/>
-          </p:cNvSpPr>
-          <p:nvPr>
-            <p:ph idx="1"/>
-          </p:nvPr>
-        </p:nvSpPr>
-        <p:spPr/>
-        <p:txBody>
-          <a:bodyPr/>
-          <a:lstStyle/>
-          <a:p>
-            <a:r>
-              <a:rPr lang="en-CA" dirty="0"/>
-              <a:t>Good bye VBA</a:t>
-            </a:r>
-          </a:p>
-          <a:p>
-            <a:r>
-              <a:rPr lang="en-CA" dirty="0"/>
-              <a:t>Hello JavaScript</a:t>
-            </a:r>
-            <a:endParaRPr lang="en-US" dirty="0"/>
-          </a:p>
-        </p:txBody>
-      </p:sp>
+          <p:cNvPicPr>
+            <a:picLocks noChangeAspect="1"/>
+          </p:cNvPicPr>
+          <p:nvPr/>
+        </p:nvPicPr>
+        <p:blipFill rotWithShape="1">
+          <a:blip r:embed="rId2"/>
+          <a:srcRect b="2731"/>
+          <a:stretch/>
+        </p:blipFill>
+        <p:spPr>
+          <a:xfrm>
+            <a:off x="0" y="0"/>
+            <a:ext cx="12192000" cy="6858000"/>
+          </a:xfrm>
+          <a:prstGeom prst="rect">
+            <a:avLst/>
+          </a:prstGeom>
+        </p:spPr>
+      </p:pic>
     </p:spTree>
     <p:extLst>
       <p:ext uri="{BB962C8B-B14F-4D97-AF65-F5344CB8AC3E}">
-        <p14:creationId xmlns:p14="http://schemas.microsoft.com/office/powerpoint/2010/main" val="207492963"/>
+        <p14:creationId xmlns:p14="http://schemas.microsoft.com/office/powerpoint/2010/main" val="4094622271"/>
       </p:ext>
     </p:extLst>
   </p:cSld>
@@ -15578,7 +17267,7 @@
 </p:sld>
 </file>
 
-<file path=ppt/slides/slide12.xml><?xml version="1.0" encoding="utf-8"?>
+<file path=ppt/slides/slide18.xml><?xml version="1.0" encoding="utf-8"?>
 <p:sld xmlns:a="http://schemas.openxmlformats.org/drawingml/2006/main" xmlns:r="http://schemas.openxmlformats.org/officeDocument/2006/relationships" xmlns:p="http://schemas.openxmlformats.org/presentationml/2006/main">
   <p:cSld>
     <p:spTree>
@@ -15600,6 +17289,876 @@
           <p:cNvPr id="2" name="Title 1">
             <a:extLst>
               <a:ext uri="{FF2B5EF4-FFF2-40B4-BE49-F238E27FC236}">
+                <a16:creationId xmlns:a16="http://schemas.microsoft.com/office/drawing/2014/main" id="{1E5852E8-BAB6-4E3D-BEFC-AA5FB4ADE4C5}"/>
+              </a:ext>
+            </a:extLst>
+          </p:cNvPr>
+          <p:cNvSpPr>
+            <a:spLocks noGrp="1"/>
+          </p:cNvSpPr>
+          <p:nvPr>
+            <p:ph type="title"/>
+          </p:nvPr>
+        </p:nvSpPr>
+        <p:spPr/>
+        <p:txBody>
+          <a:bodyPr/>
+          <a:lstStyle/>
+          <a:p>
+            <a:r>
+              <a:rPr lang="en-CA" dirty="0"/>
+              <a:t>Custom Functions</a:t>
+            </a:r>
+            <a:endParaRPr lang="en-US" dirty="0"/>
+          </a:p>
+        </p:txBody>
+      </p:sp>
+      <p:sp>
+        <p:nvSpPr>
+          <p:cNvPr id="3" name="Content Placeholder 2">
+            <a:extLst>
+              <a:ext uri="{FF2B5EF4-FFF2-40B4-BE49-F238E27FC236}">
+                <a16:creationId xmlns:a16="http://schemas.microsoft.com/office/drawing/2014/main" id="{14489881-67B2-411F-B6A1-37D2BE1EC12A}"/>
+              </a:ext>
+            </a:extLst>
+          </p:cNvPr>
+          <p:cNvSpPr>
+            <a:spLocks noGrp="1"/>
+          </p:cNvSpPr>
+          <p:nvPr>
+            <p:ph idx="1"/>
+          </p:nvPr>
+        </p:nvSpPr>
+        <p:spPr>
+          <a:xfrm>
+            <a:off x="2773599" y="2052116"/>
+            <a:ext cx="7796540" cy="4206917"/>
+          </a:xfrm>
+        </p:spPr>
+        <p:txBody>
+          <a:bodyPr>
+            <a:normAutofit fontScale="92500"/>
+          </a:bodyPr>
+          <a:lstStyle/>
+          <a:p>
+            <a:r>
+              <a:rPr lang="en-US" sz="2200" dirty="0"/>
+              <a:t>run across </a:t>
+            </a:r>
+            <a:r>
+              <a:rPr lang="en-US" sz="2200" b="1" dirty="0"/>
+              <a:t>all Excel platforms</a:t>
+            </a:r>
+          </a:p>
+          <a:p>
+            <a:r>
+              <a:rPr lang="en-US" sz="2200" dirty="0"/>
+              <a:t>run </a:t>
+            </a:r>
+            <a:r>
+              <a:rPr lang="en-US" sz="2200" b="1" dirty="0"/>
+              <a:t>fast</a:t>
+            </a:r>
+          </a:p>
+          <a:p>
+            <a:r>
+              <a:rPr lang="en-US" sz="2200" dirty="0"/>
+              <a:t>look and feel like native Excel functions</a:t>
+            </a:r>
+          </a:p>
+          <a:p>
+            <a:r>
+              <a:rPr lang="en-US" sz="2200" dirty="0"/>
+              <a:t>shipped by developers as part of an </a:t>
+            </a:r>
+            <a:r>
+              <a:rPr lang="en-US" sz="2200" b="1" dirty="0"/>
+              <a:t>add-in</a:t>
+            </a:r>
+            <a:endParaRPr lang="en-US" sz="2200" dirty="0"/>
+          </a:p>
+          <a:p>
+            <a:r>
+              <a:rPr lang="en-US" sz="2200" dirty="0"/>
+              <a:t>make </a:t>
+            </a:r>
+            <a:r>
+              <a:rPr lang="en-US" sz="2200" b="1" dirty="0"/>
+              <a:t>web</a:t>
+            </a:r>
+            <a:r>
+              <a:rPr lang="en-US" sz="2200" dirty="0"/>
+              <a:t> </a:t>
+            </a:r>
+            <a:r>
+              <a:rPr lang="en-US" sz="2200" b="1" dirty="0"/>
+              <a:t>service calls </a:t>
+            </a:r>
+            <a:r>
+              <a:rPr lang="en-US" sz="2200" dirty="0"/>
+              <a:t>(if desired)</a:t>
+            </a:r>
+          </a:p>
+          <a:p>
+            <a:r>
+              <a:rPr lang="en-US" sz="2200" dirty="0"/>
+              <a:t>run </a:t>
+            </a:r>
+            <a:r>
+              <a:rPr lang="en-US" sz="2200" b="1" dirty="0"/>
+              <a:t>offline </a:t>
+            </a:r>
+            <a:r>
+              <a:rPr lang="en-US" sz="2200" dirty="0"/>
+              <a:t>if they don’t depend on the web*</a:t>
+            </a:r>
+            <a:endParaRPr lang="en-US" sz="2200" b="1" dirty="0"/>
+          </a:p>
+          <a:p>
+            <a:r>
+              <a:rPr lang="en-US" sz="2200" dirty="0">
+                <a:solidFill>
+                  <a:schemeClr val="tx1">
+                    <a:lumMod val="65000"/>
+                  </a:schemeClr>
+                </a:solidFill>
+              </a:rPr>
+              <a:t>run even when the workbook is </a:t>
+            </a:r>
+            <a:r>
+              <a:rPr lang="en-US" sz="2200" b="1" dirty="0">
+                <a:solidFill>
+                  <a:schemeClr val="tx1">
+                    <a:lumMod val="65000"/>
+                  </a:schemeClr>
+                </a:solidFill>
+              </a:rPr>
+              <a:t>unattended </a:t>
+            </a:r>
+            <a:r>
+              <a:rPr lang="en-US" sz="2200" dirty="0">
+                <a:solidFill>
+                  <a:schemeClr val="tx1">
+                    <a:lumMod val="65000"/>
+                  </a:schemeClr>
+                </a:solidFill>
+              </a:rPr>
+              <a:t>(very early preview)</a:t>
+            </a:r>
+          </a:p>
+        </p:txBody>
+      </p:sp>
+    </p:spTree>
+    <p:extLst>
+      <p:ext uri="{BB962C8B-B14F-4D97-AF65-F5344CB8AC3E}">
+        <p14:creationId xmlns:p14="http://schemas.microsoft.com/office/powerpoint/2010/main" val="2658985284"/>
+      </p:ext>
+    </p:extLst>
+  </p:cSld>
+  <p:clrMapOvr>
+    <a:masterClrMapping/>
+  </p:clrMapOvr>
+</p:sld>
+</file>
+
+<file path=ppt/slides/slide19.xml><?xml version="1.0" encoding="utf-8"?>
+<p:sld xmlns:a="http://schemas.openxmlformats.org/drawingml/2006/main" xmlns:r="http://schemas.openxmlformats.org/officeDocument/2006/relationships" xmlns:p="http://schemas.openxmlformats.org/presentationml/2006/main">
+  <p:cSld>
+    <p:spTree>
+      <p:nvGrpSpPr>
+        <p:cNvPr id="1" name=""/>
+        <p:cNvGrpSpPr/>
+        <p:nvPr/>
+      </p:nvGrpSpPr>
+      <p:grpSpPr>
+        <a:xfrm>
+          <a:off x="0" y="0"/>
+          <a:ext cx="0" cy="0"/>
+          <a:chOff x="0" y="0"/>
+          <a:chExt cx="0" cy="0"/>
+        </a:xfrm>
+      </p:grpSpPr>
+      <p:sp>
+        <p:nvSpPr>
+          <p:cNvPr id="2" name="Title 1">
+            <a:extLst>
+              <a:ext uri="{FF2B5EF4-FFF2-40B4-BE49-F238E27FC236}">
+                <a16:creationId xmlns:a16="http://schemas.microsoft.com/office/drawing/2014/main" id="{31486CD8-D92F-45DC-B732-F706833E0459}"/>
+              </a:ext>
+            </a:extLst>
+          </p:cNvPr>
+          <p:cNvSpPr>
+            <a:spLocks noGrp="1"/>
+          </p:cNvSpPr>
+          <p:nvPr>
+            <p:ph type="title"/>
+          </p:nvPr>
+        </p:nvSpPr>
+        <p:spPr/>
+        <p:txBody>
+          <a:bodyPr/>
+          <a:lstStyle/>
+          <a:p>
+            <a:r>
+              <a:rPr lang="en-CA" dirty="0"/>
+              <a:t>Custom Functions</a:t>
+            </a:r>
+            <a:endParaRPr lang="en-US" dirty="0"/>
+          </a:p>
+        </p:txBody>
+      </p:sp>
+      <p:sp>
+        <p:nvSpPr>
+          <p:cNvPr id="3" name="Content Placeholder 2">
+            <a:extLst>
+              <a:ext uri="{FF2B5EF4-FFF2-40B4-BE49-F238E27FC236}">
+                <a16:creationId xmlns:a16="http://schemas.microsoft.com/office/drawing/2014/main" id="{043E8E8A-CD8F-49CA-978B-FB531F712884}"/>
+              </a:ext>
+            </a:extLst>
+          </p:cNvPr>
+          <p:cNvSpPr>
+            <a:spLocks noGrp="1"/>
+          </p:cNvSpPr>
+          <p:nvPr>
+            <p:ph idx="1"/>
+          </p:nvPr>
+        </p:nvSpPr>
+        <p:spPr/>
+        <p:txBody>
+          <a:bodyPr/>
+          <a:lstStyle/>
+          <a:p>
+            <a:r>
+              <a:rPr lang="en-CA" dirty="0"/>
+              <a:t>Good bye VBA</a:t>
+            </a:r>
+          </a:p>
+          <a:p>
+            <a:r>
+              <a:rPr lang="en-CA" dirty="0"/>
+              <a:t>Hello JavaScript</a:t>
+            </a:r>
+            <a:endParaRPr lang="en-US" dirty="0"/>
+          </a:p>
+        </p:txBody>
+      </p:sp>
+    </p:spTree>
+    <p:extLst>
+      <p:ext uri="{BB962C8B-B14F-4D97-AF65-F5344CB8AC3E}">
+        <p14:creationId xmlns:p14="http://schemas.microsoft.com/office/powerpoint/2010/main" val="207492963"/>
+      </p:ext>
+    </p:extLst>
+  </p:cSld>
+  <p:clrMapOvr>
+    <a:masterClrMapping/>
+  </p:clrMapOvr>
+</p:sld>
+</file>
+
+<file path=ppt/slides/slide2.xml><?xml version="1.0" encoding="utf-8"?>
+<p:sld xmlns:a="http://schemas.openxmlformats.org/drawingml/2006/main" xmlns:r="http://schemas.openxmlformats.org/officeDocument/2006/relationships" xmlns:p="http://schemas.openxmlformats.org/presentationml/2006/main">
+  <p:cSld>
+    <p:bg>
+      <p:bgPr>
+        <a:blipFill rotWithShape="1">
+          <a:blip r:embed="rId2"/>
+          <a:stretch/>
+        </a:blipFill>
+        <a:effectLst/>
+      </p:bgPr>
+    </p:bg>
+    <p:spTree>
+      <p:nvGrpSpPr>
+        <p:cNvPr id="1" name=""/>
+        <p:cNvGrpSpPr/>
+        <p:nvPr/>
+      </p:nvGrpSpPr>
+      <p:grpSpPr>
+        <a:xfrm>
+          <a:off x="0" y="0"/>
+          <a:ext cx="0" cy="0"/>
+          <a:chOff x="0" y="0"/>
+          <a:chExt cx="0" cy="0"/>
+        </a:xfrm>
+      </p:grpSpPr>
+      <p:sp useBgFill="1">
+        <p:nvSpPr>
+          <p:cNvPr id="13" name="Rectangle 12">
+            <a:extLst>
+              <a:ext uri="{FF2B5EF4-FFF2-40B4-BE49-F238E27FC236}">
+                <a16:creationId xmlns:a16="http://schemas.microsoft.com/office/drawing/2014/main" id="{93D02AEE-30DC-4942-A9CA-7A14F8B8E297}"/>
+              </a:ext>
+              <a:ext uri="{C183D7F6-B498-43B3-948B-1728B52AA6E4}">
+                <adec:decorative xmlns:adec="http://schemas.microsoft.com/office/drawing/2017/decorative" val="1"/>
+              </a:ext>
+            </a:extLst>
+          </p:cNvPr>
+          <p:cNvSpPr>
+            <a:spLocks noGrp="1" noRot="1" noChangeAspect="1" noMove="1" noResize="1" noEditPoints="1" noAdjustHandles="1" noChangeArrowheads="1" noChangeShapeType="1" noTextEdit="1"/>
+          </p:cNvSpPr>
+          <p:nvPr>
+            <p:extLst>
+              <p:ext uri="{386F3935-93C4-4BCD-93E2-E3B085C9AB24}">
+                <p16:designElem xmlns:p16="http://schemas.microsoft.com/office/powerpoint/2015/main" val="1"/>
+              </p:ext>
+            </p:extLst>
+          </p:nvPr>
+        </p:nvSpPr>
+        <p:spPr>
+          <a:xfrm>
+            <a:off x="0" y="0"/>
+            <a:ext cx="12189867" cy="6855282"/>
+          </a:xfrm>
+          <a:prstGeom prst="rect">
+            <a:avLst/>
+          </a:prstGeom>
+          <a:ln>
+            <a:noFill/>
+          </a:ln>
+        </p:spPr>
+        <p:style>
+          <a:lnRef idx="2">
+            <a:schemeClr val="accent1">
+              <a:shade val="50000"/>
+            </a:schemeClr>
+          </a:lnRef>
+          <a:fillRef idx="1">
+            <a:schemeClr val="accent1"/>
+          </a:fillRef>
+          <a:effectRef idx="0">
+            <a:schemeClr val="accent1"/>
+          </a:effectRef>
+          <a:fontRef idx="minor">
+            <a:schemeClr val="lt1"/>
+          </a:fontRef>
+        </p:style>
+        <p:txBody>
+          <a:bodyPr rtlCol="0" anchor="ctr"/>
+          <a:lstStyle/>
+          <a:p>
+            <a:pPr algn="ctr"/>
+            <a:endParaRPr lang="en-US"/>
+          </a:p>
+        </p:txBody>
+      </p:sp>
+      <p:pic>
+        <p:nvPicPr>
+          <p:cNvPr id="15" name="Picture 14">
+            <a:extLst>
+              <a:ext uri="{FF2B5EF4-FFF2-40B4-BE49-F238E27FC236}">
+                <a16:creationId xmlns:a16="http://schemas.microsoft.com/office/drawing/2014/main" id="{FD5823F2-909F-442D-BD72-0681CCC14070}"/>
+              </a:ext>
+              <a:ext uri="{C183D7F6-B498-43B3-948B-1728B52AA6E4}">
+                <adec:decorative xmlns:adec="http://schemas.microsoft.com/office/drawing/2017/decorative" val="1"/>
+              </a:ext>
+            </a:extLst>
+          </p:cNvPr>
+          <p:cNvPicPr>
+            <a:picLocks noGrp="1" noRot="1" noChangeAspect="1" noMove="1" noResize="1" noEditPoints="1" noAdjustHandles="1" noChangeArrowheads="1" noChangeShapeType="1" noCrop="1"/>
+          </p:cNvPicPr>
+          <p:nvPr>
+            <p:extLst>
+              <p:ext uri="{386F3935-93C4-4BCD-93E2-E3B085C9AB24}">
+                <p16:designElem xmlns:p16="http://schemas.microsoft.com/office/powerpoint/2015/main" val="1"/>
+              </p:ext>
+            </p:extLst>
+          </p:nvPr>
+        </p:nvPicPr>
+        <p:blipFill>
+          <a:blip r:embed="rId3">
+            <a:extLst>
+              <a:ext uri="{28A0092B-C50C-407E-A947-70E740481C1C}">
+                <a14:useLocalDpi xmlns:a14="http://schemas.microsoft.com/office/drawing/2010/main" val="0"/>
+              </a:ext>
+            </a:extLst>
+          </a:blip>
+          <a:stretch>
+            <a:fillRect/>
+          </a:stretch>
+        </p:blipFill>
+        <p:spPr>
+          <a:xfrm>
+            <a:off x="2831794" y="2105202"/>
+            <a:ext cx="9360205" cy="4752798"/>
+          </a:xfrm>
+          <a:prstGeom prst="rect">
+            <a:avLst/>
+          </a:prstGeom>
+        </p:spPr>
+      </p:pic>
+      <p:pic>
+        <p:nvPicPr>
+          <p:cNvPr id="17" name="Picture 16">
+            <a:extLst>
+              <a:ext uri="{FF2B5EF4-FFF2-40B4-BE49-F238E27FC236}">
+                <a16:creationId xmlns:a16="http://schemas.microsoft.com/office/drawing/2014/main" id="{4231EAF6-FA22-4615-A4D3-D171F7E17A54}"/>
+              </a:ext>
+              <a:ext uri="{C183D7F6-B498-43B3-948B-1728B52AA6E4}">
+                <adec:decorative xmlns:adec="http://schemas.microsoft.com/office/drawing/2017/decorative" val="1"/>
+              </a:ext>
+            </a:extLst>
+          </p:cNvPr>
+          <p:cNvPicPr>
+            <a:picLocks noGrp="1" noRot="1" noChangeAspect="1" noMove="1" noResize="1" noEditPoints="1" noAdjustHandles="1" noChangeArrowheads="1" noChangeShapeType="1" noCrop="1"/>
+          </p:cNvPicPr>
+          <p:nvPr>
+            <p:extLst>
+              <p:ext uri="{386F3935-93C4-4BCD-93E2-E3B085C9AB24}">
+                <p16:designElem xmlns:p16="http://schemas.microsoft.com/office/powerpoint/2015/main" val="1"/>
+              </p:ext>
+            </p:extLst>
+          </p:nvPr>
+        </p:nvPicPr>
+        <p:blipFill>
+          <a:blip r:embed="rId4">
+            <a:alphaModFix/>
+            <a:extLst>
+              <a:ext uri="{28A0092B-C50C-407E-A947-70E740481C1C}">
+                <a14:useLocalDpi xmlns:a14="http://schemas.microsoft.com/office/drawing/2010/main" val="0"/>
+              </a:ext>
+            </a:extLst>
+          </a:blip>
+          <a:stretch>
+            <a:fillRect/>
+          </a:stretch>
+        </p:blipFill>
+        <p:spPr>
+          <a:xfrm>
+            <a:off x="0" y="0"/>
+            <a:ext cx="12189867" cy="6858000"/>
+          </a:xfrm>
+          <a:prstGeom prst="rect">
+            <a:avLst/>
+          </a:prstGeom>
+        </p:spPr>
+      </p:pic>
+      <p:sp>
+        <p:nvSpPr>
+          <p:cNvPr id="19" name="Rectangle 18">
+            <a:extLst>
+              <a:ext uri="{FF2B5EF4-FFF2-40B4-BE49-F238E27FC236}">
+                <a16:creationId xmlns:a16="http://schemas.microsoft.com/office/drawing/2014/main" id="{F2699857-2714-4E6A-8E11-6BEB9DF7FC5E}"/>
+              </a:ext>
+              <a:ext uri="{C183D7F6-B498-43B3-948B-1728B52AA6E4}">
+                <adec:decorative xmlns:adec="http://schemas.microsoft.com/office/drawing/2017/decorative" val="1"/>
+              </a:ext>
+            </a:extLst>
+          </p:cNvPr>
+          <p:cNvSpPr>
+            <a:spLocks noGrp="1" noRot="1" noChangeAspect="1" noMove="1" noResize="1" noEditPoints="1" noAdjustHandles="1" noChangeArrowheads="1" noChangeShapeType="1" noTextEdit="1"/>
+          </p:cNvSpPr>
+          <p:nvPr>
+            <p:extLst>
+              <p:ext uri="{386F3935-93C4-4BCD-93E2-E3B085C9AB24}">
+                <p16:designElem xmlns:p16="http://schemas.microsoft.com/office/powerpoint/2015/main" val="1"/>
+              </p:ext>
+            </p:extLst>
+          </p:nvPr>
+        </p:nvSpPr>
+        <p:spPr>
+          <a:xfrm>
+            <a:off x="0" y="0"/>
+            <a:ext cx="964174" cy="6858000"/>
+          </a:xfrm>
+          <a:prstGeom prst="rect">
+            <a:avLst/>
+          </a:prstGeom>
+          <a:solidFill>
+            <a:schemeClr val="bg2"/>
+          </a:solidFill>
+          <a:ln>
+            <a:noFill/>
+          </a:ln>
+        </p:spPr>
+        <p:style>
+          <a:lnRef idx="2">
+            <a:schemeClr val="accent1">
+              <a:shade val="50000"/>
+            </a:schemeClr>
+          </a:lnRef>
+          <a:fillRef idx="1">
+            <a:schemeClr val="accent1"/>
+          </a:fillRef>
+          <a:effectRef idx="0">
+            <a:schemeClr val="accent1"/>
+          </a:effectRef>
+          <a:fontRef idx="minor">
+            <a:schemeClr val="lt1"/>
+          </a:fontRef>
+        </p:style>
+        <p:txBody>
+          <a:bodyPr rtlCol="0" anchor="ctr"/>
+          <a:lstStyle/>
+          <a:p>
+            <a:pPr algn="ctr"/>
+            <a:endParaRPr lang="en-US"/>
+          </a:p>
+        </p:txBody>
+      </p:sp>
+      <p:sp>
+        <p:nvSpPr>
+          <p:cNvPr id="21" name="Rectangle 20">
+            <a:extLst>
+              <a:ext uri="{FF2B5EF4-FFF2-40B4-BE49-F238E27FC236}">
+                <a16:creationId xmlns:a16="http://schemas.microsoft.com/office/drawing/2014/main" id="{346078E7-FDC0-448B-97DE-4EDA7702EEE5}"/>
+              </a:ext>
+              <a:ext uri="{C183D7F6-B498-43B3-948B-1728B52AA6E4}">
+                <adec:decorative xmlns:adec="http://schemas.microsoft.com/office/drawing/2017/decorative" val="1"/>
+              </a:ext>
+            </a:extLst>
+          </p:cNvPr>
+          <p:cNvSpPr>
+            <a:spLocks noGrp="1" noRot="1" noChangeAspect="1" noMove="1" noResize="1" noEditPoints="1" noAdjustHandles="1" noChangeArrowheads="1" noChangeShapeType="1" noTextEdit="1"/>
+          </p:cNvSpPr>
+          <p:nvPr>
+            <p:extLst>
+              <p:ext uri="{386F3935-93C4-4BCD-93E2-E3B085C9AB24}">
+                <p16:designElem xmlns:p16="http://schemas.microsoft.com/office/powerpoint/2015/main" val="1"/>
+              </p:ext>
+            </p:extLst>
+          </p:nvPr>
+        </p:nvSpPr>
+        <p:spPr>
+          <a:xfrm>
+            <a:off x="962042" y="0"/>
+            <a:ext cx="45719" cy="6858000"/>
+          </a:xfrm>
+          <a:prstGeom prst="rect">
+            <a:avLst/>
+          </a:prstGeom>
+          <a:solidFill>
+            <a:schemeClr val="accent6"/>
+          </a:solidFill>
+          <a:ln>
+            <a:noFill/>
+          </a:ln>
+        </p:spPr>
+        <p:style>
+          <a:lnRef idx="2">
+            <a:schemeClr val="accent1">
+              <a:shade val="50000"/>
+            </a:schemeClr>
+          </a:lnRef>
+          <a:fillRef idx="1">
+            <a:schemeClr val="accent1"/>
+          </a:fillRef>
+          <a:effectRef idx="0">
+            <a:schemeClr val="accent1"/>
+          </a:effectRef>
+          <a:fontRef idx="minor">
+            <a:schemeClr val="lt1"/>
+          </a:fontRef>
+        </p:style>
+        <p:txBody>
+          <a:bodyPr rtlCol="0" anchor="ctr"/>
+          <a:lstStyle/>
+          <a:p>
+            <a:pPr algn="ctr"/>
+            <a:endParaRPr lang="en-US"/>
+          </a:p>
+        </p:txBody>
+      </p:sp>
+      <p:sp>
+        <p:nvSpPr>
+          <p:cNvPr id="23" name="Rectangle 22">
+            <a:extLst>
+              <a:ext uri="{FF2B5EF4-FFF2-40B4-BE49-F238E27FC236}">
+                <a16:creationId xmlns:a16="http://schemas.microsoft.com/office/drawing/2014/main" id="{7266E038-37B1-43CF-AFE0-B21E9F572C51}"/>
+              </a:ext>
+              <a:ext uri="{C183D7F6-B498-43B3-948B-1728B52AA6E4}">
+                <adec:decorative xmlns:adec="http://schemas.microsoft.com/office/drawing/2017/decorative" val="1"/>
+              </a:ext>
+            </a:extLst>
+          </p:cNvPr>
+          <p:cNvSpPr>
+            <a:spLocks noGrp="1" noRot="1" noChangeAspect="1" noMove="1" noResize="1" noEditPoints="1" noAdjustHandles="1" noChangeArrowheads="1" noChangeShapeType="1" noTextEdit="1"/>
+          </p:cNvSpPr>
+          <p:nvPr>
+            <p:extLst>
+              <p:ext uri="{386F3935-93C4-4BCD-93E2-E3B085C9AB24}">
+                <p16:designElem xmlns:p16="http://schemas.microsoft.com/office/powerpoint/2015/main" val="1"/>
+              </p:ext>
+            </p:extLst>
+          </p:nvPr>
+        </p:nvSpPr>
+        <p:spPr>
+          <a:xfrm>
+            <a:off x="1007533" y="0"/>
+            <a:ext cx="10378001" cy="6858000"/>
+          </a:xfrm>
+          <a:prstGeom prst="rect">
+            <a:avLst/>
+          </a:prstGeom>
+          <a:solidFill>
+            <a:schemeClr val="bg2">
+              <a:alpha val="92000"/>
+            </a:schemeClr>
+          </a:solidFill>
+          <a:ln>
+            <a:noFill/>
+          </a:ln>
+        </p:spPr>
+        <p:style>
+          <a:lnRef idx="2">
+            <a:schemeClr val="accent1">
+              <a:shade val="50000"/>
+            </a:schemeClr>
+          </a:lnRef>
+          <a:fillRef idx="1">
+            <a:schemeClr val="accent1"/>
+          </a:fillRef>
+          <a:effectRef idx="0">
+            <a:schemeClr val="accent1"/>
+          </a:effectRef>
+          <a:fontRef idx="minor">
+            <a:schemeClr val="lt1"/>
+          </a:fontRef>
+        </p:style>
+        <p:txBody>
+          <a:bodyPr rtlCol="0" anchor="ctr"/>
+          <a:lstStyle/>
+          <a:p>
+            <a:pPr algn="ctr"/>
+            <a:endParaRPr lang="en-US"/>
+          </a:p>
+        </p:txBody>
+      </p:sp>
+      <p:sp>
+        <p:nvSpPr>
+          <p:cNvPr id="2" name="Title 1">
+            <a:extLst>
+              <a:ext uri="{FF2B5EF4-FFF2-40B4-BE49-F238E27FC236}">
+                <a16:creationId xmlns:a16="http://schemas.microsoft.com/office/drawing/2014/main" id="{BDBD45E6-D254-4A86-9AA9-29919DA83299}"/>
+              </a:ext>
+            </a:extLst>
+          </p:cNvPr>
+          <p:cNvSpPr>
+            <a:spLocks noGrp="1"/>
+          </p:cNvSpPr>
+          <p:nvPr>
+            <p:ph type="title"/>
+          </p:nvPr>
+        </p:nvSpPr>
+        <p:spPr>
+          <a:xfrm>
+            <a:off x="1964444" y="808056"/>
+            <a:ext cx="3319381" cy="1077229"/>
+          </a:xfrm>
+        </p:spPr>
+        <p:txBody>
+          <a:bodyPr>
+            <a:normAutofit/>
+          </a:bodyPr>
+          <a:lstStyle/>
+          <a:p>
+            <a:pPr algn="l"/>
+            <a:r>
+              <a:rPr lang="en-US" dirty="0"/>
+              <a:t>Sia Ghassemi</a:t>
+            </a:r>
+            <a:endParaRPr lang="en-US"/>
+          </a:p>
+        </p:txBody>
+      </p:sp>
+      <p:sp>
+        <p:nvSpPr>
+          <p:cNvPr id="10" name="Content Placeholder 9">
+            <a:extLst>
+              <a:ext uri="{FF2B5EF4-FFF2-40B4-BE49-F238E27FC236}">
+                <a16:creationId xmlns:a16="http://schemas.microsoft.com/office/drawing/2014/main" id="{2145F05A-0B5E-495B-8D53-FD127DAA3B1D}"/>
+              </a:ext>
+            </a:extLst>
+          </p:cNvPr>
+          <p:cNvSpPr>
+            <a:spLocks noGrp="1"/>
+          </p:cNvSpPr>
+          <p:nvPr>
+            <p:ph idx="1"/>
+          </p:nvPr>
+        </p:nvSpPr>
+        <p:spPr>
+          <a:xfrm>
+            <a:off x="1964444" y="2052116"/>
+            <a:ext cx="3319381" cy="3997828"/>
+          </a:xfrm>
+        </p:spPr>
+        <p:txBody>
+          <a:bodyPr>
+            <a:normAutofit/>
+          </a:bodyPr>
+          <a:lstStyle/>
+          <a:p>
+            <a:r>
+              <a:rPr lang="en-US" sz="1800" dirty="0"/>
+              <a:t>Software engineer</a:t>
+            </a:r>
+          </a:p>
+          <a:p>
+            <a:r>
+              <a:rPr lang="en-US" sz="1800" dirty="0"/>
+              <a:t>Microsoft Azure MVP</a:t>
+            </a:r>
+          </a:p>
+          <a:p>
+            <a:r>
+              <a:rPr lang="en-US" sz="1800" dirty="0"/>
+              <a:t>Founder of </a:t>
+            </a:r>
+            <a:r>
+              <a:rPr lang="en-US" sz="1800" dirty="0" err="1"/>
+              <a:t>sia</a:t>
+            </a:r>
+            <a:r>
+              <a:rPr lang="en-US" sz="1800" dirty="0"/>
+              <a:t> consulting</a:t>
+            </a:r>
+          </a:p>
+          <a:p>
+            <a:r>
+              <a:rPr lang="en-US" sz="1800" dirty="0"/>
+              <a:t>From Germany</a:t>
+            </a:r>
+          </a:p>
+          <a:p>
+            <a:r>
+              <a:rPr lang="en-US" sz="1800" dirty="0"/>
+              <a:t>Used to live in Canada</a:t>
+            </a:r>
+          </a:p>
+        </p:txBody>
+      </p:sp>
+      <p:pic>
+        <p:nvPicPr>
+          <p:cNvPr id="8" name="Content Placeholder 4">
+            <a:extLst>
+              <a:ext uri="{FF2B5EF4-FFF2-40B4-BE49-F238E27FC236}">
+                <a16:creationId xmlns:a16="http://schemas.microsoft.com/office/drawing/2014/main" id="{8793ADDC-0585-4553-930F-FD833F09DE97}"/>
+              </a:ext>
+            </a:extLst>
+          </p:cNvPr>
+          <p:cNvPicPr>
+            <a:picLocks noChangeAspect="1"/>
+          </p:cNvPicPr>
+          <p:nvPr/>
+        </p:nvPicPr>
+        <p:blipFill rotWithShape="1">
+          <a:blip r:embed="rId5"/>
+          <a:srcRect l="11444" r="11444"/>
+          <a:stretch/>
+        </p:blipFill>
+        <p:spPr>
+          <a:xfrm>
+            <a:off x="6096543" y="227"/>
+            <a:ext cx="5288377" cy="6858000"/>
+          </a:xfrm>
+          <a:prstGeom prst="rect">
+            <a:avLst/>
+          </a:prstGeom>
+          <a:ln w="12700">
+            <a:solidFill>
+              <a:schemeClr val="tx1"/>
+            </a:solidFill>
+          </a:ln>
+        </p:spPr>
+      </p:pic>
+      <p:sp>
+        <p:nvSpPr>
+          <p:cNvPr id="25" name="Rectangle 24">
+            <a:extLst>
+              <a:ext uri="{FF2B5EF4-FFF2-40B4-BE49-F238E27FC236}">
+                <a16:creationId xmlns:a16="http://schemas.microsoft.com/office/drawing/2014/main" id="{31E37FC9-ED36-42CE-9877-9EAB50FA84BD}"/>
+              </a:ext>
+              <a:ext uri="{C183D7F6-B498-43B3-948B-1728B52AA6E4}">
+                <adec:decorative xmlns:adec="http://schemas.microsoft.com/office/drawing/2017/decorative" val="1"/>
+              </a:ext>
+            </a:extLst>
+          </p:cNvPr>
+          <p:cNvSpPr>
+            <a:spLocks noGrp="1" noRot="1" noChangeAspect="1" noMove="1" noResize="1" noEditPoints="1" noAdjustHandles="1" noChangeArrowheads="1" noChangeShapeType="1" noTextEdit="1"/>
+          </p:cNvSpPr>
+          <p:nvPr>
+            <p:extLst>
+              <p:ext uri="{386F3935-93C4-4BCD-93E2-E3B085C9AB24}">
+                <p16:designElem xmlns:p16="http://schemas.microsoft.com/office/powerpoint/2015/main" val="1"/>
+              </p:ext>
+            </p:extLst>
+          </p:nvPr>
+        </p:nvSpPr>
+        <p:spPr>
+          <a:xfrm>
+            <a:off x="11382586" y="0"/>
+            <a:ext cx="27432" cy="6858000"/>
+          </a:xfrm>
+          <a:prstGeom prst="rect">
+            <a:avLst/>
+          </a:prstGeom>
+          <a:solidFill>
+            <a:schemeClr val="accent6"/>
+          </a:solidFill>
+          <a:ln>
+            <a:noFill/>
+          </a:ln>
+        </p:spPr>
+        <p:style>
+          <a:lnRef idx="2">
+            <a:schemeClr val="accent1">
+              <a:shade val="50000"/>
+            </a:schemeClr>
+          </a:lnRef>
+          <a:fillRef idx="1">
+            <a:schemeClr val="accent1"/>
+          </a:fillRef>
+          <a:effectRef idx="0">
+            <a:schemeClr val="accent1"/>
+          </a:effectRef>
+          <a:fontRef idx="minor">
+            <a:schemeClr val="lt1"/>
+          </a:fontRef>
+        </p:style>
+        <p:txBody>
+          <a:bodyPr rtlCol="0" anchor="ctr"/>
+          <a:lstStyle/>
+          <a:p>
+            <a:pPr algn="ctr"/>
+            <a:endParaRPr lang="en-US"/>
+          </a:p>
+        </p:txBody>
+      </p:sp>
+    </p:spTree>
+    <p:extLst>
+      <p:ext uri="{BB962C8B-B14F-4D97-AF65-F5344CB8AC3E}">
+        <p14:creationId xmlns:p14="http://schemas.microsoft.com/office/powerpoint/2010/main" val="2044166330"/>
+      </p:ext>
+    </p:extLst>
+  </p:cSld>
+  <p:clrMapOvr>
+    <a:masterClrMapping/>
+  </p:clrMapOvr>
+</p:sld>
+</file>
+
+<file path=ppt/slides/slide20.xml><?xml version="1.0" encoding="utf-8"?>
+<p:sld xmlns:a="http://schemas.openxmlformats.org/drawingml/2006/main" xmlns:r="http://schemas.openxmlformats.org/officeDocument/2006/relationships" xmlns:p="http://schemas.openxmlformats.org/presentationml/2006/main">
+  <p:cSld>
+    <p:spTree>
+      <p:nvGrpSpPr>
+        <p:cNvPr id="1" name=""/>
+        <p:cNvGrpSpPr/>
+        <p:nvPr/>
+      </p:nvGrpSpPr>
+      <p:grpSpPr>
+        <a:xfrm>
+          <a:off x="0" y="0"/>
+          <a:ext cx="0" cy="0"/>
+          <a:chOff x="0" y="0"/>
+          <a:chExt cx="0" cy="0"/>
+        </a:xfrm>
+      </p:grpSpPr>
+      <p:sp>
+        <p:nvSpPr>
+          <p:cNvPr id="2" name="Title 1">
+            <a:extLst>
+              <a:ext uri="{FF2B5EF4-FFF2-40B4-BE49-F238E27FC236}">
                 <a16:creationId xmlns:a16="http://schemas.microsoft.com/office/drawing/2014/main" id="{E7CA91B6-AAE2-4CC7-BEBF-910358266E50}"/>
               </a:ext>
             </a:extLst>
@@ -15801,7 +18360,7 @@
 </p:sld>
 </file>
 
-<file path=ppt/slides/slide13.xml><?xml version="1.0" encoding="utf-8"?>
+<file path=ppt/slides/slide21.xml><?xml version="1.0" encoding="utf-8"?>
 <p:sld xmlns:a="http://schemas.openxmlformats.org/drawingml/2006/main" xmlns:r="http://schemas.openxmlformats.org/officeDocument/2006/relationships" xmlns:p="http://schemas.openxmlformats.org/presentationml/2006/main">
   <p:cSld>
     <p:spTree>
@@ -15891,7 +18450,7 @@
 </p:sld>
 </file>
 
-<file path=ppt/slides/slide14.xml><?xml version="1.0" encoding="utf-8"?>
+<file path=ppt/slides/slide22.xml><?xml version="1.0" encoding="utf-8"?>
 <p:sld xmlns:a="http://schemas.openxmlformats.org/drawingml/2006/main" xmlns:r="http://schemas.openxmlformats.org/officeDocument/2006/relationships" xmlns:p="http://schemas.openxmlformats.org/presentationml/2006/main">
   <p:cSld>
     <p:spTree>
@@ -17598,7 +20157,7 @@
 </p:sld>
 </file>
 
-<file path=ppt/slides/slide15.xml><?xml version="1.0" encoding="utf-8"?>
+<file path=ppt/slides/slide23.xml><?xml version="1.0" encoding="utf-8"?>
 <p:sld xmlns:a="http://schemas.openxmlformats.org/drawingml/2006/main" xmlns:r="http://schemas.openxmlformats.org/officeDocument/2006/relationships" xmlns:p="http://schemas.openxmlformats.org/presentationml/2006/main">
   <p:cSld>
     <p:spTree>
@@ -17620,7 +20179,7 @@
           <p:cNvPr id="2" name="Title 1">
             <a:extLst>
               <a:ext uri="{FF2B5EF4-FFF2-40B4-BE49-F238E27FC236}">
-                <a16:creationId xmlns:a16="http://schemas.microsoft.com/office/drawing/2014/main" id="{85FA3D1B-1A29-4229-A74B-8379205A95E3}"/>
+                <a16:creationId xmlns:a16="http://schemas.microsoft.com/office/drawing/2014/main" id="{12CA1DCA-8DA9-4839-A120-C7D3F840A4B9}"/>
               </a:ext>
             </a:extLst>
           </p:cNvPr>
@@ -17636,16 +20195,20 @@
           <a:bodyPr/>
           <a:lstStyle/>
           <a:p>
-            <a:endParaRPr lang="en-US"/>
+            <a:r>
+              <a:rPr lang="en-CA" dirty="0"/>
+              <a:t>Demo</a:t>
+            </a:r>
+            <a:endParaRPr lang="en-US" dirty="0"/>
           </a:p>
         </p:txBody>
       </p:sp>
       <p:sp>
         <p:nvSpPr>
-          <p:cNvPr id="3" name="Content Placeholder 2">
+          <p:cNvPr id="3" name="Text Placeholder 2">
             <a:extLst>
               <a:ext uri="{FF2B5EF4-FFF2-40B4-BE49-F238E27FC236}">
-                <a16:creationId xmlns:a16="http://schemas.microsoft.com/office/drawing/2014/main" id="{6512D842-248A-4E35-8EDF-8D3908F63CBB}"/>
+                <a16:creationId xmlns:a16="http://schemas.microsoft.com/office/drawing/2014/main" id="{9F7E329B-3DEF-4238-9FE1-27FA585709F0}"/>
               </a:ext>
             </a:extLst>
           </p:cNvPr>
@@ -17653,7 +20216,7 @@
             <a:spLocks noGrp="1"/>
           </p:cNvSpPr>
           <p:nvPr>
-            <p:ph idx="1"/>
+            <p:ph type="body" idx="1"/>
           </p:nvPr>
         </p:nvSpPr>
         <p:spPr/>
@@ -17661,14 +20224,18 @@
           <a:bodyPr/>
           <a:lstStyle/>
           <a:p>
-            <a:endParaRPr lang="en-US"/>
+            <a:r>
+              <a:rPr lang="en-CA" dirty="0"/>
+              <a:t>Custom Functions</a:t>
+            </a:r>
+            <a:endParaRPr lang="en-US" dirty="0"/>
           </a:p>
         </p:txBody>
       </p:sp>
     </p:spTree>
     <p:extLst>
       <p:ext uri="{BB962C8B-B14F-4D97-AF65-F5344CB8AC3E}">
-        <p14:creationId xmlns:p14="http://schemas.microsoft.com/office/powerpoint/2010/main" val="2625431776"/>
+        <p14:creationId xmlns:p14="http://schemas.microsoft.com/office/powerpoint/2010/main" val="3115024747"/>
       </p:ext>
     </p:extLst>
   </p:cSld>
@@ -17678,7 +20245,7 @@
 </p:sld>
 </file>
 
-<file path=ppt/slides/slide16.xml><?xml version="1.0" encoding="utf-8"?>
+<file path=ppt/slides/slide24.xml><?xml version="1.0" encoding="utf-8"?>
 <p:sld xmlns:a="http://schemas.openxmlformats.org/drawingml/2006/main" xmlns:r="http://schemas.openxmlformats.org/officeDocument/2006/relationships" xmlns:p="http://schemas.openxmlformats.org/presentationml/2006/main">
   <p:cSld>
     <p:spTree>
@@ -17700,94 +20267,6 @@
           <p:cNvPr id="2" name="Title 1">
             <a:extLst>
               <a:ext uri="{FF2B5EF4-FFF2-40B4-BE49-F238E27FC236}">
-                <a16:creationId xmlns:a16="http://schemas.microsoft.com/office/drawing/2014/main" id="{12CA1DCA-8DA9-4839-A120-C7D3F840A4B9}"/>
-              </a:ext>
-            </a:extLst>
-          </p:cNvPr>
-          <p:cNvSpPr>
-            <a:spLocks noGrp="1"/>
-          </p:cNvSpPr>
-          <p:nvPr>
-            <p:ph type="title"/>
-          </p:nvPr>
-        </p:nvSpPr>
-        <p:spPr/>
-        <p:txBody>
-          <a:bodyPr/>
-          <a:lstStyle/>
-          <a:p>
-            <a:r>
-              <a:rPr lang="en-CA" dirty="0"/>
-              <a:t>Demo</a:t>
-            </a:r>
-            <a:endParaRPr lang="en-US" dirty="0"/>
-          </a:p>
-        </p:txBody>
-      </p:sp>
-      <p:sp>
-        <p:nvSpPr>
-          <p:cNvPr id="3" name="Text Placeholder 2">
-            <a:extLst>
-              <a:ext uri="{FF2B5EF4-FFF2-40B4-BE49-F238E27FC236}">
-                <a16:creationId xmlns:a16="http://schemas.microsoft.com/office/drawing/2014/main" id="{9F7E329B-3DEF-4238-9FE1-27FA585709F0}"/>
-              </a:ext>
-            </a:extLst>
-          </p:cNvPr>
-          <p:cNvSpPr>
-            <a:spLocks noGrp="1"/>
-          </p:cNvSpPr>
-          <p:nvPr>
-            <p:ph type="body" idx="1"/>
-          </p:nvPr>
-        </p:nvSpPr>
-        <p:spPr/>
-        <p:txBody>
-          <a:bodyPr/>
-          <a:lstStyle/>
-          <a:p>
-            <a:r>
-              <a:rPr lang="en-CA" dirty="0"/>
-              <a:t>Custom Functions</a:t>
-            </a:r>
-            <a:endParaRPr lang="en-US" dirty="0"/>
-          </a:p>
-        </p:txBody>
-      </p:sp>
-    </p:spTree>
-    <p:extLst>
-      <p:ext uri="{BB962C8B-B14F-4D97-AF65-F5344CB8AC3E}">
-        <p14:creationId xmlns:p14="http://schemas.microsoft.com/office/powerpoint/2010/main" val="3115024747"/>
-      </p:ext>
-    </p:extLst>
-  </p:cSld>
-  <p:clrMapOvr>
-    <a:masterClrMapping/>
-  </p:clrMapOvr>
-</p:sld>
-</file>
-
-<file path=ppt/slides/slide17.xml><?xml version="1.0" encoding="utf-8"?>
-<p:sld xmlns:a="http://schemas.openxmlformats.org/drawingml/2006/main" xmlns:r="http://schemas.openxmlformats.org/officeDocument/2006/relationships" xmlns:p="http://schemas.openxmlformats.org/presentationml/2006/main">
-  <p:cSld>
-    <p:spTree>
-      <p:nvGrpSpPr>
-        <p:cNvPr id="1" name=""/>
-        <p:cNvGrpSpPr/>
-        <p:nvPr/>
-      </p:nvGrpSpPr>
-      <p:grpSpPr>
-        <a:xfrm>
-          <a:off x="0" y="0"/>
-          <a:ext cx="0" cy="0"/>
-          <a:chOff x="0" y="0"/>
-          <a:chExt cx="0" cy="0"/>
-        </a:xfrm>
-      </p:grpSpPr>
-      <p:sp>
-        <p:nvSpPr>
-          <p:cNvPr id="2" name="Title 1">
-            <a:extLst>
-              <a:ext uri="{FF2B5EF4-FFF2-40B4-BE49-F238E27FC236}">
                 <a16:creationId xmlns:a16="http://schemas.microsoft.com/office/drawing/2014/main" id="{7BDE4A03-FE18-4141-9464-D0CDCB0C5342}"/>
               </a:ext>
             </a:extLst>
@@ -17854,7 +20333,7 @@
 </p:sld>
 </file>
 
-<file path=ppt/slides/slide18.xml><?xml version="1.0" encoding="utf-8"?>
+<file path=ppt/slides/slide25.xml><?xml version="1.0" encoding="utf-8"?>
 <p:sld xmlns:a="http://schemas.openxmlformats.org/drawingml/2006/main" xmlns:r="http://schemas.openxmlformats.org/officeDocument/2006/relationships" xmlns:p="http://schemas.openxmlformats.org/presentationml/2006/main">
   <p:cSld>
     <p:spTree>
@@ -17883,9 +20362,7 @@
           <p:cNvGraphicFramePr>
             <a:graphicFrameLocks/>
           </p:cNvGraphicFramePr>
-          <p:nvPr>
-            <p:extLst/>
-          </p:nvPr>
+          <p:nvPr/>
         </p:nvGraphicFramePr>
         <p:xfrm>
           <a:off x="0" y="353961"/>
@@ -18383,7 +20860,7 @@
 </p:sld>
 </file>
 
-<file path=ppt/slides/slide19.xml><?xml version="1.0" encoding="utf-8"?>
+<file path=ppt/slides/slide26.xml><?xml version="1.0" encoding="utf-8"?>
 <p:sld xmlns:a="http://schemas.openxmlformats.org/drawingml/2006/main" xmlns:r="http://schemas.openxmlformats.org/officeDocument/2006/relationships" xmlns:p="http://schemas.openxmlformats.org/presentationml/2006/main">
   <p:cSld>
     <p:spTree>
@@ -18471,7 +20948,7 @@
 </p:sld>
 </file>
 
-<file path=ppt/slides/slide2.xml><?xml version="1.0" encoding="utf-8"?>
+<file path=ppt/slides/slide27.xml><?xml version="1.0" encoding="utf-8"?>
 <p:sld xmlns:a="http://schemas.openxmlformats.org/drawingml/2006/main" xmlns:r="http://schemas.openxmlformats.org/officeDocument/2006/relationships" xmlns:p="http://schemas.openxmlformats.org/presentationml/2006/main">
   <p:cSld>
     <p:spTree>
@@ -18493,7 +20970,7 @@
           <p:cNvPr id="2" name="Title 1">
             <a:extLst>
               <a:ext uri="{FF2B5EF4-FFF2-40B4-BE49-F238E27FC236}">
-                <a16:creationId xmlns:a16="http://schemas.microsoft.com/office/drawing/2014/main" id="{448FF6A7-4F19-424C-9BBB-2A8C4F02267B}"/>
+                <a16:creationId xmlns:a16="http://schemas.microsoft.com/office/drawing/2014/main" id="{DB1FF5B1-23A2-4A2A-B3D7-BB47895C8DCC}"/>
               </a:ext>
             </a:extLst>
           </p:cNvPr>
@@ -18511,7 +20988,7 @@
           <a:p>
             <a:r>
               <a:rPr lang="en-CA" dirty="0"/>
-              <a:t>Azure Functions</a:t>
+              <a:t>AWS Lambda Demo</a:t>
             </a:r>
             <a:endParaRPr lang="en-US" dirty="0"/>
           </a:p>
@@ -18519,10 +20996,10 @@
       </p:sp>
       <p:sp>
         <p:nvSpPr>
-          <p:cNvPr id="3" name="Content Placeholder 2">
+          <p:cNvPr id="3" name="Text Placeholder 2">
             <a:extLst>
               <a:ext uri="{FF2B5EF4-FFF2-40B4-BE49-F238E27FC236}">
-                <a16:creationId xmlns:a16="http://schemas.microsoft.com/office/drawing/2014/main" id="{149BCE9C-2940-4C3A-A9CC-1BF020194BBB}"/>
+                <a16:creationId xmlns:a16="http://schemas.microsoft.com/office/drawing/2014/main" id="{A1D7B4FC-D0E9-47B4-998C-A12C69123A0E}"/>
               </a:ext>
             </a:extLst>
           </p:cNvPr>
@@ -18530,7 +21007,7 @@
             <a:spLocks noGrp="1"/>
           </p:cNvSpPr>
           <p:nvPr>
-            <p:ph idx="1"/>
+            <p:ph type="body" idx="1"/>
           </p:nvPr>
         </p:nvSpPr>
         <p:spPr/>
@@ -18540,31 +21017,7 @@
           <a:p>
             <a:r>
               <a:rPr lang="en-CA" dirty="0"/>
-              <a:t>Serverless</a:t>
-            </a:r>
-          </a:p>
-          <a:p>
-            <a:r>
-              <a:rPr lang="en-CA" dirty="0"/>
-              <a:t>Cloud-Only</a:t>
-            </a:r>
-          </a:p>
-          <a:p>
-            <a:r>
-              <a:rPr lang="en-CA" dirty="0"/>
-              <a:t>Event-Driven</a:t>
-            </a:r>
-          </a:p>
-          <a:p>
-            <a:r>
-              <a:rPr lang="en-CA" dirty="0"/>
-              <a:t>Perfect Scalability</a:t>
-            </a:r>
-          </a:p>
-          <a:p>
-            <a:r>
-              <a:rPr lang="en-CA" dirty="0"/>
-              <a:t>Very good fit for Microservices</a:t>
+              <a:t>Custom Functions</a:t>
             </a:r>
             <a:endParaRPr lang="en-US" dirty="0"/>
           </a:p>
@@ -18573,7 +21026,7 @@
     </p:spTree>
     <p:extLst>
       <p:ext uri="{BB962C8B-B14F-4D97-AF65-F5344CB8AC3E}">
-        <p14:creationId xmlns:p14="http://schemas.microsoft.com/office/powerpoint/2010/main" val="2522330110"/>
+        <p14:creationId xmlns:p14="http://schemas.microsoft.com/office/powerpoint/2010/main" val="2357912993"/>
       </p:ext>
     </p:extLst>
   </p:cSld>
@@ -18583,7 +21036,7 @@
 </p:sld>
 </file>
 
-<file path=ppt/slides/slide20.xml><?xml version="1.0" encoding="utf-8"?>
+<file path=ppt/slides/slide28.xml><?xml version="1.0" encoding="utf-8"?>
 <p:sld xmlns:a="http://schemas.openxmlformats.org/drawingml/2006/main" xmlns:r="http://schemas.openxmlformats.org/officeDocument/2006/relationships" xmlns:p="http://schemas.openxmlformats.org/presentationml/2006/main">
   <p:cSld>
     <p:spTree>
@@ -18696,7 +21149,7 @@
 </p:sld>
 </file>
 
-<file path=ppt/slides/slide21.xml><?xml version="1.0" encoding="utf-8"?>
+<file path=ppt/slides/slide29.xml><?xml version="1.0" encoding="utf-8"?>
 <p:sld xmlns:a="http://schemas.openxmlformats.org/drawingml/2006/main" xmlns:r="http://schemas.openxmlformats.org/officeDocument/2006/relationships" xmlns:p="http://schemas.openxmlformats.org/presentationml/2006/main">
   <p:cSld>
     <p:spTree>
@@ -18771,93 +21224,6 @@
     <p:extLst>
       <p:ext uri="{BB962C8B-B14F-4D97-AF65-F5344CB8AC3E}">
         <p14:creationId xmlns:p14="http://schemas.microsoft.com/office/powerpoint/2010/main" val="3701073861"/>
-      </p:ext>
-    </p:extLst>
-  </p:cSld>
-  <p:clrMapOvr>
-    <a:masterClrMapping/>
-  </p:clrMapOvr>
-</p:sld>
-</file>
-
-<file path=ppt/slides/slide22.xml><?xml version="1.0" encoding="utf-8"?>
-<p:sld xmlns:a="http://schemas.openxmlformats.org/drawingml/2006/main" xmlns:r="http://schemas.openxmlformats.org/officeDocument/2006/relationships" xmlns:p="http://schemas.openxmlformats.org/presentationml/2006/main">
-  <p:cSld>
-    <p:spTree>
-      <p:nvGrpSpPr>
-        <p:cNvPr id="1" name=""/>
-        <p:cNvGrpSpPr/>
-        <p:nvPr/>
-      </p:nvGrpSpPr>
-      <p:grpSpPr>
-        <a:xfrm>
-          <a:off x="0" y="0"/>
-          <a:ext cx="0" cy="0"/>
-          <a:chOff x="0" y="0"/>
-          <a:chExt cx="0" cy="0"/>
-        </a:xfrm>
-      </p:grpSpPr>
-      <p:sp>
-        <p:nvSpPr>
-          <p:cNvPr id="2" name="Title 1">
-            <a:extLst>
-              <a:ext uri="{FF2B5EF4-FFF2-40B4-BE49-F238E27FC236}">
-                <a16:creationId xmlns:a16="http://schemas.microsoft.com/office/drawing/2014/main" id="{E43B7882-EB5B-48BB-B204-9552FDEF8ABA}"/>
-              </a:ext>
-            </a:extLst>
-          </p:cNvPr>
-          <p:cNvSpPr>
-            <a:spLocks noGrp="1"/>
-          </p:cNvSpPr>
-          <p:nvPr>
-            <p:ph type="title"/>
-          </p:nvPr>
-        </p:nvSpPr>
-        <p:spPr/>
-        <p:txBody>
-          <a:bodyPr/>
-          <a:lstStyle/>
-          <a:p>
-            <a:endParaRPr lang="en-US" dirty="0"/>
-          </a:p>
-        </p:txBody>
-      </p:sp>
-      <p:sp>
-        <p:nvSpPr>
-          <p:cNvPr id="3" name="Content Placeholder 2">
-            <a:extLst>
-              <a:ext uri="{FF2B5EF4-FFF2-40B4-BE49-F238E27FC236}">
-                <a16:creationId xmlns:a16="http://schemas.microsoft.com/office/drawing/2014/main" id="{75C73D6D-80BA-4EFF-B49F-0AD5C20426AB}"/>
-              </a:ext>
-            </a:extLst>
-          </p:cNvPr>
-          <p:cNvSpPr>
-            <a:spLocks noGrp="1"/>
-          </p:cNvSpPr>
-          <p:nvPr>
-            <p:ph idx="1"/>
-          </p:nvPr>
-        </p:nvSpPr>
-        <p:spPr/>
-        <p:txBody>
-          <a:bodyPr>
-            <a:normAutofit/>
-          </a:bodyPr>
-          <a:lstStyle/>
-          <a:p>
-            <a:pPr algn="ctr"/>
-            <a:r>
-              <a:rPr lang="en-CA" sz="6600" dirty="0"/>
-              <a:t>Thank you!</a:t>
-            </a:r>
-            <a:endParaRPr lang="en-US" sz="6600" dirty="0"/>
-          </a:p>
-        </p:txBody>
-      </p:sp>
-    </p:spTree>
-    <p:extLst>
-      <p:ext uri="{BB962C8B-B14F-4D97-AF65-F5344CB8AC3E}">
-        <p14:creationId xmlns:p14="http://schemas.microsoft.com/office/powerpoint/2010/main" val="4228858148"/>
       </p:ext>
     </p:extLst>
   </p:cSld>
@@ -18889,7 +21255,7 @@
           <p:cNvPr id="2" name="Title 1">
             <a:extLst>
               <a:ext uri="{FF2B5EF4-FFF2-40B4-BE49-F238E27FC236}">
-                <a16:creationId xmlns:a16="http://schemas.microsoft.com/office/drawing/2014/main" id="{EE476F79-CB4A-4212-939F-D418218089EC}"/>
+                <a16:creationId xmlns:a16="http://schemas.microsoft.com/office/drawing/2014/main" id="{E6C17D8F-F888-4219-A39C-1846E22E020A}"/>
               </a:ext>
             </a:extLst>
           </p:cNvPr>
@@ -18900,171 +21266,57 @@
             <p:ph type="title"/>
           </p:nvPr>
         </p:nvSpPr>
-        <p:spPr/>
+        <p:spPr>
+          <a:xfrm>
+            <a:off x="2611808" y="808056"/>
+            <a:ext cx="7958331" cy="1077229"/>
+          </a:xfrm>
+        </p:spPr>
         <p:txBody>
           <a:bodyPr/>
           <a:lstStyle/>
           <a:p>
             <a:r>
-              <a:rPr lang="en-CA" dirty="0"/>
-              <a:t>Azure Cloud Computing</a:t>
+              <a:rPr lang="en-US"/>
+              <a:t>What this talk is about</a:t>
             </a:r>
             <a:endParaRPr lang="en-US" dirty="0"/>
           </a:p>
         </p:txBody>
       </p:sp>
-      <p:sp>
-        <p:nvSpPr>
-          <p:cNvPr id="3" name="Text Placeholder 2">
+      <p:pic>
+        <p:nvPicPr>
+          <p:cNvPr id="5" name="Content Placeholder 4" descr="A person holding a sign&#10;&#10;Description automatically generated">
             <a:extLst>
               <a:ext uri="{FF2B5EF4-FFF2-40B4-BE49-F238E27FC236}">
-                <a16:creationId xmlns:a16="http://schemas.microsoft.com/office/drawing/2014/main" id="{06EF2491-AC90-47B6-9CB7-A7C2DC6F9993}"/>
+                <a16:creationId xmlns:a16="http://schemas.microsoft.com/office/drawing/2014/main" id="{E022CA46-8A26-49F4-9F1A-AD0E8969AD5C}"/>
               </a:ext>
             </a:extLst>
           </p:cNvPr>
-          <p:cNvSpPr>
-            <a:spLocks noGrp="1"/>
-          </p:cNvSpPr>
+          <p:cNvPicPr>
+            <a:picLocks noGrp="1" noChangeAspect="1"/>
+          </p:cNvPicPr>
           <p:nvPr>
-            <p:ph type="body" idx="1"/>
+            <p:ph idx="1"/>
           </p:nvPr>
-        </p:nvSpPr>
-        <p:spPr/>
-        <p:txBody>
-          <a:bodyPr/>
-          <a:lstStyle/>
-          <a:p>
-            <a:r>
-              <a:rPr lang="en-CA" dirty="0"/>
-              <a:t>IaaS</a:t>
-            </a:r>
-            <a:endParaRPr lang="en-US" dirty="0"/>
-          </a:p>
-        </p:txBody>
-      </p:sp>
-      <p:sp>
-        <p:nvSpPr>
-          <p:cNvPr id="4" name="Content Placeholder 3">
-            <a:extLst>
-              <a:ext uri="{FF2B5EF4-FFF2-40B4-BE49-F238E27FC236}">
-                <a16:creationId xmlns:a16="http://schemas.microsoft.com/office/drawing/2014/main" id="{F8E4F5F0-759B-4642-A3FA-97CCACF541B8}"/>
-              </a:ext>
-            </a:extLst>
-          </p:cNvPr>
-          <p:cNvSpPr>
-            <a:spLocks noGrp="1"/>
-          </p:cNvSpPr>
-          <p:nvPr>
-            <p:ph sz="half" idx="2"/>
-          </p:nvPr>
-        </p:nvSpPr>
-        <p:spPr/>
-        <p:txBody>
-          <a:bodyPr/>
-          <a:lstStyle/>
-          <a:p>
-            <a:r>
-              <a:rPr lang="en-CA" dirty="0"/>
-              <a:t>Infrastructure</a:t>
-            </a:r>
-          </a:p>
-          <a:p>
-            <a:r>
-              <a:rPr lang="en-CA" dirty="0"/>
-              <a:t>VMs</a:t>
-            </a:r>
-          </a:p>
-          <a:p>
-            <a:r>
-              <a:rPr lang="en-CA" dirty="0"/>
-              <a:t>Manage everything yourself</a:t>
-            </a:r>
-            <a:endParaRPr lang="en-US" dirty="0"/>
-          </a:p>
-        </p:txBody>
-      </p:sp>
-      <p:sp>
-        <p:nvSpPr>
-          <p:cNvPr id="5" name="Text Placeholder 4">
-            <a:extLst>
-              <a:ext uri="{FF2B5EF4-FFF2-40B4-BE49-F238E27FC236}">
-                <a16:creationId xmlns:a16="http://schemas.microsoft.com/office/drawing/2014/main" id="{1D97483D-7AE3-46E2-AC45-E5E0A1A6FE0F}"/>
-              </a:ext>
-            </a:extLst>
-          </p:cNvPr>
-          <p:cNvSpPr>
-            <a:spLocks noGrp="1"/>
-          </p:cNvSpPr>
-          <p:nvPr>
-            <p:ph type="body" sz="quarter" idx="3"/>
-          </p:nvPr>
-        </p:nvSpPr>
-        <p:spPr/>
-        <p:txBody>
-          <a:bodyPr/>
-          <a:lstStyle/>
-          <a:p>
-            <a:r>
-              <a:rPr lang="en-CA" dirty="0"/>
-              <a:t>PaaS</a:t>
-            </a:r>
-            <a:endParaRPr lang="en-US" dirty="0"/>
-          </a:p>
-        </p:txBody>
-      </p:sp>
-      <p:sp>
-        <p:nvSpPr>
-          <p:cNvPr id="6" name="Content Placeholder 5">
-            <a:extLst>
-              <a:ext uri="{FF2B5EF4-FFF2-40B4-BE49-F238E27FC236}">
-                <a16:creationId xmlns:a16="http://schemas.microsoft.com/office/drawing/2014/main" id="{E8DB231C-73C0-4878-9410-6D9C63A6D237}"/>
-              </a:ext>
-            </a:extLst>
-          </p:cNvPr>
-          <p:cNvSpPr>
-            <a:spLocks noGrp="1"/>
-          </p:cNvSpPr>
-          <p:nvPr>
-            <p:ph sz="quarter" idx="4"/>
-          </p:nvPr>
-        </p:nvSpPr>
-        <p:spPr/>
-        <p:txBody>
-          <a:bodyPr/>
-          <a:lstStyle/>
-          <a:p>
-            <a:r>
-              <a:rPr lang="en-CA" dirty="0"/>
-              <a:t>Platform</a:t>
-            </a:r>
-          </a:p>
-          <a:p>
-            <a:r>
-              <a:rPr lang="en-CA" dirty="0"/>
-              <a:t>Shared Platform</a:t>
-            </a:r>
-          </a:p>
-          <a:p>
-            <a:r>
-              <a:rPr lang="en-CA" dirty="0"/>
-              <a:t>Platform manages everything for you</a:t>
-            </a:r>
-          </a:p>
-          <a:p>
-            <a:r>
-              <a:rPr lang="en-CA" dirty="0"/>
-              <a:t>Manage Application Runtime and Application</a:t>
-            </a:r>
-          </a:p>
-          <a:p>
-            <a:endParaRPr lang="en-US" dirty="0"/>
-          </a:p>
-        </p:txBody>
-      </p:sp>
+        </p:nvPicPr>
+        <p:blipFill>
+          <a:blip r:embed="rId2"/>
+          <a:stretch>
+            <a:fillRect/>
+          </a:stretch>
+        </p:blipFill>
+        <p:spPr>
+          <a:xfrm>
+            <a:off x="1740062" y="1600865"/>
+            <a:ext cx="9128495" cy="5129345"/>
+          </a:xfrm>
+        </p:spPr>
+      </p:pic>
     </p:spTree>
     <p:extLst>
       <p:ext uri="{BB962C8B-B14F-4D97-AF65-F5344CB8AC3E}">
-        <p14:creationId xmlns:p14="http://schemas.microsoft.com/office/powerpoint/2010/main" val="198415830"/>
+        <p14:creationId xmlns:p14="http://schemas.microsoft.com/office/powerpoint/2010/main" val="3338425116"/>
       </p:ext>
     </p:extLst>
   </p:cSld>
@@ -19074,7 +21326,7 @@
 </p:sld>
 </file>
 
-<file path=ppt/slides/slide4.xml><?xml version="1.0" encoding="utf-8"?>
+<file path=ppt/slides/slide30.xml><?xml version="1.0" encoding="utf-8"?>
 <p:sld xmlns:a="http://schemas.openxmlformats.org/drawingml/2006/main" xmlns:r="http://schemas.openxmlformats.org/officeDocument/2006/relationships" xmlns:p="http://schemas.openxmlformats.org/presentationml/2006/main">
   <p:cSld>
     <p:spTree>
@@ -19096,7 +21348,7 @@
           <p:cNvPr id="2" name="Title 1">
             <a:extLst>
               <a:ext uri="{FF2B5EF4-FFF2-40B4-BE49-F238E27FC236}">
-                <a16:creationId xmlns:a16="http://schemas.microsoft.com/office/drawing/2014/main" id="{EE476F79-CB4A-4212-939F-D418218089EC}"/>
+                <a16:creationId xmlns:a16="http://schemas.microsoft.com/office/drawing/2014/main" id="{E43B7882-EB5B-48BB-B204-9552FDEF8ABA}"/>
               </a:ext>
             </a:extLst>
           </p:cNvPr>
@@ -19112,20 +21364,16 @@
           <a:bodyPr/>
           <a:lstStyle/>
           <a:p>
-            <a:r>
-              <a:rPr lang="en-CA" dirty="0"/>
-              <a:t>Azure Cloud Computing</a:t>
-            </a:r>
             <a:endParaRPr lang="en-US" dirty="0"/>
           </a:p>
         </p:txBody>
       </p:sp>
       <p:sp>
         <p:nvSpPr>
-          <p:cNvPr id="3" name="Text Placeholder 2">
+          <p:cNvPr id="3" name="Content Placeholder 2">
             <a:extLst>
               <a:ext uri="{FF2B5EF4-FFF2-40B4-BE49-F238E27FC236}">
-                <a16:creationId xmlns:a16="http://schemas.microsoft.com/office/drawing/2014/main" id="{06EF2491-AC90-47B6-9CB7-A7C2DC6F9993}"/>
+                <a16:creationId xmlns:a16="http://schemas.microsoft.com/office/drawing/2014/main" id="{75C73D6D-80BA-4EFF-B49F-0AD5C20426AB}"/>
               </a:ext>
             </a:extLst>
           </p:cNvPr>
@@ -19133,161 +21381,29 @@
             <a:spLocks noGrp="1"/>
           </p:cNvSpPr>
           <p:nvPr>
-            <p:ph type="body" idx="1"/>
-          </p:nvPr>
-        </p:nvSpPr>
-        <p:spPr/>
-        <p:txBody>
-          <a:bodyPr/>
-          <a:lstStyle/>
-          <a:p>
-            <a:r>
-              <a:rPr lang="en-CA" dirty="0"/>
-              <a:t>PaaS</a:t>
-            </a:r>
-            <a:endParaRPr lang="en-US" dirty="0"/>
-          </a:p>
-        </p:txBody>
-      </p:sp>
-      <p:sp>
-        <p:nvSpPr>
-          <p:cNvPr id="4" name="Content Placeholder 3">
-            <a:extLst>
-              <a:ext uri="{FF2B5EF4-FFF2-40B4-BE49-F238E27FC236}">
-                <a16:creationId xmlns:a16="http://schemas.microsoft.com/office/drawing/2014/main" id="{F8E4F5F0-759B-4642-A3FA-97CCACF541B8}"/>
-              </a:ext>
-            </a:extLst>
-          </p:cNvPr>
-          <p:cNvSpPr>
-            <a:spLocks noGrp="1"/>
-          </p:cNvSpPr>
-          <p:nvPr>
-            <p:ph sz="half" idx="2"/>
+            <p:ph idx="1"/>
           </p:nvPr>
         </p:nvSpPr>
         <p:spPr/>
         <p:txBody>
           <a:bodyPr>
-            <a:normAutofit fontScale="92500" lnSpcReduction="20000"/>
+            <a:normAutofit/>
           </a:bodyPr>
           <a:lstStyle/>
           <a:p>
-            <a:r>
-              <a:rPr lang="en-CA" dirty="0"/>
-              <a:t>Platform</a:t>
-            </a:r>
-          </a:p>
-          <a:p>
-            <a:r>
-              <a:rPr lang="en-CA" dirty="0"/>
-              <a:t>Shared Platform</a:t>
-            </a:r>
-          </a:p>
-          <a:p>
-            <a:r>
-              <a:rPr lang="en-CA" dirty="0"/>
-              <a:t>Platform manages everything for you</a:t>
-            </a:r>
-          </a:p>
-          <a:p>
-            <a:r>
-              <a:rPr lang="en-CA" dirty="0"/>
-              <a:t>Manage Application Runtime and Application</a:t>
-            </a:r>
-            <a:endParaRPr lang="en-US" dirty="0"/>
-          </a:p>
-        </p:txBody>
-      </p:sp>
-      <p:sp>
-        <p:nvSpPr>
-          <p:cNvPr id="5" name="Text Placeholder 4">
-            <a:extLst>
-              <a:ext uri="{FF2B5EF4-FFF2-40B4-BE49-F238E27FC236}">
-                <a16:creationId xmlns:a16="http://schemas.microsoft.com/office/drawing/2014/main" id="{1D97483D-7AE3-46E2-AC45-E5E0A1A6FE0F}"/>
-              </a:ext>
-            </a:extLst>
-          </p:cNvPr>
-          <p:cNvSpPr>
-            <a:spLocks noGrp="1"/>
-          </p:cNvSpPr>
-          <p:nvPr>
-            <p:ph type="body" sz="quarter" idx="3"/>
-          </p:nvPr>
-        </p:nvSpPr>
-        <p:spPr/>
-        <p:txBody>
-          <a:bodyPr/>
-          <a:lstStyle/>
-          <a:p>
-            <a:r>
-              <a:rPr lang="en-CA" dirty="0" err="1"/>
-              <a:t>FaaS</a:t>
-            </a:r>
-            <a:endParaRPr lang="en-US" dirty="0"/>
-          </a:p>
-        </p:txBody>
-      </p:sp>
-      <p:sp>
-        <p:nvSpPr>
-          <p:cNvPr id="6" name="Content Placeholder 5">
-            <a:extLst>
-              <a:ext uri="{FF2B5EF4-FFF2-40B4-BE49-F238E27FC236}">
-                <a16:creationId xmlns:a16="http://schemas.microsoft.com/office/drawing/2014/main" id="{E8DB231C-73C0-4878-9410-6D9C63A6D237}"/>
-              </a:ext>
-            </a:extLst>
-          </p:cNvPr>
-          <p:cNvSpPr>
-            <a:spLocks noGrp="1"/>
-          </p:cNvSpPr>
-          <p:nvPr>
-            <p:ph sz="quarter" idx="4"/>
-          </p:nvPr>
-        </p:nvSpPr>
-        <p:spPr/>
-        <p:txBody>
-          <a:bodyPr>
-            <a:normAutofit fontScale="92500" lnSpcReduction="20000"/>
-          </a:bodyPr>
-          <a:lstStyle/>
-          <a:p>
-            <a:r>
-              <a:rPr lang="en-CA" dirty="0"/>
-              <a:t>Function</a:t>
-            </a:r>
-          </a:p>
-          <a:p>
-            <a:r>
-              <a:rPr lang="en-CA" dirty="0"/>
-              <a:t>Shared Instance</a:t>
-            </a:r>
-          </a:p>
-          <a:p>
-            <a:r>
-              <a:rPr lang="en-CA" dirty="0"/>
-              <a:t>Instance manages everything for you</a:t>
-            </a:r>
-          </a:p>
-          <a:p>
-            <a:r>
-              <a:rPr lang="en-CA" dirty="0"/>
-              <a:t>Function Host manages Runtime and Application</a:t>
-            </a:r>
-          </a:p>
-          <a:p>
-            <a:r>
-              <a:rPr lang="en-CA" dirty="0"/>
-              <a:t>You manage Function only</a:t>
-            </a:r>
-          </a:p>
-          <a:p>
-            <a:endParaRPr lang="en-US" dirty="0"/>
+            <a:pPr algn="ctr"/>
+            <a:r>
+              <a:rPr lang="en-CA" sz="6600" dirty="0"/>
+              <a:t>Thank you!</a:t>
+            </a:r>
+            <a:endParaRPr lang="en-US" sz="6600" dirty="0"/>
           </a:p>
         </p:txBody>
       </p:sp>
     </p:spTree>
     <p:extLst>
       <p:ext uri="{BB962C8B-B14F-4D97-AF65-F5344CB8AC3E}">
-        <p14:creationId xmlns:p14="http://schemas.microsoft.com/office/powerpoint/2010/main" val="1634031147"/>
+        <p14:creationId xmlns:p14="http://schemas.microsoft.com/office/powerpoint/2010/main" val="4228858148"/>
       </p:ext>
     </p:extLst>
   </p:cSld>
@@ -19297,9 +21413,17 @@
 </p:sld>
 </file>
 
-<file path=ppt/slides/slide5.xml><?xml version="1.0" encoding="utf-8"?>
+<file path=ppt/slides/slide4.xml><?xml version="1.0" encoding="utf-8"?>
 <p:sld xmlns:a="http://schemas.openxmlformats.org/drawingml/2006/main" xmlns:r="http://schemas.openxmlformats.org/officeDocument/2006/relationships" xmlns:p="http://schemas.openxmlformats.org/presentationml/2006/main">
   <p:cSld>
+    <p:bg>
+      <p:bgPr>
+        <a:solidFill>
+          <a:schemeClr val="bg1"/>
+        </a:solidFill>
+        <a:effectLst/>
+      </p:bgPr>
+    </p:bg>
     <p:spTree>
       <p:nvGrpSpPr>
         <p:cNvPr id="1" name=""/>
@@ -19314,12 +21438,567 @@
           <a:chExt cx="0" cy="0"/>
         </a:xfrm>
       </p:grpSpPr>
+      <p:pic>
+        <p:nvPicPr>
+          <p:cNvPr id="52" name="Picture 51">
+            <a:extLst>
+              <a:ext uri="{FF2B5EF4-FFF2-40B4-BE49-F238E27FC236}">
+                <a16:creationId xmlns:a16="http://schemas.microsoft.com/office/drawing/2014/main" id="{3DBBA26C-89C3-411F-9753-606A413F89AF}"/>
+              </a:ext>
+              <a:ext uri="{C183D7F6-B498-43B3-948B-1728B52AA6E4}">
+                <adec:decorative xmlns:adec="http://schemas.microsoft.com/office/drawing/2017/decorative" val="1"/>
+              </a:ext>
+            </a:extLst>
+          </p:cNvPr>
+          <p:cNvPicPr>
+            <a:picLocks noGrp="1" noRot="1" noChangeAspect="1" noMove="1" noResize="1" noEditPoints="1" noAdjustHandles="1" noChangeArrowheads="1" noChangeShapeType="1" noCrop="1"/>
+          </p:cNvPicPr>
+          <p:nvPr>
+            <p:extLst>
+              <p:ext uri="{386F3935-93C4-4BCD-93E2-E3B085C9AB24}">
+                <p16:designElem xmlns:p16="http://schemas.microsoft.com/office/powerpoint/2015/main" val="1"/>
+              </p:ext>
+            </p:extLst>
+          </p:nvPr>
+        </p:nvPicPr>
+        <p:blipFill>
+          <a:blip r:embed="rId2">
+            <a:extLst>
+              <a:ext uri="{28A0092B-C50C-407E-A947-70E740481C1C}">
+                <a14:useLocalDpi xmlns:a14="http://schemas.microsoft.com/office/drawing/2010/main" val="0"/>
+              </a:ext>
+            </a:extLst>
+          </a:blip>
+          <a:stretch>
+            <a:fillRect/>
+          </a:stretch>
+        </p:blipFill>
+        <p:spPr>
+          <a:xfrm>
+            <a:off x="2831794" y="2105202"/>
+            <a:ext cx="9360205" cy="4752798"/>
+          </a:xfrm>
+          <a:prstGeom prst="rect">
+            <a:avLst/>
+          </a:prstGeom>
+        </p:spPr>
+      </p:pic>
+      <p:pic>
+        <p:nvPicPr>
+          <p:cNvPr id="54" name="Picture 53">
+            <a:extLst>
+              <a:ext uri="{FF2B5EF4-FFF2-40B4-BE49-F238E27FC236}">
+                <a16:creationId xmlns:a16="http://schemas.microsoft.com/office/drawing/2014/main" id="{EEAD2215-6311-4D1C-B6B5-F57CB6BFCBCA}"/>
+              </a:ext>
+              <a:ext uri="{C183D7F6-B498-43B3-948B-1728B52AA6E4}">
+                <adec:decorative xmlns:adec="http://schemas.microsoft.com/office/drawing/2017/decorative" val="1"/>
+              </a:ext>
+            </a:extLst>
+          </p:cNvPr>
+          <p:cNvPicPr>
+            <a:picLocks noGrp="1" noRot="1" noChangeAspect="1" noMove="1" noResize="1" noEditPoints="1" noAdjustHandles="1" noChangeArrowheads="1" noChangeShapeType="1" noCrop="1"/>
+          </p:cNvPicPr>
+          <p:nvPr>
+            <p:extLst>
+              <p:ext uri="{386F3935-93C4-4BCD-93E2-E3B085C9AB24}">
+                <p16:designElem xmlns:p16="http://schemas.microsoft.com/office/powerpoint/2015/main" val="1"/>
+              </p:ext>
+            </p:extLst>
+          </p:nvPr>
+        </p:nvPicPr>
+        <p:blipFill>
+          <a:blip r:embed="rId3">
+            <a:extLst>
+              <a:ext uri="{28A0092B-C50C-407E-A947-70E740481C1C}">
+                <a14:useLocalDpi xmlns:a14="http://schemas.microsoft.com/office/drawing/2010/main" val="0"/>
+              </a:ext>
+            </a:extLst>
+          </a:blip>
+          <a:stretch>
+            <a:fillRect/>
+          </a:stretch>
+        </p:blipFill>
+        <p:spPr>
+          <a:xfrm>
+            <a:off x="0" y="0"/>
+            <a:ext cx="12189867" cy="6858000"/>
+          </a:xfrm>
+          <a:prstGeom prst="rect">
+            <a:avLst/>
+          </a:prstGeom>
+        </p:spPr>
+      </p:pic>
+      <p:sp>
+        <p:nvSpPr>
+          <p:cNvPr id="56" name="Rectangle 55">
+            <a:extLst>
+              <a:ext uri="{FF2B5EF4-FFF2-40B4-BE49-F238E27FC236}">
+                <a16:creationId xmlns:a16="http://schemas.microsoft.com/office/drawing/2014/main" id="{7BA5DE79-30D1-4A10-8DB9-0A6E523A9723}"/>
+              </a:ext>
+              <a:ext uri="{C183D7F6-B498-43B3-948B-1728B52AA6E4}">
+                <adec:decorative xmlns:adec="http://schemas.microsoft.com/office/drawing/2017/decorative" val="1"/>
+              </a:ext>
+            </a:extLst>
+          </p:cNvPr>
+          <p:cNvSpPr>
+            <a:spLocks noGrp="1" noRot="1" noChangeAspect="1" noMove="1" noResize="1" noEditPoints="1" noAdjustHandles="1" noChangeArrowheads="1" noChangeShapeType="1" noTextEdit="1"/>
+          </p:cNvSpPr>
+          <p:nvPr>
+            <p:extLst>
+              <p:ext uri="{386F3935-93C4-4BCD-93E2-E3B085C9AB24}">
+                <p16:designElem xmlns:p16="http://schemas.microsoft.com/office/powerpoint/2015/main" val="1"/>
+              </p:ext>
+            </p:extLst>
+          </p:nvPr>
+        </p:nvSpPr>
+        <p:spPr>
+          <a:xfrm>
+            <a:off x="0" y="0"/>
+            <a:ext cx="964174" cy="6858000"/>
+          </a:xfrm>
+          <a:prstGeom prst="rect">
+            <a:avLst/>
+          </a:prstGeom>
+          <a:solidFill>
+            <a:schemeClr val="bg2"/>
+          </a:solidFill>
+          <a:ln>
+            <a:noFill/>
+          </a:ln>
+        </p:spPr>
+        <p:style>
+          <a:lnRef idx="2">
+            <a:schemeClr val="accent1">
+              <a:shade val="50000"/>
+            </a:schemeClr>
+          </a:lnRef>
+          <a:fillRef idx="1">
+            <a:schemeClr val="accent1"/>
+          </a:fillRef>
+          <a:effectRef idx="0">
+            <a:schemeClr val="accent1"/>
+          </a:effectRef>
+          <a:fontRef idx="minor">
+            <a:schemeClr val="lt1"/>
+          </a:fontRef>
+        </p:style>
+      </p:sp>
+      <p:sp>
+        <p:nvSpPr>
+          <p:cNvPr id="58" name="Rectangle 57">
+            <a:extLst>
+              <a:ext uri="{FF2B5EF4-FFF2-40B4-BE49-F238E27FC236}">
+                <a16:creationId xmlns:a16="http://schemas.microsoft.com/office/drawing/2014/main" id="{9ABD0D63-D23F-4AE7-8270-4185EF9C1C25}"/>
+              </a:ext>
+              <a:ext uri="{C183D7F6-B498-43B3-948B-1728B52AA6E4}">
+                <adec:decorative xmlns:adec="http://schemas.microsoft.com/office/drawing/2017/decorative" val="1"/>
+              </a:ext>
+            </a:extLst>
+          </p:cNvPr>
+          <p:cNvSpPr>
+            <a:spLocks noGrp="1" noRot="1" noChangeAspect="1" noMove="1" noResize="1" noEditPoints="1" noAdjustHandles="1" noChangeArrowheads="1" noChangeShapeType="1" noTextEdit="1"/>
+          </p:cNvSpPr>
+          <p:nvPr>
+            <p:extLst>
+              <p:ext uri="{386F3935-93C4-4BCD-93E2-E3B085C9AB24}">
+                <p16:designElem xmlns:p16="http://schemas.microsoft.com/office/powerpoint/2015/main" val="1"/>
+              </p:ext>
+            </p:extLst>
+          </p:nvPr>
+        </p:nvSpPr>
+        <p:spPr>
+          <a:xfrm>
+            <a:off x="962042" y="0"/>
+            <a:ext cx="45719" cy="6858000"/>
+          </a:xfrm>
+          <a:prstGeom prst="rect">
+            <a:avLst/>
+          </a:prstGeom>
+          <a:solidFill>
+            <a:schemeClr val="accent6"/>
+          </a:solidFill>
+          <a:ln>
+            <a:noFill/>
+          </a:ln>
+        </p:spPr>
+        <p:style>
+          <a:lnRef idx="2">
+            <a:schemeClr val="accent1">
+              <a:shade val="50000"/>
+            </a:schemeClr>
+          </a:lnRef>
+          <a:fillRef idx="1">
+            <a:schemeClr val="accent1"/>
+          </a:fillRef>
+          <a:effectRef idx="0">
+            <a:schemeClr val="accent1"/>
+          </a:effectRef>
+          <a:fontRef idx="minor">
+            <a:schemeClr val="lt1"/>
+          </a:fontRef>
+        </p:style>
+      </p:sp>
+      <p:sp>
+        <p:nvSpPr>
+          <p:cNvPr id="60" name="Rectangle 59">
+            <a:extLst>
+              <a:ext uri="{FF2B5EF4-FFF2-40B4-BE49-F238E27FC236}">
+                <a16:creationId xmlns:a16="http://schemas.microsoft.com/office/drawing/2014/main" id="{72168E9E-94E9-4BE3-B88C-C8A468117753}"/>
+              </a:ext>
+              <a:ext uri="{C183D7F6-B498-43B3-948B-1728B52AA6E4}">
+                <adec:decorative xmlns:adec="http://schemas.microsoft.com/office/drawing/2017/decorative" val="1"/>
+              </a:ext>
+            </a:extLst>
+          </p:cNvPr>
+          <p:cNvSpPr>
+            <a:spLocks noGrp="1" noRot="1" noChangeAspect="1" noMove="1" noResize="1" noEditPoints="1" noAdjustHandles="1" noChangeArrowheads="1" noChangeShapeType="1" noTextEdit="1"/>
+          </p:cNvSpPr>
+          <p:nvPr>
+            <p:extLst>
+              <p:ext uri="{386F3935-93C4-4BCD-93E2-E3B085C9AB24}">
+                <p16:designElem xmlns:p16="http://schemas.microsoft.com/office/powerpoint/2015/main" val="1"/>
+              </p:ext>
+            </p:extLst>
+          </p:nvPr>
+        </p:nvSpPr>
+        <p:spPr>
+          <a:xfrm>
+            <a:off x="1007533" y="0"/>
+            <a:ext cx="7934348" cy="6858000"/>
+          </a:xfrm>
+          <a:prstGeom prst="rect">
+            <a:avLst/>
+          </a:prstGeom>
+          <a:solidFill>
+            <a:schemeClr val="bg2">
+              <a:alpha val="92000"/>
+            </a:schemeClr>
+          </a:solidFill>
+          <a:ln>
+            <a:noFill/>
+          </a:ln>
+        </p:spPr>
+        <p:style>
+          <a:lnRef idx="2">
+            <a:schemeClr val="accent1">
+              <a:shade val="50000"/>
+            </a:schemeClr>
+          </a:lnRef>
+          <a:fillRef idx="1">
+            <a:schemeClr val="accent1"/>
+          </a:fillRef>
+          <a:effectRef idx="0">
+            <a:schemeClr val="accent1"/>
+          </a:effectRef>
+          <a:fontRef idx="minor">
+            <a:schemeClr val="lt1"/>
+          </a:fontRef>
+        </p:style>
+      </p:sp>
+      <p:sp>
+        <p:nvSpPr>
+          <p:cNvPr id="62" name="Rectangle 61">
+            <a:extLst>
+              <a:ext uri="{FF2B5EF4-FFF2-40B4-BE49-F238E27FC236}">
+                <a16:creationId xmlns:a16="http://schemas.microsoft.com/office/drawing/2014/main" id="{12107AC1-AA0D-4097-B03D-FD3C632AB886}"/>
+              </a:ext>
+              <a:ext uri="{C183D7F6-B498-43B3-948B-1728B52AA6E4}">
+                <adec:decorative xmlns:adec="http://schemas.microsoft.com/office/drawing/2017/decorative" val="1"/>
+              </a:ext>
+            </a:extLst>
+          </p:cNvPr>
+          <p:cNvSpPr>
+            <a:spLocks noGrp="1" noRot="1" noChangeAspect="1" noMove="1" noResize="1" noEditPoints="1" noAdjustHandles="1" noChangeArrowheads="1" noChangeShapeType="1" noTextEdit="1"/>
+          </p:cNvSpPr>
+          <p:nvPr>
+            <p:extLst>
+              <p:ext uri="{386F3935-93C4-4BCD-93E2-E3B085C9AB24}">
+                <p16:designElem xmlns:p16="http://schemas.microsoft.com/office/powerpoint/2015/main" val="1"/>
+              </p:ext>
+            </p:extLst>
+          </p:nvPr>
+        </p:nvSpPr>
+        <p:spPr>
+          <a:xfrm>
+            <a:off x="8941881" y="0"/>
+            <a:ext cx="27432" cy="6858000"/>
+          </a:xfrm>
+          <a:prstGeom prst="rect">
+            <a:avLst/>
+          </a:prstGeom>
+          <a:solidFill>
+            <a:schemeClr val="accent6"/>
+          </a:solidFill>
+          <a:ln>
+            <a:noFill/>
+          </a:ln>
+        </p:spPr>
+        <p:style>
+          <a:lnRef idx="2">
+            <a:schemeClr val="accent1">
+              <a:shade val="50000"/>
+            </a:schemeClr>
+          </a:lnRef>
+          <a:fillRef idx="1">
+            <a:schemeClr val="accent1"/>
+          </a:fillRef>
+          <a:effectRef idx="0">
+            <a:schemeClr val="accent1"/>
+          </a:effectRef>
+          <a:fontRef idx="minor">
+            <a:schemeClr val="lt1"/>
+          </a:fontRef>
+        </p:style>
+      </p:sp>
+      <p:sp>
+        <p:nvSpPr>
+          <p:cNvPr id="64" name="TextBox 63">
+            <a:extLst>
+              <a:ext uri="{FF2B5EF4-FFF2-40B4-BE49-F238E27FC236}">
+                <a16:creationId xmlns:a16="http://schemas.microsoft.com/office/drawing/2014/main" id="{7C8D231A-EC46-4736-B00F-76D307082204}"/>
+              </a:ext>
+              <a:ext uri="{C183D7F6-B498-43B3-948B-1728B52AA6E4}">
+                <adec:decorative xmlns:adec="http://schemas.microsoft.com/office/drawing/2017/decorative" val="1"/>
+              </a:ext>
+            </a:extLst>
+          </p:cNvPr>
+          <p:cNvSpPr txBox="1">
+            <a:spLocks noGrp="1" noRot="1" noChangeAspect="1" noMove="1" noResize="1" noEditPoints="1" noAdjustHandles="1" noChangeArrowheads="1" noChangeShapeType="1" noTextEdit="1"/>
+          </p:cNvSpPr>
+          <p:nvPr>
+            <p:extLst>
+              <p:ext uri="{386F3935-93C4-4BCD-93E2-E3B085C9AB24}">
+                <p16:designElem xmlns:p16="http://schemas.microsoft.com/office/powerpoint/2015/main" val="1"/>
+              </p:ext>
+            </p:extLst>
+          </p:nvPr>
+        </p:nvSpPr>
+        <p:spPr>
+          <a:xfrm>
+            <a:off x="2191282" y="3262852"/>
+            <a:ext cx="415636" cy="461665"/>
+          </a:xfrm>
+          <a:prstGeom prst="rect">
+            <a:avLst/>
+          </a:prstGeom>
+          <a:noFill/>
+        </p:spPr>
+        <p:txBody>
+          <a:bodyPr wrap="square" rtlCol="0">
+            <a:spAutoFit/>
+          </a:bodyPr>
+          <a:lstStyle/>
+          <a:p>
+            <a:pPr algn="r">
+              <a:spcAft>
+                <a:spcPts val="600"/>
+              </a:spcAft>
+            </a:pPr>
+            <a:r>
+              <a:rPr lang="en-US" sz="2400" dirty="0">
+                <a:solidFill>
+                  <a:schemeClr val="accent6"/>
+                </a:solidFill>
+                <a:latin typeface="Wingdings 3" panose="05040102010807070707" pitchFamily="18" charset="2"/>
+              </a:rPr>
+              <a:t>z</a:t>
+            </a:r>
+            <a:endParaRPr lang="en-US" sz="2400" dirty="0">
+              <a:solidFill>
+                <a:schemeClr val="accent6"/>
+              </a:solidFill>
+              <a:latin typeface="MS Shell Dlg 2" panose="020B0604030504040204" pitchFamily="34" charset="0"/>
+            </a:endParaRPr>
+          </a:p>
+        </p:txBody>
+      </p:sp>
+      <p:sp>
+        <p:nvSpPr>
+          <p:cNvPr id="66" name="Rectangle 65">
+            <a:extLst>
+              <a:ext uri="{FF2B5EF4-FFF2-40B4-BE49-F238E27FC236}">
+                <a16:creationId xmlns:a16="http://schemas.microsoft.com/office/drawing/2014/main" id="{D0BE3D13-5BE5-4B05-AFCF-2A2E059D29F8}"/>
+              </a:ext>
+              <a:ext uri="{C183D7F6-B498-43B3-948B-1728B52AA6E4}">
+                <adec:decorative xmlns:adec="http://schemas.microsoft.com/office/drawing/2017/decorative" val="1"/>
+              </a:ext>
+            </a:extLst>
+          </p:cNvPr>
+          <p:cNvSpPr>
+            <a:spLocks noGrp="1" noRot="1" noChangeAspect="1" noMove="1" noResize="1" noEditPoints="1" noAdjustHandles="1" noChangeArrowheads="1" noChangeShapeType="1" noTextEdit="1"/>
+          </p:cNvSpPr>
+          <p:nvPr>
+            <p:extLst>
+              <p:ext uri="{386F3935-93C4-4BCD-93E2-E3B085C9AB24}">
+                <p16:designElem xmlns:p16="http://schemas.microsoft.com/office/powerpoint/2015/main" val="1"/>
+              </p:ext>
+            </p:extLst>
+          </p:nvPr>
+        </p:nvSpPr>
+        <p:spPr>
+          <a:xfrm>
+            <a:off x="0" y="-1"/>
+            <a:ext cx="12192000" cy="6858001"/>
+          </a:xfrm>
+          <a:prstGeom prst="rect">
+            <a:avLst/>
+          </a:prstGeom>
+          <a:solidFill>
+            <a:srgbClr val="FFFFFF"/>
+          </a:solidFill>
+          <a:ln>
+            <a:noFill/>
+          </a:ln>
+        </p:spPr>
+        <p:style>
+          <a:lnRef idx="2">
+            <a:schemeClr val="accent1">
+              <a:shade val="50000"/>
+            </a:schemeClr>
+          </a:lnRef>
+          <a:fillRef idx="1">
+            <a:schemeClr val="accent1"/>
+          </a:fillRef>
+          <a:effectRef idx="0">
+            <a:schemeClr val="accent1"/>
+          </a:effectRef>
+          <a:fontRef idx="minor">
+            <a:schemeClr val="lt1"/>
+          </a:fontRef>
+        </p:style>
+        <p:txBody>
+          <a:bodyPr rtlCol="0" anchor="ctr"/>
+          <a:lstStyle/>
+          <a:p>
+            <a:pPr algn="ctr"/>
+            <a:endParaRPr lang="en-US"/>
+          </a:p>
+        </p:txBody>
+      </p:sp>
+      <p:sp>
+        <p:nvSpPr>
+          <p:cNvPr id="68" name="Oval 67">
+            <a:extLst>
+              <a:ext uri="{FF2B5EF4-FFF2-40B4-BE49-F238E27FC236}">
+                <a16:creationId xmlns:a16="http://schemas.microsoft.com/office/drawing/2014/main" id="{1AC85C80-0175-4214-A13D-03C224658C16}"/>
+              </a:ext>
+              <a:ext uri="{C183D7F6-B498-43B3-948B-1728B52AA6E4}">
+                <adec:decorative xmlns:adec="http://schemas.microsoft.com/office/drawing/2017/decorative" val="1"/>
+              </a:ext>
+            </a:extLst>
+          </p:cNvPr>
+          <p:cNvSpPr>
+            <a:spLocks noGrp="1" noRot="1" noChangeAspect="1" noMove="1" noResize="1" noEditPoints="1" noAdjustHandles="1" noChangeArrowheads="1" noChangeShapeType="1" noTextEdit="1"/>
+          </p:cNvSpPr>
+          <p:nvPr>
+            <p:extLst>
+              <p:ext uri="{386F3935-93C4-4BCD-93E2-E3B085C9AB24}">
+                <p16:designElem xmlns:p16="http://schemas.microsoft.com/office/powerpoint/2015/main" val="1"/>
+              </p:ext>
+            </p:extLst>
+          </p:nvPr>
+        </p:nvSpPr>
+        <p:spPr>
+          <a:xfrm>
+            <a:off x="1609124" y="487443"/>
+            <a:ext cx="5841548" cy="5841548"/>
+          </a:xfrm>
+          <a:prstGeom prst="ellipse">
+            <a:avLst/>
+          </a:prstGeom>
+          <a:solidFill>
+            <a:schemeClr val="accent1">
+              <a:lumMod val="40000"/>
+              <a:lumOff val="60000"/>
+            </a:schemeClr>
+          </a:solidFill>
+          <a:ln>
+            <a:noFill/>
+          </a:ln>
+        </p:spPr>
+        <p:style>
+          <a:lnRef idx="2">
+            <a:schemeClr val="accent1">
+              <a:shade val="50000"/>
+            </a:schemeClr>
+          </a:lnRef>
+          <a:fillRef idx="1">
+            <a:schemeClr val="accent1"/>
+          </a:fillRef>
+          <a:effectRef idx="0">
+            <a:schemeClr val="accent1"/>
+          </a:effectRef>
+          <a:fontRef idx="minor">
+            <a:schemeClr val="lt1"/>
+          </a:fontRef>
+        </p:style>
+        <p:txBody>
+          <a:bodyPr rtlCol="0" anchor="ctr"/>
+          <a:lstStyle/>
+          <a:p>
+            <a:pPr algn="ctr"/>
+            <a:endParaRPr lang="en-US">
+              <a:solidFill>
+                <a:schemeClr val="accent1">
+                  <a:lumMod val="40000"/>
+                  <a:lumOff val="60000"/>
+                </a:schemeClr>
+              </a:solidFill>
+            </a:endParaRPr>
+          </a:p>
+        </p:txBody>
+      </p:sp>
+      <p:pic>
+        <p:nvPicPr>
+          <p:cNvPr id="70" name="Picture 69">
+            <a:extLst>
+              <a:ext uri="{FF2B5EF4-FFF2-40B4-BE49-F238E27FC236}">
+                <a16:creationId xmlns:a16="http://schemas.microsoft.com/office/drawing/2014/main" id="{15ADB788-8569-409E-862D-665AD53C9904}"/>
+              </a:ext>
+              <a:ext uri="{C183D7F6-B498-43B3-948B-1728B52AA6E4}">
+                <adec:decorative xmlns:adec="http://schemas.microsoft.com/office/drawing/2017/decorative" val="1"/>
+              </a:ext>
+            </a:extLst>
+          </p:cNvPr>
+          <p:cNvPicPr>
+            <a:picLocks noGrp="1" noRot="1" noChangeAspect="1" noMove="1" noResize="1" noEditPoints="1" noAdjustHandles="1" noChangeArrowheads="1" noChangeShapeType="1" noCrop="1"/>
+          </p:cNvPicPr>
+          <p:nvPr>
+            <p:extLst>
+              <p:ext uri="{386F3935-93C4-4BCD-93E2-E3B085C9AB24}">
+                <p16:designElem xmlns:p16="http://schemas.microsoft.com/office/powerpoint/2015/main" val="1"/>
+              </p:ext>
+            </p:extLst>
+          </p:nvPr>
+        </p:nvPicPr>
+        <p:blipFill>
+          <a:blip r:embed="rId3">
+            <a:extLst>
+              <a:ext uri="{28A0092B-C50C-407E-A947-70E740481C1C}">
+                <a14:useLocalDpi xmlns:a14="http://schemas.microsoft.com/office/drawing/2010/main" val="0"/>
+              </a:ext>
+            </a:extLst>
+          </a:blip>
+          <a:stretch>
+            <a:fillRect/>
+          </a:stretch>
+        </p:blipFill>
+        <p:spPr>
+          <a:xfrm>
+            <a:off x="2133" y="0"/>
+            <a:ext cx="12189867" cy="6858000"/>
+          </a:xfrm>
+          <a:prstGeom prst="rect">
+            <a:avLst/>
+          </a:prstGeom>
+        </p:spPr>
+      </p:pic>
       <p:sp>
         <p:nvSpPr>
           <p:cNvPr id="2" name="Title 1">
             <a:extLst>
               <a:ext uri="{FF2B5EF4-FFF2-40B4-BE49-F238E27FC236}">
-                <a16:creationId xmlns:a16="http://schemas.microsoft.com/office/drawing/2014/main" id="{6BF31C99-BCA3-4C88-BB76-0ECDE88BBD32}"/>
+                <a16:creationId xmlns:a16="http://schemas.microsoft.com/office/drawing/2014/main" id="{9D1982FE-3840-4E9A-B347-F3E8FCBCEA97}"/>
               </a:ext>
             </a:extLst>
           </p:cNvPr>
@@ -19330,401 +22009,195 @@
             <p:ph type="title"/>
           </p:nvPr>
         </p:nvSpPr>
-        <p:spPr/>
+        <p:spPr>
+          <a:xfrm>
+            <a:off x="3039048" y="2568817"/>
+            <a:ext cx="7155598" cy="3133968"/>
+          </a:xfrm>
+        </p:spPr>
         <p:txBody>
-          <a:bodyPr/>
+          <a:bodyPr vert="horz" lIns="91440" tIns="45720" rIns="91440" bIns="45720" rtlCol="0" anchor="t">
+            <a:normAutofit/>
+          </a:bodyPr>
           <a:lstStyle/>
           <a:p>
-            <a:r>
-              <a:rPr lang="en-CA" dirty="0"/>
-              <a:t>Azure Functions</a:t>
-            </a:r>
-            <a:endParaRPr lang="en-US" dirty="0"/>
+            <a:pPr algn="l"/>
+            <a:r>
+              <a:rPr lang="en-US" sz="4100" dirty="0">
+                <a:solidFill>
+                  <a:srgbClr val="1F2D29"/>
+                </a:solidFill>
+              </a:rPr>
+              <a:t>So how are you doing this today?</a:t>
+            </a:r>
+            <a:br>
+              <a:rPr lang="en-US" sz="4100" dirty="0">
+                <a:solidFill>
+                  <a:srgbClr val="1F2D29"/>
+                </a:solidFill>
+              </a:rPr>
+            </a:br>
+            <a:br>
+              <a:rPr lang="en-US" sz="4100" dirty="0">
+                <a:solidFill>
+                  <a:srgbClr val="1F2D29"/>
+                </a:solidFill>
+              </a:rPr>
+            </a:br>
+            <a:r>
+              <a:rPr lang="en-US" sz="4100" dirty="0">
+                <a:solidFill>
+                  <a:srgbClr val="1F2D29"/>
+                </a:solidFill>
+              </a:rPr>
+              <a:t>We do have a Excel Spreadsheet for that!</a:t>
+            </a:r>
           </a:p>
         </p:txBody>
       </p:sp>
       <p:sp>
         <p:nvSpPr>
-          <p:cNvPr id="3" name="Content Placeholder 2">
+          <p:cNvPr id="72" name="Rectangle 71">
             <a:extLst>
               <a:ext uri="{FF2B5EF4-FFF2-40B4-BE49-F238E27FC236}">
-                <a16:creationId xmlns:a16="http://schemas.microsoft.com/office/drawing/2014/main" id="{1E4B8E1F-7C4D-4198-8AD6-C969AEFDC467}"/>
+                <a16:creationId xmlns:a16="http://schemas.microsoft.com/office/drawing/2014/main" id="{76562092-3AA7-4EF0-9007-C44F879A1308}"/>
+              </a:ext>
+              <a:ext uri="{C183D7F6-B498-43B3-948B-1728B52AA6E4}">
+                <adec:decorative xmlns:adec="http://schemas.microsoft.com/office/drawing/2017/decorative" val="1"/>
               </a:ext>
             </a:extLst>
           </p:cNvPr>
           <p:cNvSpPr>
-            <a:spLocks noGrp="1"/>
+            <a:spLocks noGrp="1" noRot="1" noChangeAspect="1" noMove="1" noResize="1" noEditPoints="1" noAdjustHandles="1" noChangeArrowheads="1" noChangeShapeType="1" noTextEdit="1"/>
           </p:cNvSpPr>
           <p:nvPr>
-            <p:ph idx="1"/>
+            <p:extLst>
+              <p:ext uri="{386F3935-93C4-4BCD-93E2-E3B085C9AB24}">
+                <p16:designElem xmlns:p16="http://schemas.microsoft.com/office/powerpoint/2015/main" val="1"/>
+              </p:ext>
+            </p:extLst>
           </p:nvPr>
-        </p:nvSpPr>
-        <p:spPr/>
-        <p:txBody>
-          <a:bodyPr/>
-          <a:lstStyle/>
-          <a:p>
-            <a:endParaRPr lang="en-US" dirty="0"/>
-          </a:p>
-        </p:txBody>
-      </p:sp>
-      <p:sp>
-        <p:nvSpPr>
-          <p:cNvPr id="4" name="Text Placeholder 3">
-            <a:extLst>
-              <a:ext uri="{FF2B5EF4-FFF2-40B4-BE49-F238E27FC236}">
-                <a16:creationId xmlns:a16="http://schemas.microsoft.com/office/drawing/2014/main" id="{D951E920-AB0C-40B3-A3D7-13905DDE1E5E}"/>
-              </a:ext>
-            </a:extLst>
-          </p:cNvPr>
-          <p:cNvSpPr>
-            <a:spLocks noGrp="1"/>
-          </p:cNvSpPr>
-          <p:nvPr>
-            <p:ph type="body" sz="half" idx="2"/>
-          </p:nvPr>
-        </p:nvSpPr>
-        <p:spPr/>
-        <p:txBody>
-          <a:bodyPr/>
-          <a:lstStyle/>
-          <a:p>
-            <a:endParaRPr lang="en-US"/>
-          </a:p>
-        </p:txBody>
-      </p:sp>
-      <p:sp>
-        <p:nvSpPr>
-          <p:cNvPr id="6" name="Shape 184">
-            <a:extLst>
-              <a:ext uri="{FF2B5EF4-FFF2-40B4-BE49-F238E27FC236}">
-                <a16:creationId xmlns:a16="http://schemas.microsoft.com/office/drawing/2014/main" id="{A3F231AE-574B-4B43-AFAD-85D410E22DEF}"/>
-              </a:ext>
-            </a:extLst>
-          </p:cNvPr>
-          <p:cNvSpPr/>
-          <p:nvPr/>
         </p:nvSpPr>
         <p:spPr>
           <a:xfrm>
-            <a:off x="5796243" y="1188585"/>
-            <a:ext cx="875452" cy="875452"/>
+            <a:off x="0" y="0"/>
+            <a:ext cx="964174" cy="6858000"/>
           </a:xfrm>
           <a:prstGeom prst="rect">
             <a:avLst/>
           </a:prstGeom>
           <a:solidFill>
-            <a:schemeClr val="accent2">
-              <a:hueOff val="-2473793"/>
-              <a:satOff val="-50209"/>
-              <a:lumOff val="23543"/>
+            <a:schemeClr val="tx2"/>
+          </a:solidFill>
+          <a:ln>
+            <a:noFill/>
+          </a:ln>
+        </p:spPr>
+        <p:style>
+          <a:lnRef idx="2">
+            <a:schemeClr val="accent1">
+              <a:shade val="50000"/>
             </a:schemeClr>
-          </a:solidFill>
-          <a:ln w="12700">
-            <a:miter lim="400000"/>
-          </a:ln>
-          <a:effectLst>
-            <a:outerShdw blurRad="50800" dist="12700" rotWithShape="0">
-              <a:srgbClr val="000000">
-                <a:alpha val="50000"/>
-              </a:srgbClr>
-            </a:outerShdw>
-          </a:effectLst>
-          <a:extLst>
-            <a:ext uri="{C572A759-6A51-4108-AA02-DFA0A04FC94B}">
-              <ma14:wrappingTextBoxFlag xmlns:ma14="http://schemas.microsoft.com/office/mac/drawingml/2011/main" xmlns="" val="1"/>
-            </a:ext>
-          </a:extLst>
-        </p:spPr>
-        <p:txBody>
-          <a:bodyPr lIns="50800" tIns="50800" rIns="50800" bIns="50800" anchor="ctr"/>
-          <a:lstStyle>
-            <a:lvl1pPr>
-              <a:defRPr sz="2400">
-                <a:solidFill>
-                  <a:srgbClr val="FFFFFF"/>
-                </a:solidFill>
-              </a:defRPr>
-            </a:lvl1pPr>
-          </a:lstStyle>
-          <a:p>
-            <a:pPr algn="ctr"/>
-            <a:r>
-              <a:rPr sz="1400" dirty="0"/>
-              <a:t>DB</a:t>
-            </a:r>
-          </a:p>
-        </p:txBody>
-      </p:sp>
-      <p:sp>
-        <p:nvSpPr>
-          <p:cNvPr id="7" name="Shape 185">
+          </a:lnRef>
+          <a:fillRef idx="1">
+            <a:schemeClr val="accent1"/>
+          </a:fillRef>
+          <a:effectRef idx="0">
+            <a:schemeClr val="accent1"/>
+          </a:effectRef>
+          <a:fontRef idx="minor">
+            <a:schemeClr val="lt1"/>
+          </a:fontRef>
+        </p:style>
+      </p:sp>
+      <p:sp>
+        <p:nvSpPr>
+          <p:cNvPr id="74" name="Right Triangle 73">
             <a:extLst>
               <a:ext uri="{FF2B5EF4-FFF2-40B4-BE49-F238E27FC236}">
-                <a16:creationId xmlns:a16="http://schemas.microsoft.com/office/drawing/2014/main" id="{082AA398-3FE5-45D0-9C18-DA297CB0F388}"/>
+                <a16:creationId xmlns:a16="http://schemas.microsoft.com/office/drawing/2014/main" id="{2663C086-1480-4E81-BD6F-3E43A4C38C62}"/>
+              </a:ext>
+              <a:ext uri="{C183D7F6-B498-43B3-948B-1728B52AA6E4}">
+                <adec:decorative xmlns:adec="http://schemas.microsoft.com/office/drawing/2017/decorative" val="1"/>
               </a:ext>
             </a:extLst>
           </p:cNvPr>
-          <p:cNvSpPr/>
-          <p:nvPr/>
+          <p:cNvSpPr>
+            <a:spLocks noGrp="1" noRot="1" noChangeAspect="1" noMove="1" noResize="1" noEditPoints="1" noAdjustHandles="1" noChangeArrowheads="1" noChangeShapeType="1" noTextEdit="1"/>
+          </p:cNvSpPr>
+          <p:nvPr>
+            <p:extLst>
+              <p:ext uri="{386F3935-93C4-4BCD-93E2-E3B085C9AB24}">
+                <p16:designElem xmlns:p16="http://schemas.microsoft.com/office/powerpoint/2015/main" val="1"/>
+              </p:ext>
+            </p:extLst>
+          </p:nvPr>
         </p:nvSpPr>
         <p:spPr>
-          <a:xfrm>
-            <a:off x="5765189" y="4929768"/>
-            <a:ext cx="875452" cy="875452"/>
+          <a:xfrm rot="16200000" flipH="1">
+            <a:off x="2585313" y="2747897"/>
+            <a:ext cx="353147" cy="353147"/>
           </a:xfrm>
-          <a:prstGeom prst="rect">
+          <a:prstGeom prst="rtTriangle">
             <a:avLst/>
           </a:prstGeom>
           <a:solidFill>
-            <a:schemeClr val="accent2">
-              <a:hueOff val="-2473793"/>
-              <a:satOff val="-50209"/>
-              <a:lumOff val="23543"/>
+            <a:schemeClr val="tx2"/>
+          </a:solidFill>
+          <a:ln>
+            <a:noFill/>
+          </a:ln>
+        </p:spPr>
+        <p:style>
+          <a:lnRef idx="2">
+            <a:schemeClr val="accent1">
+              <a:shade val="50000"/>
             </a:schemeClr>
-          </a:solidFill>
-          <a:ln w="12700">
-            <a:miter lim="400000"/>
-          </a:ln>
-          <a:effectLst>
-            <a:outerShdw blurRad="38100" dist="25400" dir="5400000" rotWithShape="0">
-              <a:srgbClr val="000000">
-                <a:alpha val="50000"/>
-              </a:srgbClr>
-            </a:outerShdw>
-          </a:effectLst>
-          <a:extLst>
-            <a:ext uri="{C572A759-6A51-4108-AA02-DFA0A04FC94B}">
-              <ma14:wrappingTextBoxFlag xmlns:ma14="http://schemas.microsoft.com/office/mac/drawingml/2011/main" xmlns="" val="1"/>
-            </a:ext>
-          </a:extLst>
-        </p:spPr>
+          </a:lnRef>
+          <a:fillRef idx="1">
+            <a:schemeClr val="accent1"/>
+          </a:fillRef>
+          <a:effectRef idx="0">
+            <a:schemeClr val="accent1"/>
+          </a:effectRef>
+          <a:fontRef idx="minor">
+            <a:schemeClr val="lt1"/>
+          </a:fontRef>
+        </p:style>
         <p:txBody>
-          <a:bodyPr lIns="50800" tIns="50800" rIns="50800" bIns="50800" anchor="ctr"/>
-          <a:lstStyle>
-            <a:lvl1pPr>
-              <a:defRPr sz="1800">
-                <a:solidFill>
-                  <a:srgbClr val="FFFFFF"/>
-                </a:solidFill>
-              </a:defRPr>
-            </a:lvl1pPr>
-          </a:lstStyle>
+          <a:bodyPr rtlCol="0" anchor="ctr"/>
+          <a:lstStyle/>
           <a:p>
             <a:pPr algn="ctr"/>
-            <a:r>
-              <a:rPr sz="1200" dirty="0"/>
-              <a:t>Messaging</a:t>
-            </a:r>
-          </a:p>
-        </p:txBody>
-      </p:sp>
-      <p:sp>
-        <p:nvSpPr>
-          <p:cNvPr id="8" name="Shape 186">
-            <a:extLst>
-              <a:ext uri="{FF2B5EF4-FFF2-40B4-BE49-F238E27FC236}">
-                <a16:creationId xmlns:a16="http://schemas.microsoft.com/office/drawing/2014/main" id="{E28BF4A3-1ED2-43E4-9CED-60ED081F00ED}"/>
-              </a:ext>
-            </a:extLst>
-          </p:cNvPr>
-          <p:cNvSpPr/>
-          <p:nvPr/>
-        </p:nvSpPr>
-        <p:spPr>
-          <a:xfrm>
-            <a:off x="9178179" y="1214057"/>
-            <a:ext cx="865345" cy="824508"/>
-          </a:xfrm>
-          <a:prstGeom prst="rect">
-            <a:avLst/>
-          </a:prstGeom>
-          <a:solidFill>
-            <a:schemeClr val="accent2">
-              <a:hueOff val="-2473793"/>
-              <a:satOff val="-50209"/>
-              <a:lumOff val="23543"/>
-            </a:schemeClr>
-          </a:solidFill>
-          <a:ln w="12700">
-            <a:miter lim="400000"/>
-          </a:ln>
-          <a:effectLst>
-            <a:outerShdw blurRad="38100" dist="25400" dir="5400000" rotWithShape="0">
-              <a:srgbClr val="000000">
-                <a:alpha val="50000"/>
-              </a:srgbClr>
-            </a:outerShdw>
-          </a:effectLst>
-          <a:extLst>
-            <a:ext uri="{C572A759-6A51-4108-AA02-DFA0A04FC94B}">
-              <ma14:wrappingTextBoxFlag xmlns:ma14="http://schemas.microsoft.com/office/mac/drawingml/2011/main" xmlns="" val="1"/>
-            </a:ext>
-          </a:extLst>
-        </p:spPr>
-        <p:txBody>
-          <a:bodyPr lIns="50800" tIns="50800" rIns="50800" bIns="50800" anchor="ctr"/>
-          <a:lstStyle>
-            <a:lvl1pPr>
-              <a:defRPr sz="2400">
-                <a:solidFill>
-                  <a:srgbClr val="FFFFFF"/>
-                </a:solidFill>
-              </a:defRPr>
-            </a:lvl1pPr>
-          </a:lstStyle>
-          <a:p>
-            <a:pPr algn="ctr"/>
-            <a:r>
-              <a:rPr sz="1400" dirty="0"/>
-              <a:t>Web-Server</a:t>
-            </a:r>
-            <a:endParaRPr dirty="0"/>
-          </a:p>
-        </p:txBody>
-      </p:sp>
-      <p:sp>
-        <p:nvSpPr>
-          <p:cNvPr id="9" name="Shape 187">
-            <a:extLst>
-              <a:ext uri="{FF2B5EF4-FFF2-40B4-BE49-F238E27FC236}">
-                <a16:creationId xmlns:a16="http://schemas.microsoft.com/office/drawing/2014/main" id="{A2302588-82A1-4B65-AD97-49E1B05C2D63}"/>
-              </a:ext>
-            </a:extLst>
-          </p:cNvPr>
-          <p:cNvSpPr/>
-          <p:nvPr/>
-        </p:nvSpPr>
-        <p:spPr>
-          <a:xfrm>
-            <a:off x="9307230" y="4852473"/>
-            <a:ext cx="875452" cy="875452"/>
-          </a:xfrm>
-          <a:prstGeom prst="rect">
-            <a:avLst/>
-          </a:prstGeom>
-          <a:solidFill>
-            <a:schemeClr val="accent2">
-              <a:hueOff val="-2473793"/>
-              <a:satOff val="-50209"/>
-              <a:lumOff val="23543"/>
-            </a:schemeClr>
-          </a:solidFill>
-          <a:ln w="12700">
-            <a:miter lim="400000"/>
-          </a:ln>
-          <a:effectLst>
-            <a:outerShdw blurRad="38100" dist="25400" dir="5400000" rotWithShape="0">
-              <a:srgbClr val="000000">
-                <a:alpha val="50000"/>
-              </a:srgbClr>
-            </a:outerShdw>
-          </a:effectLst>
-          <a:extLst>
-            <a:ext uri="{C572A759-6A51-4108-AA02-DFA0A04FC94B}">
-              <ma14:wrappingTextBoxFlag xmlns:ma14="http://schemas.microsoft.com/office/mac/drawingml/2011/main" xmlns="" val="1"/>
-            </a:ext>
-          </a:extLst>
-        </p:spPr>
-        <p:txBody>
-          <a:bodyPr lIns="50800" tIns="50800" rIns="50800" bIns="50800" anchor="ctr"/>
-          <a:lstStyle>
-            <a:lvl1pPr>
-              <a:defRPr sz="1800">
-                <a:solidFill>
-                  <a:srgbClr val="FFFFFF"/>
-                </a:solidFill>
-              </a:defRPr>
-            </a:lvl1pPr>
-          </a:lstStyle>
-          <a:p>
-            <a:pPr algn="ctr"/>
-            <a:r>
-              <a:rPr sz="1200" dirty="0"/>
-              <a:t>Monitoring</a:t>
-            </a:r>
-          </a:p>
-        </p:txBody>
-      </p:sp>
-      <p:sp>
-        <p:nvSpPr>
-          <p:cNvPr id="10" name="Shape 188">
-            <a:extLst>
-              <a:ext uri="{FF2B5EF4-FFF2-40B4-BE49-F238E27FC236}">
-                <a16:creationId xmlns:a16="http://schemas.microsoft.com/office/drawing/2014/main" id="{EEDE0AEC-495C-4C77-AAA6-2FD52460698E}"/>
-              </a:ext>
-            </a:extLst>
-          </p:cNvPr>
-          <p:cNvSpPr/>
-          <p:nvPr/>
-        </p:nvSpPr>
-        <p:spPr>
-          <a:xfrm>
-            <a:off x="5779365" y="1322631"/>
-            <a:ext cx="4271248" cy="4271248"/>
-          </a:xfrm>
-          <a:prstGeom prst="ellipse">
-            <a:avLst/>
-          </a:prstGeom>
-          <a:solidFill>
-            <a:schemeClr val="accent4">
-              <a:hueOff val="384618"/>
-              <a:satOff val="3869"/>
-              <a:lumOff val="5802"/>
-            </a:schemeClr>
-          </a:solidFill>
-          <a:ln w="12700">
-            <a:miter lim="400000"/>
-          </a:ln>
-          <a:effectLst>
-            <a:outerShdw blurRad="38100" dist="25400" dir="5400000" rotWithShape="0">
-              <a:srgbClr val="000000">
-                <a:alpha val="50000"/>
-              </a:srgbClr>
-            </a:outerShdw>
-          </a:effectLst>
-          <a:extLst>
-            <a:ext uri="{C572A759-6A51-4108-AA02-DFA0A04FC94B}">
-              <ma14:wrappingTextBoxFlag xmlns:ma14="http://schemas.microsoft.com/office/mac/drawingml/2011/main" xmlns="" val="1"/>
-            </a:ext>
-          </a:extLst>
-        </p:spPr>
-        <p:txBody>
-          <a:bodyPr lIns="50800" tIns="50800" rIns="50800" bIns="50800" anchor="ctr"/>
-          <a:lstStyle>
-            <a:lvl1pPr>
-              <a:defRPr sz="5100">
-                <a:solidFill>
-                  <a:srgbClr val="FFFFFF"/>
-                </a:solidFill>
-              </a:defRPr>
-            </a:lvl1pPr>
-          </a:lstStyle>
-          <a:p>
-            <a:pPr algn="ctr"/>
-            <a:r>
-              <a:rPr dirty="0"/>
-              <a:t>Feature</a:t>
-            </a:r>
+            <a:endParaRPr lang="en-US"/>
           </a:p>
         </p:txBody>
       </p:sp>
     </p:spTree>
     <p:extLst>
       <p:ext uri="{BB962C8B-B14F-4D97-AF65-F5344CB8AC3E}">
-        <p14:creationId xmlns:p14="http://schemas.microsoft.com/office/powerpoint/2010/main" val="3175596156"/>
+        <p14:creationId xmlns:p14="http://schemas.microsoft.com/office/powerpoint/2010/main" val="3156374033"/>
       </p:ext>
     </p:extLst>
   </p:cSld>
   <p:clrMapOvr>
-    <a:masterClrMapping/>
+    <a:overrideClrMapping bg1="lt1" tx1="dk1" bg2="lt2" tx2="dk2" accent1="accent1" accent2="accent2" accent3="accent3" accent4="accent4" accent5="accent5" accent6="accent6" hlink="hlink" folHlink="folHlink"/>
   </p:clrMapOvr>
 </p:sld>
 </file>
 
-<file path=ppt/slides/slide6.xml><?xml version="1.0" encoding="utf-8"?>
+<file path=ppt/slides/slide5.xml><?xml version="1.0" encoding="utf-8"?>
 <p:sld xmlns:a="http://schemas.openxmlformats.org/drawingml/2006/main" xmlns:r="http://schemas.openxmlformats.org/officeDocument/2006/relationships" xmlns:p="http://schemas.openxmlformats.org/presentationml/2006/main">
   <p:cSld>
+    <p:bg>
+      <p:bgPr>
+        <a:blipFill rotWithShape="1">
+          <a:blip r:embed="rId2"/>
+          <a:stretch/>
+        </a:blipFill>
+        <a:effectLst/>
+      </p:bgPr>
+    </p:bg>
     <p:spTree>
       <p:nvGrpSpPr>
         <p:cNvPr id="1" name=""/>
@@ -19739,12 +22212,691 @@
           <a:chExt cx="0" cy="0"/>
         </a:xfrm>
       </p:grpSpPr>
+      <p:pic>
+        <p:nvPicPr>
+          <p:cNvPr id="32" name="Picture 6">
+            <a:extLst>
+              <a:ext uri="{FF2B5EF4-FFF2-40B4-BE49-F238E27FC236}">
+                <a16:creationId xmlns:a16="http://schemas.microsoft.com/office/drawing/2014/main" id="{3DBBA26C-89C3-411F-9753-606A413F89AF}"/>
+              </a:ext>
+              <a:ext uri="{C183D7F6-B498-43B3-948B-1728B52AA6E4}">
+                <adec:decorative xmlns:adec="http://schemas.microsoft.com/office/drawing/2017/decorative" val="1"/>
+              </a:ext>
+            </a:extLst>
+          </p:cNvPr>
+          <p:cNvPicPr>
+            <a:picLocks noGrp="1" noRot="1" noChangeAspect="1" noMove="1" noResize="1" noEditPoints="1" noAdjustHandles="1" noChangeArrowheads="1" noChangeShapeType="1" noCrop="1"/>
+          </p:cNvPicPr>
+          <p:nvPr>
+            <p:extLst>
+              <p:ext uri="{386F3935-93C4-4BCD-93E2-E3B085C9AB24}">
+                <p16:designElem xmlns:p16="http://schemas.microsoft.com/office/powerpoint/2015/main" val="1"/>
+              </p:ext>
+            </p:extLst>
+          </p:nvPr>
+        </p:nvPicPr>
+        <p:blipFill>
+          <a:blip r:embed="rId3">
+            <a:extLst>
+              <a:ext uri="{28A0092B-C50C-407E-A947-70E740481C1C}">
+                <a14:useLocalDpi xmlns:a14="http://schemas.microsoft.com/office/drawing/2010/main" val="0"/>
+              </a:ext>
+            </a:extLst>
+          </a:blip>
+          <a:stretch>
+            <a:fillRect/>
+          </a:stretch>
+        </p:blipFill>
+        <p:spPr>
+          <a:xfrm>
+            <a:off x="2831794" y="2105202"/>
+            <a:ext cx="9360205" cy="4752798"/>
+          </a:xfrm>
+          <a:prstGeom prst="rect">
+            <a:avLst/>
+          </a:prstGeom>
+        </p:spPr>
+      </p:pic>
+      <p:pic>
+        <p:nvPicPr>
+          <p:cNvPr id="34" name="Picture 8">
+            <a:extLst>
+              <a:ext uri="{FF2B5EF4-FFF2-40B4-BE49-F238E27FC236}">
+                <a16:creationId xmlns:a16="http://schemas.microsoft.com/office/drawing/2014/main" id="{EEAD2215-6311-4D1C-B6B5-F57CB6BFCBCA}"/>
+              </a:ext>
+              <a:ext uri="{C183D7F6-B498-43B3-948B-1728B52AA6E4}">
+                <adec:decorative xmlns:adec="http://schemas.microsoft.com/office/drawing/2017/decorative" val="1"/>
+              </a:ext>
+            </a:extLst>
+          </p:cNvPr>
+          <p:cNvPicPr>
+            <a:picLocks noGrp="1" noRot="1" noChangeAspect="1" noMove="1" noResize="1" noEditPoints="1" noAdjustHandles="1" noChangeArrowheads="1" noChangeShapeType="1" noCrop="1"/>
+          </p:cNvPicPr>
+          <p:nvPr>
+            <p:extLst>
+              <p:ext uri="{386F3935-93C4-4BCD-93E2-E3B085C9AB24}">
+                <p16:designElem xmlns:p16="http://schemas.microsoft.com/office/powerpoint/2015/main" val="1"/>
+              </p:ext>
+            </p:extLst>
+          </p:nvPr>
+        </p:nvPicPr>
+        <p:blipFill>
+          <a:blip r:embed="rId4">
+            <a:extLst>
+              <a:ext uri="{28A0092B-C50C-407E-A947-70E740481C1C}">
+                <a14:useLocalDpi xmlns:a14="http://schemas.microsoft.com/office/drawing/2010/main" val="0"/>
+              </a:ext>
+            </a:extLst>
+          </a:blip>
+          <a:stretch>
+            <a:fillRect/>
+          </a:stretch>
+        </p:blipFill>
+        <p:spPr>
+          <a:xfrm>
+            <a:off x="0" y="0"/>
+            <a:ext cx="12189867" cy="6858000"/>
+          </a:xfrm>
+          <a:prstGeom prst="rect">
+            <a:avLst/>
+          </a:prstGeom>
+        </p:spPr>
+      </p:pic>
+      <p:sp>
+        <p:nvSpPr>
+          <p:cNvPr id="35" name="Rectangle 10">
+            <a:extLst>
+              <a:ext uri="{FF2B5EF4-FFF2-40B4-BE49-F238E27FC236}">
+                <a16:creationId xmlns:a16="http://schemas.microsoft.com/office/drawing/2014/main" id="{7BA5DE79-30D1-4A10-8DB9-0A6E523A9723}"/>
+              </a:ext>
+              <a:ext uri="{C183D7F6-B498-43B3-948B-1728B52AA6E4}">
+                <adec:decorative xmlns:adec="http://schemas.microsoft.com/office/drawing/2017/decorative" val="1"/>
+              </a:ext>
+            </a:extLst>
+          </p:cNvPr>
+          <p:cNvSpPr>
+            <a:spLocks noGrp="1" noRot="1" noChangeAspect="1" noMove="1" noResize="1" noEditPoints="1" noAdjustHandles="1" noChangeArrowheads="1" noChangeShapeType="1" noTextEdit="1"/>
+          </p:cNvSpPr>
+          <p:nvPr>
+            <p:extLst>
+              <p:ext uri="{386F3935-93C4-4BCD-93E2-E3B085C9AB24}">
+                <p16:designElem xmlns:p16="http://schemas.microsoft.com/office/powerpoint/2015/main" val="1"/>
+              </p:ext>
+            </p:extLst>
+          </p:nvPr>
+        </p:nvSpPr>
+        <p:spPr>
+          <a:xfrm>
+            <a:off x="0" y="0"/>
+            <a:ext cx="964174" cy="6858000"/>
+          </a:xfrm>
+          <a:prstGeom prst="rect">
+            <a:avLst/>
+          </a:prstGeom>
+          <a:solidFill>
+            <a:schemeClr val="bg2"/>
+          </a:solidFill>
+          <a:ln>
+            <a:noFill/>
+          </a:ln>
+        </p:spPr>
+        <p:style>
+          <a:lnRef idx="2">
+            <a:schemeClr val="accent1">
+              <a:shade val="50000"/>
+            </a:schemeClr>
+          </a:lnRef>
+          <a:fillRef idx="1">
+            <a:schemeClr val="accent1"/>
+          </a:fillRef>
+          <a:effectRef idx="0">
+            <a:schemeClr val="accent1"/>
+          </a:effectRef>
+          <a:fontRef idx="minor">
+            <a:schemeClr val="lt1"/>
+          </a:fontRef>
+        </p:style>
+      </p:sp>
+      <p:sp>
+        <p:nvSpPr>
+          <p:cNvPr id="36" name="Rectangle 12">
+            <a:extLst>
+              <a:ext uri="{FF2B5EF4-FFF2-40B4-BE49-F238E27FC236}">
+                <a16:creationId xmlns:a16="http://schemas.microsoft.com/office/drawing/2014/main" id="{9ABD0D63-D23F-4AE7-8270-4185EF9C1C25}"/>
+              </a:ext>
+              <a:ext uri="{C183D7F6-B498-43B3-948B-1728B52AA6E4}">
+                <adec:decorative xmlns:adec="http://schemas.microsoft.com/office/drawing/2017/decorative" val="1"/>
+              </a:ext>
+            </a:extLst>
+          </p:cNvPr>
+          <p:cNvSpPr>
+            <a:spLocks noGrp="1" noRot="1" noChangeAspect="1" noMove="1" noResize="1" noEditPoints="1" noAdjustHandles="1" noChangeArrowheads="1" noChangeShapeType="1" noTextEdit="1"/>
+          </p:cNvSpPr>
+          <p:nvPr>
+            <p:extLst>
+              <p:ext uri="{386F3935-93C4-4BCD-93E2-E3B085C9AB24}">
+                <p16:designElem xmlns:p16="http://schemas.microsoft.com/office/powerpoint/2015/main" val="1"/>
+              </p:ext>
+            </p:extLst>
+          </p:nvPr>
+        </p:nvSpPr>
+        <p:spPr>
+          <a:xfrm>
+            <a:off x="962042" y="0"/>
+            <a:ext cx="45719" cy="6858000"/>
+          </a:xfrm>
+          <a:prstGeom prst="rect">
+            <a:avLst/>
+          </a:prstGeom>
+          <a:solidFill>
+            <a:schemeClr val="accent6"/>
+          </a:solidFill>
+          <a:ln>
+            <a:noFill/>
+          </a:ln>
+        </p:spPr>
+        <p:style>
+          <a:lnRef idx="2">
+            <a:schemeClr val="accent1">
+              <a:shade val="50000"/>
+            </a:schemeClr>
+          </a:lnRef>
+          <a:fillRef idx="1">
+            <a:schemeClr val="accent1"/>
+          </a:fillRef>
+          <a:effectRef idx="0">
+            <a:schemeClr val="accent1"/>
+          </a:effectRef>
+          <a:fontRef idx="minor">
+            <a:schemeClr val="lt1"/>
+          </a:fontRef>
+        </p:style>
+      </p:sp>
+      <p:sp>
+        <p:nvSpPr>
+          <p:cNvPr id="37" name="Rectangle 14">
+            <a:extLst>
+              <a:ext uri="{FF2B5EF4-FFF2-40B4-BE49-F238E27FC236}">
+                <a16:creationId xmlns:a16="http://schemas.microsoft.com/office/drawing/2014/main" id="{72168E9E-94E9-4BE3-B88C-C8A468117753}"/>
+              </a:ext>
+              <a:ext uri="{C183D7F6-B498-43B3-948B-1728B52AA6E4}">
+                <adec:decorative xmlns:adec="http://schemas.microsoft.com/office/drawing/2017/decorative" val="1"/>
+              </a:ext>
+            </a:extLst>
+          </p:cNvPr>
+          <p:cNvSpPr>
+            <a:spLocks noGrp="1" noRot="1" noChangeAspect="1" noMove="1" noResize="1" noEditPoints="1" noAdjustHandles="1" noChangeArrowheads="1" noChangeShapeType="1" noTextEdit="1"/>
+          </p:cNvSpPr>
+          <p:nvPr>
+            <p:extLst>
+              <p:ext uri="{386F3935-93C4-4BCD-93E2-E3B085C9AB24}">
+                <p16:designElem xmlns:p16="http://schemas.microsoft.com/office/powerpoint/2015/main" val="1"/>
+              </p:ext>
+            </p:extLst>
+          </p:nvPr>
+        </p:nvSpPr>
+        <p:spPr>
+          <a:xfrm>
+            <a:off x="1007533" y="0"/>
+            <a:ext cx="7934348" cy="6858000"/>
+          </a:xfrm>
+          <a:prstGeom prst="rect">
+            <a:avLst/>
+          </a:prstGeom>
+          <a:solidFill>
+            <a:schemeClr val="bg2">
+              <a:alpha val="92000"/>
+            </a:schemeClr>
+          </a:solidFill>
+          <a:ln>
+            <a:noFill/>
+          </a:ln>
+        </p:spPr>
+        <p:style>
+          <a:lnRef idx="2">
+            <a:schemeClr val="accent1">
+              <a:shade val="50000"/>
+            </a:schemeClr>
+          </a:lnRef>
+          <a:fillRef idx="1">
+            <a:schemeClr val="accent1"/>
+          </a:fillRef>
+          <a:effectRef idx="0">
+            <a:schemeClr val="accent1"/>
+          </a:effectRef>
+          <a:fontRef idx="minor">
+            <a:schemeClr val="lt1"/>
+          </a:fontRef>
+        </p:style>
+      </p:sp>
+      <p:sp>
+        <p:nvSpPr>
+          <p:cNvPr id="38" name="Rectangle 16">
+            <a:extLst>
+              <a:ext uri="{FF2B5EF4-FFF2-40B4-BE49-F238E27FC236}">
+                <a16:creationId xmlns:a16="http://schemas.microsoft.com/office/drawing/2014/main" id="{12107AC1-AA0D-4097-B03D-FD3C632AB886}"/>
+              </a:ext>
+              <a:ext uri="{C183D7F6-B498-43B3-948B-1728B52AA6E4}">
+                <adec:decorative xmlns:adec="http://schemas.microsoft.com/office/drawing/2017/decorative" val="1"/>
+              </a:ext>
+            </a:extLst>
+          </p:cNvPr>
+          <p:cNvSpPr>
+            <a:spLocks noGrp="1" noRot="1" noChangeAspect="1" noMove="1" noResize="1" noEditPoints="1" noAdjustHandles="1" noChangeArrowheads="1" noChangeShapeType="1" noTextEdit="1"/>
+          </p:cNvSpPr>
+          <p:nvPr>
+            <p:extLst>
+              <p:ext uri="{386F3935-93C4-4BCD-93E2-E3B085C9AB24}">
+                <p16:designElem xmlns:p16="http://schemas.microsoft.com/office/powerpoint/2015/main" val="1"/>
+              </p:ext>
+            </p:extLst>
+          </p:nvPr>
+        </p:nvSpPr>
+        <p:spPr>
+          <a:xfrm>
+            <a:off x="8941881" y="0"/>
+            <a:ext cx="27432" cy="6858000"/>
+          </a:xfrm>
+          <a:prstGeom prst="rect">
+            <a:avLst/>
+          </a:prstGeom>
+          <a:solidFill>
+            <a:schemeClr val="accent6"/>
+          </a:solidFill>
+          <a:ln>
+            <a:noFill/>
+          </a:ln>
+        </p:spPr>
+        <p:style>
+          <a:lnRef idx="2">
+            <a:schemeClr val="accent1">
+              <a:shade val="50000"/>
+            </a:schemeClr>
+          </a:lnRef>
+          <a:fillRef idx="1">
+            <a:schemeClr val="accent1"/>
+          </a:fillRef>
+          <a:effectRef idx="0">
+            <a:schemeClr val="accent1"/>
+          </a:effectRef>
+          <a:fontRef idx="minor">
+            <a:schemeClr val="lt1"/>
+          </a:fontRef>
+        </p:style>
+      </p:sp>
+      <p:sp>
+        <p:nvSpPr>
+          <p:cNvPr id="39" name="TextBox 18">
+            <a:extLst>
+              <a:ext uri="{FF2B5EF4-FFF2-40B4-BE49-F238E27FC236}">
+                <a16:creationId xmlns:a16="http://schemas.microsoft.com/office/drawing/2014/main" id="{7C8D231A-EC46-4736-B00F-76D307082204}"/>
+              </a:ext>
+              <a:ext uri="{C183D7F6-B498-43B3-948B-1728B52AA6E4}">
+                <adec:decorative xmlns:adec="http://schemas.microsoft.com/office/drawing/2017/decorative" val="1"/>
+              </a:ext>
+            </a:extLst>
+          </p:cNvPr>
+          <p:cNvSpPr txBox="1">
+            <a:spLocks noGrp="1" noRot="1" noChangeAspect="1" noMove="1" noResize="1" noEditPoints="1" noAdjustHandles="1" noChangeArrowheads="1" noChangeShapeType="1" noTextEdit="1"/>
+          </p:cNvSpPr>
+          <p:nvPr>
+            <p:extLst>
+              <p:ext uri="{386F3935-93C4-4BCD-93E2-E3B085C9AB24}">
+                <p16:designElem xmlns:p16="http://schemas.microsoft.com/office/powerpoint/2015/main" val="1"/>
+              </p:ext>
+            </p:extLst>
+          </p:nvPr>
+        </p:nvSpPr>
+        <p:spPr>
+          <a:xfrm>
+            <a:off x="2191282" y="3262852"/>
+            <a:ext cx="415636" cy="461665"/>
+          </a:xfrm>
+          <a:prstGeom prst="rect">
+            <a:avLst/>
+          </a:prstGeom>
+          <a:noFill/>
+        </p:spPr>
+        <p:txBody>
+          <a:bodyPr wrap="square" rtlCol="0">
+            <a:spAutoFit/>
+          </a:bodyPr>
+          <a:lstStyle/>
+          <a:p>
+            <a:pPr algn="r">
+              <a:spcAft>
+                <a:spcPts val="600"/>
+              </a:spcAft>
+            </a:pPr>
+            <a:r>
+              <a:rPr lang="en-US" sz="2400" dirty="0">
+                <a:solidFill>
+                  <a:schemeClr val="accent6"/>
+                </a:solidFill>
+                <a:latin typeface="Wingdings 3" panose="05040102010807070707" pitchFamily="18" charset="2"/>
+              </a:rPr>
+              <a:t>z</a:t>
+            </a:r>
+            <a:endParaRPr lang="en-US" sz="2400" dirty="0">
+              <a:solidFill>
+                <a:schemeClr val="accent6"/>
+              </a:solidFill>
+              <a:latin typeface="MS Shell Dlg 2" panose="020B0604030504040204" pitchFamily="34" charset="0"/>
+            </a:endParaRPr>
+          </a:p>
+        </p:txBody>
+      </p:sp>
+      <p:sp useBgFill="1">
+        <p:nvSpPr>
+          <p:cNvPr id="40" name="Rectangle 20">
+            <a:extLst>
+              <a:ext uri="{FF2B5EF4-FFF2-40B4-BE49-F238E27FC236}">
+                <a16:creationId xmlns:a16="http://schemas.microsoft.com/office/drawing/2014/main" id="{441B7737-E3D8-47F4-8B54-7529C7A83642}"/>
+              </a:ext>
+              <a:ext uri="{C183D7F6-B498-43B3-948B-1728B52AA6E4}">
+                <adec:decorative xmlns:adec="http://schemas.microsoft.com/office/drawing/2017/decorative" val="1"/>
+              </a:ext>
+            </a:extLst>
+          </p:cNvPr>
+          <p:cNvSpPr>
+            <a:spLocks noGrp="1" noRot="1" noChangeAspect="1" noMove="1" noResize="1" noEditPoints="1" noAdjustHandles="1" noChangeArrowheads="1" noChangeShapeType="1" noTextEdit="1"/>
+          </p:cNvSpPr>
+          <p:nvPr>
+            <p:extLst>
+              <p:ext uri="{386F3935-93C4-4BCD-93E2-E3B085C9AB24}">
+                <p16:designElem xmlns:p16="http://schemas.microsoft.com/office/powerpoint/2015/main" val="1"/>
+              </p:ext>
+            </p:extLst>
+          </p:nvPr>
+        </p:nvSpPr>
+        <p:spPr>
+          <a:xfrm>
+            <a:off x="0" y="-1"/>
+            <a:ext cx="12192000" cy="6858001"/>
+          </a:xfrm>
+          <a:prstGeom prst="rect">
+            <a:avLst/>
+          </a:prstGeom>
+          <a:ln>
+            <a:noFill/>
+          </a:ln>
+        </p:spPr>
+        <p:style>
+          <a:lnRef idx="2">
+            <a:schemeClr val="accent1">
+              <a:shade val="50000"/>
+            </a:schemeClr>
+          </a:lnRef>
+          <a:fillRef idx="1">
+            <a:schemeClr val="accent1"/>
+          </a:fillRef>
+          <a:effectRef idx="0">
+            <a:schemeClr val="accent1"/>
+          </a:effectRef>
+          <a:fontRef idx="minor">
+            <a:schemeClr val="lt1"/>
+          </a:fontRef>
+        </p:style>
+        <p:txBody>
+          <a:bodyPr rtlCol="0" anchor="ctr"/>
+          <a:lstStyle/>
+          <a:p>
+            <a:pPr algn="ctr"/>
+            <a:endParaRPr lang="en-US"/>
+          </a:p>
+        </p:txBody>
+      </p:sp>
+      <p:sp>
+        <p:nvSpPr>
+          <p:cNvPr id="41" name="Rectangle 22">
+            <a:extLst>
+              <a:ext uri="{FF2B5EF4-FFF2-40B4-BE49-F238E27FC236}">
+                <a16:creationId xmlns:a16="http://schemas.microsoft.com/office/drawing/2014/main" id="{2B8A17B2-9670-43B8-BE40-4682F8D29A0A}"/>
+              </a:ext>
+              <a:ext uri="{C183D7F6-B498-43B3-948B-1728B52AA6E4}">
+                <adec:decorative xmlns:adec="http://schemas.microsoft.com/office/drawing/2017/decorative" val="1"/>
+              </a:ext>
+            </a:extLst>
+          </p:cNvPr>
+          <p:cNvSpPr>
+            <a:spLocks noGrp="1" noRot="1" noChangeAspect="1" noMove="1" noResize="1" noEditPoints="1" noAdjustHandles="1" noChangeArrowheads="1" noChangeShapeType="1" noTextEdit="1"/>
+          </p:cNvSpPr>
+          <p:nvPr>
+            <p:extLst>
+              <p:ext uri="{386F3935-93C4-4BCD-93E2-E3B085C9AB24}">
+                <p16:designElem xmlns:p16="http://schemas.microsoft.com/office/powerpoint/2015/main" val="1"/>
+              </p:ext>
+            </p:extLst>
+          </p:nvPr>
+        </p:nvSpPr>
+        <p:spPr>
+          <a:xfrm>
+            <a:off x="0" y="0"/>
+            <a:ext cx="12192000" cy="6858001"/>
+          </a:xfrm>
+          <a:prstGeom prst="rect">
+            <a:avLst/>
+          </a:prstGeom>
+          <a:gradFill flip="none" rotWithShape="1">
+            <a:gsLst>
+              <a:gs pos="100000">
+                <a:schemeClr val="tx2">
+                  <a:lumMod val="25000"/>
+                  <a:alpha val="10000"/>
+                </a:schemeClr>
+              </a:gs>
+              <a:gs pos="0">
+                <a:schemeClr val="bg2">
+                  <a:lumMod val="75000"/>
+                  <a:lumOff val="25000"/>
+                  <a:alpha val="75000"/>
+                </a:schemeClr>
+              </a:gs>
+            </a:gsLst>
+            <a:lin ang="16200000" scaled="1"/>
+            <a:tileRect/>
+          </a:gradFill>
+          <a:ln>
+            <a:noFill/>
+          </a:ln>
+        </p:spPr>
+        <p:style>
+          <a:lnRef idx="2">
+            <a:schemeClr val="accent1">
+              <a:shade val="50000"/>
+            </a:schemeClr>
+          </a:lnRef>
+          <a:fillRef idx="1">
+            <a:schemeClr val="accent1"/>
+          </a:fillRef>
+          <a:effectRef idx="0">
+            <a:schemeClr val="accent1"/>
+          </a:effectRef>
+          <a:fontRef idx="minor">
+            <a:schemeClr val="lt1"/>
+          </a:fontRef>
+        </p:style>
+        <p:txBody>
+          <a:bodyPr rtlCol="0" anchor="ctr"/>
+          <a:lstStyle/>
+          <a:p>
+            <a:pPr algn="ctr"/>
+            <a:endParaRPr lang="en-US"/>
+          </a:p>
+        </p:txBody>
+      </p:sp>
+      <p:pic>
+        <p:nvPicPr>
+          <p:cNvPr id="42" name="Picture 24">
+            <a:extLst>
+              <a:ext uri="{FF2B5EF4-FFF2-40B4-BE49-F238E27FC236}">
+                <a16:creationId xmlns:a16="http://schemas.microsoft.com/office/drawing/2014/main" id="{2A60B230-846B-4625-A8CA-D35FEBA73A99}"/>
+              </a:ext>
+              <a:ext uri="{C183D7F6-B498-43B3-948B-1728B52AA6E4}">
+                <adec:decorative xmlns:adec="http://schemas.microsoft.com/office/drawing/2017/decorative" val="1"/>
+              </a:ext>
+            </a:extLst>
+          </p:cNvPr>
+          <p:cNvPicPr>
+            <a:picLocks noGrp="1" noRot="1" noChangeAspect="1" noMove="1" noResize="1" noEditPoints="1" noAdjustHandles="1" noChangeArrowheads="1" noChangeShapeType="1" noCrop="1"/>
+          </p:cNvPicPr>
+          <p:nvPr>
+            <p:extLst>
+              <p:ext uri="{386F3935-93C4-4BCD-93E2-E3B085C9AB24}">
+                <p16:designElem xmlns:p16="http://schemas.microsoft.com/office/powerpoint/2015/main" val="1"/>
+              </p:ext>
+            </p:extLst>
+          </p:nvPr>
+        </p:nvPicPr>
+        <p:blipFill>
+          <a:blip r:embed="rId5">
+            <a:extLst>
+              <a:ext uri="{BEBA8EAE-BF5A-486C-A8C5-ECC9F3942E4B}">
+                <a14:imgProps xmlns:a14="http://schemas.microsoft.com/office/drawing/2010/main">
+                  <a14:imgLayer r:embed="rId6">
+                    <a14:imgEffect>
+                      <a14:brightnessContrast bright="-19000"/>
+                    </a14:imgEffect>
+                  </a14:imgLayer>
+                </a14:imgProps>
+              </a:ext>
+              <a:ext uri="{28A0092B-C50C-407E-A947-70E740481C1C}">
+                <a14:useLocalDpi xmlns:a14="http://schemas.microsoft.com/office/drawing/2010/main" val="0"/>
+              </a:ext>
+            </a:extLst>
+          </a:blip>
+          <a:stretch>
+            <a:fillRect/>
+          </a:stretch>
+        </p:blipFill>
+        <p:spPr>
+          <a:xfrm>
+            <a:off x="2831794" y="2105202"/>
+            <a:ext cx="9360205" cy="4752798"/>
+          </a:xfrm>
+          <a:prstGeom prst="rect">
+            <a:avLst/>
+          </a:prstGeom>
+          <a:noFill/>
+        </p:spPr>
+      </p:pic>
+      <p:pic>
+        <p:nvPicPr>
+          <p:cNvPr id="43" name="Picture 26">
+            <a:extLst>
+              <a:ext uri="{FF2B5EF4-FFF2-40B4-BE49-F238E27FC236}">
+                <a16:creationId xmlns:a16="http://schemas.microsoft.com/office/drawing/2014/main" id="{7185CF21-0594-48C0-9F3E-254D6BCE9D9B}"/>
+              </a:ext>
+              <a:ext uri="{C183D7F6-B498-43B3-948B-1728B52AA6E4}">
+                <adec:decorative xmlns:adec="http://schemas.microsoft.com/office/drawing/2017/decorative" val="1"/>
+              </a:ext>
+            </a:extLst>
+          </p:cNvPr>
+          <p:cNvPicPr>
+            <a:picLocks noGrp="1" noRot="1" noChangeAspect="1" noMove="1" noResize="1" noEditPoints="1" noAdjustHandles="1" noChangeArrowheads="1" noChangeShapeType="1" noCrop="1"/>
+          </p:cNvPicPr>
+          <p:nvPr>
+            <p:extLst>
+              <p:ext uri="{386F3935-93C4-4BCD-93E2-E3B085C9AB24}">
+                <p16:designElem xmlns:p16="http://schemas.microsoft.com/office/powerpoint/2015/main" val="1"/>
+              </p:ext>
+            </p:extLst>
+          </p:nvPr>
+        </p:nvPicPr>
+        <p:blipFill>
+          <a:blip r:embed="rId4">
+            <a:extLst>
+              <a:ext uri="{28A0092B-C50C-407E-A947-70E740481C1C}">
+                <a14:useLocalDpi xmlns:a14="http://schemas.microsoft.com/office/drawing/2010/main" val="0"/>
+              </a:ext>
+            </a:extLst>
+          </a:blip>
+          <a:stretch>
+            <a:fillRect/>
+          </a:stretch>
+        </p:blipFill>
+        <p:spPr>
+          <a:xfrm>
+            <a:off x="0" y="0"/>
+            <a:ext cx="12189867" cy="6858000"/>
+          </a:xfrm>
+          <a:prstGeom prst="rect">
+            <a:avLst/>
+          </a:prstGeom>
+        </p:spPr>
+      </p:pic>
+      <p:sp>
+        <p:nvSpPr>
+          <p:cNvPr id="44" name="Rectangle 28">
+            <a:extLst>
+              <a:ext uri="{FF2B5EF4-FFF2-40B4-BE49-F238E27FC236}">
+                <a16:creationId xmlns:a16="http://schemas.microsoft.com/office/drawing/2014/main" id="{AC1E939A-6A69-42AE-8471-3AD3A74AD78A}"/>
+              </a:ext>
+              <a:ext uri="{C183D7F6-B498-43B3-948B-1728B52AA6E4}">
+                <adec:decorative xmlns:adec="http://schemas.microsoft.com/office/drawing/2017/decorative" val="1"/>
+              </a:ext>
+            </a:extLst>
+          </p:cNvPr>
+          <p:cNvSpPr>
+            <a:spLocks noGrp="1" noRot="1" noChangeAspect="1" noMove="1" noResize="1" noEditPoints="1" noAdjustHandles="1" noChangeArrowheads="1" noChangeShapeType="1" noTextEdit="1"/>
+          </p:cNvSpPr>
+          <p:nvPr>
+            <p:extLst>
+              <p:ext uri="{386F3935-93C4-4BCD-93E2-E3B085C9AB24}">
+                <p16:designElem xmlns:p16="http://schemas.microsoft.com/office/powerpoint/2015/main" val="1"/>
+              </p:ext>
+            </p:extLst>
+          </p:nvPr>
+        </p:nvSpPr>
+        <p:spPr>
+          <a:xfrm>
+            <a:off x="953542" y="0"/>
+            <a:ext cx="11236326" cy="6858000"/>
+          </a:xfrm>
+          <a:prstGeom prst="rect">
+            <a:avLst/>
+          </a:prstGeom>
+          <a:gradFill flip="none" rotWithShape="1">
+            <a:gsLst>
+              <a:gs pos="0">
+                <a:schemeClr val="bg2">
+                  <a:alpha val="0"/>
+                </a:schemeClr>
+              </a:gs>
+              <a:gs pos="100000">
+                <a:schemeClr val="bg2"/>
+              </a:gs>
+            </a:gsLst>
+            <a:lin ang="10800000" scaled="1"/>
+            <a:tileRect/>
+          </a:gradFill>
+          <a:ln>
+            <a:noFill/>
+          </a:ln>
+        </p:spPr>
+        <p:style>
+          <a:lnRef idx="2">
+            <a:schemeClr val="accent1">
+              <a:shade val="50000"/>
+            </a:schemeClr>
+          </a:lnRef>
+          <a:fillRef idx="1">
+            <a:schemeClr val="accent1"/>
+          </a:fillRef>
+          <a:effectRef idx="0">
+            <a:schemeClr val="accent1"/>
+          </a:effectRef>
+          <a:fontRef idx="minor">
+            <a:schemeClr val="lt1"/>
+          </a:fontRef>
+        </p:style>
+      </p:sp>
       <p:sp>
         <p:nvSpPr>
           <p:cNvPr id="2" name="Title 1">
             <a:extLst>
               <a:ext uri="{FF2B5EF4-FFF2-40B4-BE49-F238E27FC236}">
-                <a16:creationId xmlns:a16="http://schemas.microsoft.com/office/drawing/2014/main" id="{47D2FA26-7388-449A-B962-99C2FF26C858}"/>
+                <a16:creationId xmlns:a16="http://schemas.microsoft.com/office/drawing/2014/main" id="{E528B58E-E332-4E5C-B256-AC1D5CBCC733}"/>
               </a:ext>
             </a:extLst>
           </p:cNvPr>
@@ -19755,391 +22907,598 @@
             <p:ph type="title"/>
           </p:nvPr>
         </p:nvSpPr>
-        <p:spPr/>
+        <p:spPr>
+          <a:xfrm>
+            <a:off x="1751771" y="1134409"/>
+            <a:ext cx="6378102" cy="3875778"/>
+          </a:xfrm>
+        </p:spPr>
         <p:txBody>
-          <a:bodyPr/>
+          <a:bodyPr vert="horz" lIns="91440" tIns="45720" rIns="91440" bIns="45720" rtlCol="0" anchor="t">
+            <a:normAutofit/>
+          </a:bodyPr>
           <a:lstStyle/>
           <a:p>
-            <a:r>
-              <a:rPr lang="en-CA" dirty="0"/>
-              <a:t>Azure Functions</a:t>
-            </a:r>
-            <a:endParaRPr lang="en-US" dirty="0"/>
+            <a:pPr algn="l"/>
+            <a:r>
+              <a:rPr lang="en-US" sz="3800"/>
+              <a:t>Ok, cool we will replace that by a beautiful app. It will do all the things you are doing today and it will all work seamlessly with your current system!</a:t>
+            </a:r>
           </a:p>
         </p:txBody>
       </p:sp>
       <p:sp>
         <p:nvSpPr>
-          <p:cNvPr id="3" name="Content Placeholder 2">
+          <p:cNvPr id="31" name="Rectangle 30">
             <a:extLst>
               <a:ext uri="{FF2B5EF4-FFF2-40B4-BE49-F238E27FC236}">
-                <a16:creationId xmlns:a16="http://schemas.microsoft.com/office/drawing/2014/main" id="{0ACF4E50-76AA-4B31-97C1-5380BEBFC025}"/>
+                <a16:creationId xmlns:a16="http://schemas.microsoft.com/office/drawing/2014/main" id="{A0B5529D-5CAA-4BF2-B5C9-34705E7661F9}"/>
+              </a:ext>
+              <a:ext uri="{C183D7F6-B498-43B3-948B-1728B52AA6E4}">
+                <adec:decorative xmlns:adec="http://schemas.microsoft.com/office/drawing/2017/decorative" val="1"/>
               </a:ext>
             </a:extLst>
           </p:cNvPr>
           <p:cNvSpPr>
-            <a:spLocks noGrp="1"/>
+            <a:spLocks noGrp="1" noRot="1" noChangeAspect="1" noMove="1" noResize="1" noEditPoints="1" noAdjustHandles="1" noChangeArrowheads="1" noChangeShapeType="1" noTextEdit="1"/>
           </p:cNvSpPr>
           <p:nvPr>
-            <p:ph idx="1"/>
+            <p:extLst>
+              <p:ext uri="{386F3935-93C4-4BCD-93E2-E3B085C9AB24}">
+                <p16:designElem xmlns:p16="http://schemas.microsoft.com/office/powerpoint/2015/main" val="1"/>
+              </p:ext>
+            </p:extLst>
           </p:nvPr>
-        </p:nvSpPr>
-        <p:spPr/>
-        <p:txBody>
-          <a:bodyPr/>
-          <a:lstStyle/>
-          <a:p>
-            <a:endParaRPr lang="en-US" dirty="0"/>
-          </a:p>
-        </p:txBody>
-      </p:sp>
-      <p:sp>
-        <p:nvSpPr>
-          <p:cNvPr id="4" name="Text Placeholder 3">
-            <a:extLst>
-              <a:ext uri="{FF2B5EF4-FFF2-40B4-BE49-F238E27FC236}">
-                <a16:creationId xmlns:a16="http://schemas.microsoft.com/office/drawing/2014/main" id="{8E1A906D-60C7-4685-BD37-EF82E971E7D7}"/>
-              </a:ext>
-            </a:extLst>
-          </p:cNvPr>
-          <p:cNvSpPr>
-            <a:spLocks noGrp="1"/>
-          </p:cNvSpPr>
-          <p:nvPr>
-            <p:ph type="body" sz="half" idx="2"/>
-          </p:nvPr>
-        </p:nvSpPr>
-        <p:spPr/>
-        <p:txBody>
-          <a:bodyPr/>
-          <a:lstStyle/>
-          <a:p>
-            <a:endParaRPr lang="en-US"/>
-          </a:p>
-        </p:txBody>
-      </p:sp>
-      <p:sp>
-        <p:nvSpPr>
-          <p:cNvPr id="5" name="Shape 191">
-            <a:extLst>
-              <a:ext uri="{FF2B5EF4-FFF2-40B4-BE49-F238E27FC236}">
-                <a16:creationId xmlns:a16="http://schemas.microsoft.com/office/drawing/2014/main" id="{5B76BBB7-BD2A-4D7C-ABD8-6F71C2AF1EC8}"/>
-              </a:ext>
-            </a:extLst>
-          </p:cNvPr>
-          <p:cNvSpPr/>
-          <p:nvPr/>
         </p:nvSpPr>
         <p:spPr>
           <a:xfrm>
-            <a:off x="7486785" y="2830924"/>
-            <a:ext cx="1004784" cy="1004784"/>
-          </a:xfrm>
-          <a:prstGeom prst="ellipse">
-            <a:avLst/>
-          </a:prstGeom>
-          <a:solidFill>
-            <a:schemeClr val="accent5">
-              <a:hueOff val="-444211"/>
-              <a:satOff val="-14915"/>
-              <a:lumOff val="22857"/>
-            </a:schemeClr>
-          </a:solidFill>
-          <a:ln w="12700">
-            <a:miter lim="400000"/>
-          </a:ln>
-          <a:effectLst>
-            <a:outerShdw blurRad="38100" dist="25400" dir="5400000" rotWithShape="0">
-              <a:srgbClr val="000000">
-                <a:alpha val="50000"/>
-              </a:srgbClr>
-            </a:outerShdw>
-          </a:effectLst>
-          <a:extLst>
-            <a:ext uri="{C572A759-6A51-4108-AA02-DFA0A04FC94B}">
-              <ma14:wrappingTextBoxFlag xmlns:ma14="http://schemas.microsoft.com/office/mac/drawingml/2011/main" xmlns="" val="1"/>
-            </a:ext>
-          </a:extLst>
-        </p:spPr>
-        <p:txBody>
-          <a:bodyPr lIns="50800" tIns="50800" rIns="50800" bIns="50800" anchor="ctr"/>
-          <a:lstStyle>
-            <a:lvl1pPr>
-              <a:defRPr sz="2500">
-                <a:solidFill>
-                  <a:srgbClr val="FFFFFF"/>
-                </a:solidFill>
-              </a:defRPr>
-            </a:lvl1pPr>
-          </a:lstStyle>
-          <a:p>
-            <a:r>
-              <a:t>Feature</a:t>
-            </a:r>
-          </a:p>
-        </p:txBody>
-      </p:sp>
-      <p:sp>
-        <p:nvSpPr>
-          <p:cNvPr id="6" name="Shape 192">
-            <a:extLst>
-              <a:ext uri="{FF2B5EF4-FFF2-40B4-BE49-F238E27FC236}">
-                <a16:creationId xmlns:a16="http://schemas.microsoft.com/office/drawing/2014/main" id="{A8BB9113-8181-418A-8506-309F90F38AD4}"/>
-              </a:ext>
-            </a:extLst>
-          </p:cNvPr>
-          <p:cNvSpPr/>
-          <p:nvPr/>
-        </p:nvSpPr>
-        <p:spPr>
-          <a:xfrm>
-            <a:off x="6519735" y="1955605"/>
-            <a:ext cx="1289129" cy="1289129"/>
+            <a:off x="0" y="0"/>
+            <a:ext cx="959909" cy="6858000"/>
           </a:xfrm>
           <a:prstGeom prst="rect">
             <a:avLst/>
           </a:prstGeom>
           <a:solidFill>
-            <a:schemeClr val="accent2">
-              <a:hueOff val="-554920"/>
-              <a:satOff val="-21482"/>
-              <a:lumOff val="-6228"/>
+            <a:schemeClr val="bg2">
+              <a:lumMod val="90000"/>
+              <a:lumOff val="10000"/>
             </a:schemeClr>
           </a:solidFill>
-          <a:ln w="12700">
-            <a:miter lim="400000"/>
+          <a:ln>
+            <a:noFill/>
           </a:ln>
-          <a:effectLst>
-            <a:outerShdw blurRad="38100" dist="25400" dir="5400000" rotWithShape="0">
-              <a:srgbClr val="000000">
-                <a:alpha val="50000"/>
-              </a:srgbClr>
-            </a:outerShdw>
-          </a:effectLst>
-          <a:extLst>
-            <a:ext uri="{C572A759-6A51-4108-AA02-DFA0A04FC94B}">
-              <ma14:wrappingTextBoxFlag xmlns:ma14="http://schemas.microsoft.com/office/mac/drawingml/2011/main" xmlns="" val="1"/>
-            </a:ext>
-          </a:extLst>
         </p:spPr>
-        <p:txBody>
-          <a:bodyPr lIns="50800" tIns="50800" rIns="50800" bIns="50800" anchor="ctr"/>
-          <a:lstStyle>
-            <a:lvl1pPr>
-              <a:defRPr sz="2400">
-                <a:solidFill>
-                  <a:srgbClr val="FFFFFF"/>
-                </a:solidFill>
-              </a:defRPr>
-            </a:lvl1pPr>
-          </a:lstStyle>
-          <a:p>
-            <a:pPr algn="ctr"/>
-            <a:r>
-              <a:rPr dirty="0"/>
-              <a:t>DB</a:t>
-            </a:r>
-          </a:p>
-        </p:txBody>
-      </p:sp>
-      <p:sp>
-        <p:nvSpPr>
-          <p:cNvPr id="7" name="Shape 193">
+        <p:style>
+          <a:lnRef idx="2">
+            <a:schemeClr val="accent1">
+              <a:shade val="50000"/>
+            </a:schemeClr>
+          </a:lnRef>
+          <a:fillRef idx="1">
+            <a:schemeClr val="accent1"/>
+          </a:fillRef>
+          <a:effectRef idx="0">
+            <a:schemeClr val="accent1"/>
+          </a:effectRef>
+          <a:fontRef idx="minor">
+            <a:schemeClr val="lt1"/>
+          </a:fontRef>
+        </p:style>
+      </p:sp>
+      <p:sp>
+        <p:nvSpPr>
+          <p:cNvPr id="33" name="Right Triangle 32">
             <a:extLst>
               <a:ext uri="{FF2B5EF4-FFF2-40B4-BE49-F238E27FC236}">
-                <a16:creationId xmlns:a16="http://schemas.microsoft.com/office/drawing/2014/main" id="{9A46F7B2-34D7-4A5F-A4AB-FE2188495975}"/>
+                <a16:creationId xmlns:a16="http://schemas.microsoft.com/office/drawing/2014/main" id="{F793961F-503F-434A-880A-EA44EB4277E3}"/>
+              </a:ext>
+              <a:ext uri="{C183D7F6-B498-43B3-948B-1728B52AA6E4}">
+                <adec:decorative xmlns:adec="http://schemas.microsoft.com/office/drawing/2017/decorative" val="1"/>
               </a:ext>
             </a:extLst>
           </p:cNvPr>
-          <p:cNvSpPr/>
-          <p:nvPr/>
-        </p:nvSpPr>
+          <p:cNvSpPr>
+            <a:spLocks noGrp="1" noRot="1" noChangeAspect="1" noMove="1" noResize="1" noEditPoints="1" noAdjustHandles="1" noChangeArrowheads="1" noChangeShapeType="1" noTextEdit="1"/>
+          </p:cNvSpPr>
+          <p:nvPr>
+            <p:extLst>
+              <p:ext uri="{386F3935-93C4-4BCD-93E2-E3B085C9AB24}">
+                <p16:designElem xmlns:p16="http://schemas.microsoft.com/office/powerpoint/2015/main" val="1"/>
+              </p:ext>
+            </p:extLst>
+          </p:nvPr>
+        </p:nvSpPr>
+        <p:spPr>
+          <a:xfrm flipH="1" flipV="1">
+            <a:off x="1411092" y="1134409"/>
+            <a:ext cx="239869" cy="239869"/>
+          </a:xfrm>
+          <a:prstGeom prst="rtTriangle">
+            <a:avLst/>
+          </a:prstGeom>
+          <a:solidFill>
+            <a:schemeClr val="tx1"/>
+          </a:solidFill>
+          <a:ln>
+            <a:noFill/>
+          </a:ln>
+        </p:spPr>
+        <p:style>
+          <a:lnRef idx="2">
+            <a:schemeClr val="accent1">
+              <a:shade val="50000"/>
+            </a:schemeClr>
+          </a:lnRef>
+          <a:fillRef idx="1">
+            <a:schemeClr val="accent1"/>
+          </a:fillRef>
+          <a:effectRef idx="0">
+            <a:schemeClr val="accent1"/>
+          </a:effectRef>
+          <a:fontRef idx="minor">
+            <a:schemeClr val="lt1"/>
+          </a:fontRef>
+        </p:style>
+        <p:txBody>
+          <a:bodyPr rtlCol="0" anchor="ctr"/>
+          <a:lstStyle/>
+          <a:p>
+            <a:pPr algn="ctr"/>
+            <a:endParaRPr lang="en-US"/>
+          </a:p>
+        </p:txBody>
+      </p:sp>
+    </p:spTree>
+    <p:extLst>
+      <p:ext uri="{BB962C8B-B14F-4D97-AF65-F5344CB8AC3E}">
+        <p14:creationId xmlns:p14="http://schemas.microsoft.com/office/powerpoint/2010/main" val="3347529458"/>
+      </p:ext>
+    </p:extLst>
+  </p:cSld>
+  <p:clrMapOvr>
+    <a:masterClrMapping/>
+  </p:clrMapOvr>
+</p:sld>
+</file>
+
+<file path=ppt/slides/slide6.xml><?xml version="1.0" encoding="utf-8"?>
+<p:sld xmlns:a="http://schemas.openxmlformats.org/drawingml/2006/main" xmlns:r="http://schemas.openxmlformats.org/officeDocument/2006/relationships" xmlns:p="http://schemas.openxmlformats.org/presentationml/2006/main">
+  <p:cSld>
+    <p:bg>
+      <p:bgPr>
+        <a:solidFill>
+          <a:schemeClr val="bg1"/>
+        </a:solidFill>
+        <a:effectLst/>
+      </p:bgPr>
+    </p:bg>
+    <p:spTree>
+      <p:nvGrpSpPr>
+        <p:cNvPr id="1" name=""/>
+        <p:cNvGrpSpPr/>
+        <p:nvPr/>
+      </p:nvGrpSpPr>
+      <p:grpSpPr>
+        <a:xfrm>
+          <a:off x="0" y="0"/>
+          <a:ext cx="0" cy="0"/>
+          <a:chOff x="0" y="0"/>
+          <a:chExt cx="0" cy="0"/>
+        </a:xfrm>
+      </p:grpSpPr>
+      <p:pic>
+        <p:nvPicPr>
+          <p:cNvPr id="10" name="Picture 9">
+            <a:extLst>
+              <a:ext uri="{FF2B5EF4-FFF2-40B4-BE49-F238E27FC236}">
+                <a16:creationId xmlns:a16="http://schemas.microsoft.com/office/drawing/2014/main" id="{722F0272-3878-4604-AA91-01CA8F08DEF5}"/>
+              </a:ext>
+              <a:ext uri="{C183D7F6-B498-43B3-948B-1728B52AA6E4}">
+                <adec:decorative xmlns:adec="http://schemas.microsoft.com/office/drawing/2017/decorative" val="1"/>
+              </a:ext>
+            </a:extLst>
+          </p:cNvPr>
+          <p:cNvPicPr>
+            <a:picLocks noGrp="1" noRot="1" noChangeAspect="1" noMove="1" noResize="1" noEditPoints="1" noAdjustHandles="1" noChangeArrowheads="1" noChangeShapeType="1" noCrop="1"/>
+          </p:cNvPicPr>
+          <p:nvPr>
+            <p:extLst>
+              <p:ext uri="{386F3935-93C4-4BCD-93E2-E3B085C9AB24}">
+                <p16:designElem xmlns:p16="http://schemas.microsoft.com/office/powerpoint/2015/main" val="1"/>
+              </p:ext>
+            </p:extLst>
+          </p:nvPr>
+        </p:nvPicPr>
+        <p:blipFill>
+          <a:blip r:embed="rId2">
+            <a:extLst>
+              <a:ext uri="{28A0092B-C50C-407E-A947-70E740481C1C}">
+                <a14:useLocalDpi xmlns:a14="http://schemas.microsoft.com/office/drawing/2010/main" val="0"/>
+              </a:ext>
+            </a:extLst>
+          </a:blip>
+          <a:stretch>
+            <a:fillRect/>
+          </a:stretch>
+        </p:blipFill>
         <p:spPr>
           <a:xfrm>
-            <a:off x="6529345" y="3408671"/>
-            <a:ext cx="1289129" cy="1289129"/>
+            <a:off x="2831794" y="2105202"/>
+            <a:ext cx="9360205" cy="4752798"/>
+          </a:xfrm>
+          <a:prstGeom prst="rect">
+            <a:avLst/>
+          </a:prstGeom>
+        </p:spPr>
+      </p:pic>
+      <p:pic>
+        <p:nvPicPr>
+          <p:cNvPr id="12" name="Picture 11">
+            <a:extLst>
+              <a:ext uri="{FF2B5EF4-FFF2-40B4-BE49-F238E27FC236}">
+                <a16:creationId xmlns:a16="http://schemas.microsoft.com/office/drawing/2014/main" id="{1F60EAEC-22E3-4448-8F0A-9ADAA793A95E}"/>
+              </a:ext>
+              <a:ext uri="{C183D7F6-B498-43B3-948B-1728B52AA6E4}">
+                <adec:decorative xmlns:adec="http://schemas.microsoft.com/office/drawing/2017/decorative" val="1"/>
+              </a:ext>
+            </a:extLst>
+          </p:cNvPr>
+          <p:cNvPicPr>
+            <a:picLocks noGrp="1" noRot="1" noChangeAspect="1" noMove="1" noResize="1" noEditPoints="1" noAdjustHandles="1" noChangeArrowheads="1" noChangeShapeType="1" noCrop="1"/>
+          </p:cNvPicPr>
+          <p:nvPr>
+            <p:extLst>
+              <p:ext uri="{386F3935-93C4-4BCD-93E2-E3B085C9AB24}">
+                <p16:designElem xmlns:p16="http://schemas.microsoft.com/office/powerpoint/2015/main" val="1"/>
+              </p:ext>
+            </p:extLst>
+          </p:nvPr>
+        </p:nvPicPr>
+        <p:blipFill>
+          <a:blip r:embed="rId3">
+            <a:extLst>
+              <a:ext uri="{28A0092B-C50C-407E-A947-70E740481C1C}">
+                <a14:useLocalDpi xmlns:a14="http://schemas.microsoft.com/office/drawing/2010/main" val="0"/>
+              </a:ext>
+            </a:extLst>
+          </a:blip>
+          <a:stretch>
+            <a:fillRect/>
+          </a:stretch>
+        </p:blipFill>
+        <p:spPr>
+          <a:xfrm>
+            <a:off x="0" y="0"/>
+            <a:ext cx="12189867" cy="6858000"/>
+          </a:xfrm>
+          <a:prstGeom prst="rect">
+            <a:avLst/>
+          </a:prstGeom>
+        </p:spPr>
+      </p:pic>
+      <p:sp>
+        <p:nvSpPr>
+          <p:cNvPr id="14" name="Rectangle 13">
+            <a:extLst>
+              <a:ext uri="{FF2B5EF4-FFF2-40B4-BE49-F238E27FC236}">
+                <a16:creationId xmlns:a16="http://schemas.microsoft.com/office/drawing/2014/main" id="{355E0F90-3FFF-4E04-B3C8-3C969A415D9C}"/>
+              </a:ext>
+              <a:ext uri="{C183D7F6-B498-43B3-948B-1728B52AA6E4}">
+                <adec:decorative xmlns:adec="http://schemas.microsoft.com/office/drawing/2017/decorative" val="1"/>
+              </a:ext>
+            </a:extLst>
+          </p:cNvPr>
+          <p:cNvSpPr>
+            <a:spLocks noGrp="1" noRot="1" noChangeAspect="1" noMove="1" noResize="1" noEditPoints="1" noAdjustHandles="1" noChangeArrowheads="1" noChangeShapeType="1" noTextEdit="1"/>
+          </p:cNvSpPr>
+          <p:nvPr>
+            <p:extLst>
+              <p:ext uri="{386F3935-93C4-4BCD-93E2-E3B085C9AB24}">
+                <p16:designElem xmlns:p16="http://schemas.microsoft.com/office/powerpoint/2015/main" val="1"/>
+              </p:ext>
+            </p:extLst>
+          </p:nvPr>
+        </p:nvSpPr>
+        <p:spPr>
+          <a:xfrm>
+            <a:off x="0" y="0"/>
+            <a:ext cx="964174" cy="6858000"/>
           </a:xfrm>
           <a:prstGeom prst="rect">
             <a:avLst/>
           </a:prstGeom>
           <a:solidFill>
-            <a:schemeClr val="accent2">
-              <a:hueOff val="-554920"/>
-              <a:satOff val="-21482"/>
-              <a:lumOff val="-6228"/>
+            <a:schemeClr val="bg2"/>
+          </a:solidFill>
+          <a:ln>
+            <a:noFill/>
+          </a:ln>
+        </p:spPr>
+        <p:style>
+          <a:lnRef idx="2">
+            <a:schemeClr val="accent1">
+              <a:shade val="50000"/>
             </a:schemeClr>
-          </a:solidFill>
-          <a:ln w="12700">
-            <a:miter lim="400000"/>
-          </a:ln>
-          <a:effectLst>
-            <a:outerShdw blurRad="38100" dist="25400" dir="5400000" rotWithShape="0">
-              <a:srgbClr val="000000">
-                <a:alpha val="50000"/>
-              </a:srgbClr>
-            </a:outerShdw>
-          </a:effectLst>
-          <a:extLst>
-            <a:ext uri="{C572A759-6A51-4108-AA02-DFA0A04FC94B}">
-              <ma14:wrappingTextBoxFlag xmlns:ma14="http://schemas.microsoft.com/office/mac/drawingml/2011/main" xmlns="" val="1"/>
-            </a:ext>
-          </a:extLst>
-        </p:spPr>
-        <p:txBody>
-          <a:bodyPr lIns="50800" tIns="50800" rIns="50800" bIns="50800" anchor="ctr"/>
-          <a:lstStyle>
-            <a:lvl1pPr>
-              <a:defRPr sz="1800">
-                <a:solidFill>
-                  <a:srgbClr val="FFFFFF"/>
-                </a:solidFill>
-              </a:defRPr>
-            </a:lvl1pPr>
-          </a:lstStyle>
-          <a:p>
-            <a:pPr algn="ctr"/>
-            <a:r>
-              <a:rPr dirty="0"/>
-              <a:t>Messaging</a:t>
-            </a:r>
-          </a:p>
-        </p:txBody>
-      </p:sp>
-      <p:sp>
-        <p:nvSpPr>
-          <p:cNvPr id="8" name="Shape 194">
+          </a:lnRef>
+          <a:fillRef idx="1">
+            <a:schemeClr val="accent1"/>
+          </a:fillRef>
+          <a:effectRef idx="0">
+            <a:schemeClr val="accent1"/>
+          </a:effectRef>
+          <a:fontRef idx="minor">
+            <a:schemeClr val="lt1"/>
+          </a:fontRef>
+        </p:style>
+      </p:sp>
+      <p:sp>
+        <p:nvSpPr>
+          <p:cNvPr id="16" name="Rectangle 15">
             <a:extLst>
               <a:ext uri="{FF2B5EF4-FFF2-40B4-BE49-F238E27FC236}">
-                <a16:creationId xmlns:a16="http://schemas.microsoft.com/office/drawing/2014/main" id="{292D21C3-2884-4A37-84DF-F361FEDD2BA0}"/>
+                <a16:creationId xmlns:a16="http://schemas.microsoft.com/office/drawing/2014/main" id="{EC63A4EF-A033-4ED0-9EB6-6E1A8D264FE7}"/>
+              </a:ext>
+              <a:ext uri="{C183D7F6-B498-43B3-948B-1728B52AA6E4}">
+                <adec:decorative xmlns:adec="http://schemas.microsoft.com/office/drawing/2017/decorative" val="1"/>
               </a:ext>
             </a:extLst>
           </p:cNvPr>
-          <p:cNvSpPr/>
-          <p:nvPr/>
+          <p:cNvSpPr>
+            <a:spLocks noGrp="1" noRot="1" noChangeAspect="1" noMove="1" noResize="1" noEditPoints="1" noAdjustHandles="1" noChangeArrowheads="1" noChangeShapeType="1" noTextEdit="1"/>
+          </p:cNvSpPr>
+          <p:nvPr>
+            <p:extLst>
+              <p:ext uri="{386F3935-93C4-4BCD-93E2-E3B085C9AB24}">
+                <p16:designElem xmlns:p16="http://schemas.microsoft.com/office/powerpoint/2015/main" val="1"/>
+              </p:ext>
+            </p:extLst>
+          </p:nvPr>
         </p:nvSpPr>
         <p:spPr>
           <a:xfrm>
-            <a:off x="8169491" y="1955606"/>
-            <a:ext cx="1289128" cy="1289129"/>
+            <a:off x="962042" y="0"/>
+            <a:ext cx="45719" cy="6858000"/>
           </a:xfrm>
           <a:prstGeom prst="rect">
             <a:avLst/>
           </a:prstGeom>
           <a:solidFill>
-            <a:schemeClr val="accent2">
-              <a:hueOff val="-554920"/>
-              <a:satOff val="-21482"/>
-              <a:lumOff val="-6228"/>
+            <a:schemeClr val="accent6"/>
+          </a:solidFill>
+          <a:ln>
+            <a:noFill/>
+          </a:ln>
+        </p:spPr>
+        <p:style>
+          <a:lnRef idx="2">
+            <a:schemeClr val="accent1">
+              <a:shade val="50000"/>
             </a:schemeClr>
-          </a:solidFill>
-          <a:ln w="12700">
-            <a:miter lim="400000"/>
-          </a:ln>
-          <a:effectLst>
-            <a:outerShdw blurRad="38100" dist="25400" dir="5400000" rotWithShape="0">
-              <a:srgbClr val="000000">
-                <a:alpha val="50000"/>
-              </a:srgbClr>
-            </a:outerShdw>
-          </a:effectLst>
-          <a:extLst>
-            <a:ext uri="{C572A759-6A51-4108-AA02-DFA0A04FC94B}">
-              <ma14:wrappingTextBoxFlag xmlns:ma14="http://schemas.microsoft.com/office/mac/drawingml/2011/main" xmlns="" val="1"/>
-            </a:ext>
-          </a:extLst>
-        </p:spPr>
-        <p:txBody>
-          <a:bodyPr lIns="50800" tIns="50800" rIns="50800" bIns="50800" anchor="ctr"/>
-          <a:lstStyle>
-            <a:lvl1pPr>
-              <a:defRPr sz="2400">
-                <a:solidFill>
-                  <a:srgbClr val="FFFFFF"/>
-                </a:solidFill>
-              </a:defRPr>
-            </a:lvl1pPr>
-          </a:lstStyle>
-          <a:p>
-            <a:pPr algn="ctr"/>
-            <a:r>
-              <a:rPr dirty="0"/>
-              <a:t>Web-Server</a:t>
-            </a:r>
-          </a:p>
-        </p:txBody>
-      </p:sp>
-      <p:sp>
-        <p:nvSpPr>
-          <p:cNvPr id="9" name="Shape 195">
+          </a:lnRef>
+          <a:fillRef idx="1">
+            <a:schemeClr val="accent1"/>
+          </a:fillRef>
+          <a:effectRef idx="0">
+            <a:schemeClr val="accent1"/>
+          </a:effectRef>
+          <a:fontRef idx="minor">
+            <a:schemeClr val="lt1"/>
+          </a:fontRef>
+        </p:style>
+      </p:sp>
+      <p:sp>
+        <p:nvSpPr>
+          <p:cNvPr id="18" name="Rectangle 17">
             <a:extLst>
               <a:ext uri="{FF2B5EF4-FFF2-40B4-BE49-F238E27FC236}">
-                <a16:creationId xmlns:a16="http://schemas.microsoft.com/office/drawing/2014/main" id="{BA3C0F2A-F09E-411F-83D1-9BD8DB763896}"/>
+                <a16:creationId xmlns:a16="http://schemas.microsoft.com/office/drawing/2014/main" id="{964965EE-80F2-417F-9652-5BFF14DA7CDD}"/>
+              </a:ext>
+              <a:ext uri="{C183D7F6-B498-43B3-948B-1728B52AA6E4}">
+                <adec:decorative xmlns:adec="http://schemas.microsoft.com/office/drawing/2017/decorative" val="1"/>
               </a:ext>
             </a:extLst>
           </p:cNvPr>
-          <p:cNvSpPr/>
-          <p:nvPr/>
+          <p:cNvSpPr>
+            <a:spLocks noGrp="1" noRot="1" noChangeAspect="1" noMove="1" noResize="1" noEditPoints="1" noAdjustHandles="1" noChangeArrowheads="1" noChangeShapeType="1" noTextEdit="1"/>
+          </p:cNvSpPr>
+          <p:nvPr>
+            <p:extLst>
+              <p:ext uri="{386F3935-93C4-4BCD-93E2-E3B085C9AB24}">
+                <p16:designElem xmlns:p16="http://schemas.microsoft.com/office/powerpoint/2015/main" val="1"/>
+              </p:ext>
+            </p:extLst>
+          </p:nvPr>
         </p:nvSpPr>
         <p:spPr>
           <a:xfrm>
-            <a:off x="8169491" y="3423563"/>
-            <a:ext cx="1289128" cy="1289129"/>
+            <a:off x="1004479" y="0"/>
+            <a:ext cx="10372316" cy="6858000"/>
           </a:xfrm>
           <a:prstGeom prst="rect">
             <a:avLst/>
           </a:prstGeom>
           <a:solidFill>
-            <a:schemeClr val="accent2">
-              <a:hueOff val="-554920"/>
-              <a:satOff val="-21482"/>
-              <a:lumOff val="-6228"/>
+            <a:schemeClr val="bg2">
+              <a:alpha val="92000"/>
             </a:schemeClr>
           </a:solidFill>
-          <a:ln w="12700">
-            <a:miter lim="400000"/>
+          <a:ln>
+            <a:noFill/>
           </a:ln>
-          <a:effectLst>
-            <a:outerShdw blurRad="38100" dist="25400" dir="5400000" rotWithShape="0">
-              <a:srgbClr val="000000">
-                <a:alpha val="50000"/>
-              </a:srgbClr>
-            </a:outerShdw>
-          </a:effectLst>
-          <a:extLst>
-            <a:ext uri="{C572A759-6A51-4108-AA02-DFA0A04FC94B}">
-              <ma14:wrappingTextBoxFlag xmlns:ma14="http://schemas.microsoft.com/office/mac/drawingml/2011/main" xmlns="" val="1"/>
-            </a:ext>
-          </a:extLst>
         </p:spPr>
+        <p:style>
+          <a:lnRef idx="2">
+            <a:schemeClr val="accent1">
+              <a:shade val="50000"/>
+            </a:schemeClr>
+          </a:lnRef>
+          <a:fillRef idx="1">
+            <a:schemeClr val="accent1"/>
+          </a:fillRef>
+          <a:effectRef idx="0">
+            <a:schemeClr val="accent1"/>
+          </a:effectRef>
+          <a:fontRef idx="minor">
+            <a:schemeClr val="lt1"/>
+          </a:fontRef>
+        </p:style>
+      </p:sp>
+      <p:sp>
+        <p:nvSpPr>
+          <p:cNvPr id="20" name="Rectangle 19">
+            <a:extLst>
+              <a:ext uri="{FF2B5EF4-FFF2-40B4-BE49-F238E27FC236}">
+                <a16:creationId xmlns:a16="http://schemas.microsoft.com/office/drawing/2014/main" id="{AA3C9611-CFD7-4C23-A8F2-00E7865A5D02}"/>
+              </a:ext>
+              <a:ext uri="{C183D7F6-B498-43B3-948B-1728B52AA6E4}">
+                <adec:decorative xmlns:adec="http://schemas.microsoft.com/office/drawing/2017/decorative" val="1"/>
+              </a:ext>
+            </a:extLst>
+          </p:cNvPr>
+          <p:cNvSpPr>
+            <a:spLocks noGrp="1" noRot="1" noChangeAspect="1" noMove="1" noResize="1" noEditPoints="1" noAdjustHandles="1" noChangeArrowheads="1" noChangeShapeType="1" noTextEdit="1"/>
+          </p:cNvSpPr>
+          <p:nvPr>
+            <p:extLst>
+              <p:ext uri="{386F3935-93C4-4BCD-93E2-E3B085C9AB24}">
+                <p16:designElem xmlns:p16="http://schemas.microsoft.com/office/powerpoint/2015/main" val="1"/>
+              </p:ext>
+            </p:extLst>
+          </p:nvPr>
+        </p:nvSpPr>
+        <p:spPr>
+          <a:xfrm>
+            <a:off x="11377328" y="0"/>
+            <a:ext cx="27432" cy="6858000"/>
+          </a:xfrm>
+          <a:prstGeom prst="rect">
+            <a:avLst/>
+          </a:prstGeom>
+          <a:solidFill>
+            <a:schemeClr val="accent6"/>
+          </a:solidFill>
+          <a:ln>
+            <a:noFill/>
+          </a:ln>
+        </p:spPr>
+        <p:style>
+          <a:lnRef idx="2">
+            <a:schemeClr val="accent1">
+              <a:shade val="50000"/>
+            </a:schemeClr>
+          </a:lnRef>
+          <a:fillRef idx="1">
+            <a:schemeClr val="accent1"/>
+          </a:fillRef>
+          <a:effectRef idx="0">
+            <a:schemeClr val="accent1"/>
+          </a:effectRef>
+          <a:fontRef idx="minor">
+            <a:schemeClr val="lt1"/>
+          </a:fontRef>
+        </p:style>
+      </p:sp>
+      <p:sp useBgFill="1">
+        <p:nvSpPr>
+          <p:cNvPr id="22" name="Rectangle 21">
+            <a:extLst>
+              <a:ext uri="{FF2B5EF4-FFF2-40B4-BE49-F238E27FC236}">
+                <a16:creationId xmlns:a16="http://schemas.microsoft.com/office/drawing/2014/main" id="{DD198664-99F1-44BC-BBCD-4265763F522C}"/>
+              </a:ext>
+              <a:ext uri="{C183D7F6-B498-43B3-948B-1728B52AA6E4}">
+                <adec:decorative xmlns:adec="http://schemas.microsoft.com/office/drawing/2017/decorative" val="1"/>
+              </a:ext>
+            </a:extLst>
+          </p:cNvPr>
+          <p:cNvSpPr>
+            <a:spLocks noGrp="1" noRot="1" noChangeAspect="1" noMove="1" noResize="1" noEditPoints="1" noAdjustHandles="1" noChangeArrowheads="1" noChangeShapeType="1" noTextEdit="1"/>
+          </p:cNvSpPr>
+          <p:nvPr>
+            <p:extLst>
+              <p:ext uri="{386F3935-93C4-4BCD-93E2-E3B085C9AB24}">
+                <p16:designElem xmlns:p16="http://schemas.microsoft.com/office/powerpoint/2015/main" val="1"/>
+              </p:ext>
+            </p:extLst>
+          </p:nvPr>
+        </p:nvSpPr>
+        <p:spPr>
+          <a:xfrm>
+            <a:off x="0" y="0"/>
+            <a:ext cx="12192000" cy="6858000"/>
+          </a:xfrm>
+          <a:prstGeom prst="rect">
+            <a:avLst/>
+          </a:prstGeom>
+          <a:ln>
+            <a:noFill/>
+          </a:ln>
+        </p:spPr>
+        <p:style>
+          <a:lnRef idx="2">
+            <a:schemeClr val="accent1">
+              <a:shade val="50000"/>
+            </a:schemeClr>
+          </a:lnRef>
+          <a:fillRef idx="1">
+            <a:schemeClr val="accent1"/>
+          </a:fillRef>
+          <a:effectRef idx="0">
+            <a:schemeClr val="accent1"/>
+          </a:effectRef>
+          <a:fontRef idx="minor">
+            <a:schemeClr val="lt1"/>
+          </a:fontRef>
+        </p:style>
         <p:txBody>
-          <a:bodyPr lIns="50800" tIns="50800" rIns="50800" bIns="50800" anchor="ctr"/>
-          <a:lstStyle>
-            <a:lvl1pPr>
-              <a:defRPr sz="1800">
-                <a:solidFill>
-                  <a:srgbClr val="FFFFFF"/>
-                </a:solidFill>
-              </a:defRPr>
-            </a:lvl1pPr>
-          </a:lstStyle>
+          <a:bodyPr rtlCol="0" anchor="ctr"/>
+          <a:lstStyle/>
           <a:p>
             <a:pPr algn="ctr"/>
-            <a:r>
-              <a:rPr dirty="0"/>
-              <a:t>Monitoring</a:t>
-            </a:r>
+            <a:endParaRPr lang="en-US"/>
           </a:p>
         </p:txBody>
       </p:sp>
+      <p:pic>
+        <p:nvPicPr>
+          <p:cNvPr id="5" name="Content Placeholder 4" descr="A person smiling for the camera&#10;&#10;Description automatically generated">
+            <a:extLst>
+              <a:ext uri="{FF2B5EF4-FFF2-40B4-BE49-F238E27FC236}">
+                <a16:creationId xmlns:a16="http://schemas.microsoft.com/office/drawing/2014/main" id="{66D4E21E-F22E-4B9F-9711-67079106FC07}"/>
+              </a:ext>
+            </a:extLst>
+          </p:cNvPr>
+          <p:cNvPicPr>
+            <a:picLocks noGrp="1" noChangeAspect="1"/>
+          </p:cNvPicPr>
+          <p:nvPr>
+            <p:ph idx="1"/>
+          </p:nvPr>
+        </p:nvPicPr>
+        <p:blipFill>
+          <a:blip r:embed="rId4"/>
+          <a:stretch>
+            <a:fillRect/>
+          </a:stretch>
+        </p:blipFill>
+        <p:spPr>
+          <a:xfrm>
+            <a:off x="1374757" y="643466"/>
+            <a:ext cx="9442486" cy="5571067"/>
+          </a:xfrm>
+          <a:prstGeom prst="rect">
+            <a:avLst/>
+          </a:prstGeom>
+        </p:spPr>
+      </p:pic>
     </p:spTree>
     <p:extLst>
       <p:ext uri="{BB962C8B-B14F-4D97-AF65-F5344CB8AC3E}">
-        <p14:creationId xmlns:p14="http://schemas.microsoft.com/office/powerpoint/2010/main" val="3372430508"/>
+        <p14:creationId xmlns:p14="http://schemas.microsoft.com/office/powerpoint/2010/main" val="2918335386"/>
       </p:ext>
     </p:extLst>
   </p:cSld>
   <p:clrMapOvr>
-    <a:masterClrMapping/>
+    <a:overrideClrMapping bg1="lt1" tx1="dk1" bg2="lt2" tx2="dk2" accent1="accent1" accent2="accent2" accent3="accent3" accent4="accent4" accent5="accent5" accent6="accent6" hlink="hlink" folHlink="folHlink"/>
   </p:clrMapOvr>
 </p:sld>
 </file>
@@ -20166,7 +23525,7 @@
           <p:cNvPr id="2" name="Title 1">
             <a:extLst>
               <a:ext uri="{FF2B5EF4-FFF2-40B4-BE49-F238E27FC236}">
-                <a16:creationId xmlns:a16="http://schemas.microsoft.com/office/drawing/2014/main" id="{E86F82CE-E22A-4FC2-BDD9-8993FDE713DE}"/>
+                <a16:creationId xmlns:a16="http://schemas.microsoft.com/office/drawing/2014/main" id="{BB04FEDB-9C64-425A-ACCD-B172A045526A}"/>
               </a:ext>
             </a:extLst>
           </p:cNvPr>
@@ -20177,367 +23536,62 @@
             <p:ph type="title"/>
           </p:nvPr>
         </p:nvSpPr>
-        <p:spPr>
-          <a:xfrm>
-            <a:off x="2611808" y="808056"/>
-            <a:ext cx="7958331" cy="1077229"/>
-          </a:xfrm>
-        </p:spPr>
+        <p:spPr/>
         <p:txBody>
           <a:bodyPr/>
           <a:lstStyle/>
           <a:p>
             <a:r>
-              <a:rPr lang="en-CA" dirty="0"/>
-              <a:t>Azure Functions</a:t>
-            </a:r>
-            <a:endParaRPr lang="en-US" dirty="0"/>
+              <a:rPr lang="en-US" dirty="0"/>
+              <a:t>Replacing Excel is not easy!</a:t>
+            </a:r>
           </a:p>
         </p:txBody>
       </p:sp>
       <p:sp>
         <p:nvSpPr>
-          <p:cNvPr id="3" name="Shape 233">
+          <p:cNvPr id="3" name="Content Placeholder 2">
             <a:extLst>
               <a:ext uri="{FF2B5EF4-FFF2-40B4-BE49-F238E27FC236}">
-                <a16:creationId xmlns:a16="http://schemas.microsoft.com/office/drawing/2014/main" id="{08AA0337-5B4B-4B7D-AC1A-9FFB3781D72D}"/>
+                <a16:creationId xmlns:a16="http://schemas.microsoft.com/office/drawing/2014/main" id="{4B32900A-E467-4FA7-8807-E126238D7BE2}"/>
               </a:ext>
             </a:extLst>
           </p:cNvPr>
-          <p:cNvSpPr/>
-          <p:nvPr/>
-        </p:nvSpPr>
-        <p:spPr>
-          <a:xfrm>
-            <a:off x="1548098" y="5058439"/>
-            <a:ext cx="1520479" cy="1270000"/>
-          </a:xfrm>
-          <a:prstGeom prst="rect">
-            <a:avLst/>
-          </a:prstGeom>
-          <a:solidFill>
-            <a:schemeClr val="accent2">
-              <a:hueOff val="-2473793"/>
-              <a:satOff val="-50209"/>
-              <a:lumOff val="23543"/>
-            </a:schemeClr>
-          </a:solidFill>
-          <a:ln w="12700">
-            <a:miter lim="400000"/>
-          </a:ln>
-          <a:effectLst>
-            <a:outerShdw blurRad="38100" dist="25400" dir="5400000" rotWithShape="0">
-              <a:srgbClr val="000000">
-                <a:alpha val="50000"/>
-              </a:srgbClr>
-            </a:outerShdw>
-          </a:effectLst>
-          <a:extLst>
-            <a:ext uri="{C572A759-6A51-4108-AA02-DFA0A04FC94B}">
-              <ma14:wrappingTextBoxFlag xmlns:ma14="http://schemas.microsoft.com/office/mac/drawingml/2011/main" xmlns="" val="1"/>
-            </a:ext>
-          </a:extLst>
-        </p:spPr>
+          <p:cNvSpPr>
+            <a:spLocks noGrp="1"/>
+          </p:cNvSpPr>
+          <p:nvPr>
+            <p:ph idx="1"/>
+          </p:nvPr>
+        </p:nvSpPr>
+        <p:spPr/>
         <p:txBody>
-          <a:bodyPr lIns="50800" tIns="50800" rIns="50800" bIns="50800" anchor="ctr"/>
-          <a:lstStyle>
-            <a:lvl1pPr>
-              <a:defRPr sz="2400">
-                <a:solidFill>
-                  <a:srgbClr val="FFFFFF"/>
-                </a:solidFill>
-              </a:defRPr>
-            </a:lvl1pPr>
-          </a:lstStyle>
-          <a:p>
-            <a:r>
-              <a:t>Trigger</a:t>
-            </a:r>
-          </a:p>
-        </p:txBody>
-      </p:sp>
-      <p:sp>
-        <p:nvSpPr>
-          <p:cNvPr id="4" name="Shape 234">
-            <a:extLst>
-              <a:ext uri="{FF2B5EF4-FFF2-40B4-BE49-F238E27FC236}">
-                <a16:creationId xmlns:a16="http://schemas.microsoft.com/office/drawing/2014/main" id="{218E247D-AC29-4594-AAAD-8FEEF30161EE}"/>
-              </a:ext>
-            </a:extLst>
-          </p:cNvPr>
-          <p:cNvSpPr/>
-          <p:nvPr/>
-        </p:nvSpPr>
-        <p:spPr>
-          <a:xfrm>
-            <a:off x="5572039" y="1489739"/>
-            <a:ext cx="1520478" cy="1270000"/>
-          </a:xfrm>
-          <a:prstGeom prst="rect">
-            <a:avLst/>
-          </a:prstGeom>
-          <a:solidFill>
-            <a:schemeClr val="accent4"/>
-          </a:solidFill>
-          <a:ln w="12700">
-            <a:miter lim="400000"/>
-          </a:ln>
-          <a:effectLst>
-            <a:outerShdw blurRad="38100" dist="25400" dir="5400000" rotWithShape="0">
-              <a:srgbClr val="000000">
-                <a:alpha val="50000"/>
-              </a:srgbClr>
-            </a:outerShdw>
-          </a:effectLst>
-          <a:extLst>
-            <a:ext uri="{C572A759-6A51-4108-AA02-DFA0A04FC94B}">
-              <ma14:wrappingTextBoxFlag xmlns:ma14="http://schemas.microsoft.com/office/mac/drawingml/2011/main" xmlns="" val="1"/>
-            </a:ext>
-          </a:extLst>
-        </p:spPr>
-        <p:txBody>
-          <a:bodyPr lIns="50800" tIns="50800" rIns="50800" bIns="50800" anchor="ctr"/>
-          <a:lstStyle>
-            <a:lvl1pPr>
-              <a:defRPr sz="2400">
-                <a:solidFill>
-                  <a:srgbClr val="FFFFFF"/>
-                </a:solidFill>
-              </a:defRPr>
-            </a:lvl1pPr>
-          </a:lstStyle>
-          <a:p>
-            <a:r>
-              <a:rPr dirty="0"/>
-              <a:t>In Bindings</a:t>
-            </a:r>
-            <a:r>
-              <a:rPr lang="en-CA" dirty="0"/>
-              <a:t>*</a:t>
-            </a:r>
-            <a:endParaRPr dirty="0"/>
-          </a:p>
-        </p:txBody>
-      </p:sp>
-      <p:sp>
-        <p:nvSpPr>
-          <p:cNvPr id="5" name="Shape 235">
-            <a:extLst>
-              <a:ext uri="{FF2B5EF4-FFF2-40B4-BE49-F238E27FC236}">
-                <a16:creationId xmlns:a16="http://schemas.microsoft.com/office/drawing/2014/main" id="{9C2E725D-55C2-40A7-BBC4-8E2FE621BEA9}"/>
-              </a:ext>
-            </a:extLst>
-          </p:cNvPr>
-          <p:cNvSpPr/>
-          <p:nvPr/>
-        </p:nvSpPr>
-        <p:spPr>
-          <a:xfrm>
-            <a:off x="9621578" y="5058439"/>
-            <a:ext cx="1520478" cy="1270000"/>
-          </a:xfrm>
-          <a:prstGeom prst="rect">
-            <a:avLst/>
-          </a:prstGeom>
-          <a:solidFill>
-            <a:srgbClr val="3298C8"/>
-          </a:solidFill>
-          <a:ln w="12700">
-            <a:miter lim="400000"/>
-          </a:ln>
-          <a:effectLst>
-            <a:outerShdw blurRad="38100" dist="25400" dir="5400000" rotWithShape="0">
-              <a:srgbClr val="000000">
-                <a:alpha val="50000"/>
-              </a:srgbClr>
-            </a:outerShdw>
-          </a:effectLst>
-          <a:extLst>
-            <a:ext uri="{C572A759-6A51-4108-AA02-DFA0A04FC94B}">
-              <ma14:wrappingTextBoxFlag xmlns:ma14="http://schemas.microsoft.com/office/mac/drawingml/2011/main" xmlns="" val="1"/>
-            </a:ext>
-          </a:extLst>
-        </p:spPr>
-        <p:txBody>
-          <a:bodyPr lIns="50800" tIns="50800" rIns="50800" bIns="50800" anchor="ctr"/>
-          <a:lstStyle>
-            <a:lvl1pPr>
-              <a:defRPr sz="2400">
-                <a:solidFill>
-                  <a:srgbClr val="FFFFFF"/>
-                </a:solidFill>
-              </a:defRPr>
-            </a:lvl1pPr>
-          </a:lstStyle>
-          <a:p>
-            <a:r>
-              <a:rPr dirty="0"/>
-              <a:t>Out Bindings</a:t>
-            </a:r>
-            <a:r>
-              <a:rPr lang="en-CA" dirty="0"/>
-              <a:t>*</a:t>
-            </a:r>
-            <a:endParaRPr dirty="0"/>
-          </a:p>
-        </p:txBody>
-      </p:sp>
-      <p:sp>
-        <p:nvSpPr>
-          <p:cNvPr id="6" name="Shape 236">
-            <a:extLst>
-              <a:ext uri="{FF2B5EF4-FFF2-40B4-BE49-F238E27FC236}">
-                <a16:creationId xmlns:a16="http://schemas.microsoft.com/office/drawing/2014/main" id="{9A7B56AE-F946-41A9-9272-AC8117B928DE}"/>
-              </a:ext>
-            </a:extLst>
-          </p:cNvPr>
-          <p:cNvSpPr/>
-          <p:nvPr/>
-        </p:nvSpPr>
-        <p:spPr>
-          <a:xfrm>
-            <a:off x="3419068" y="5693439"/>
-            <a:ext cx="1623018" cy="0"/>
-          </a:xfrm>
-          <a:prstGeom prst="line">
-            <a:avLst/>
-          </a:prstGeom>
-          <a:ln w="76200">
-            <a:solidFill>
-              <a:srgbClr val="3298C8"/>
-            </a:solidFill>
-            <a:miter lim="400000"/>
-            <a:tailEnd type="triangle"/>
-          </a:ln>
-        </p:spPr>
-        <p:txBody>
-          <a:bodyPr lIns="50800" tIns="50800" rIns="50800" bIns="50800" anchor="ctr"/>
+          <a:bodyPr/>
           <a:lstStyle/>
           <a:p>
-            <a:pPr>
-              <a:defRPr sz="2400"/>
-            </a:pPr>
-            <a:endParaRPr/>
-          </a:p>
-        </p:txBody>
-      </p:sp>
-      <p:pic>
-        <p:nvPicPr>
-          <p:cNvPr id="7" name="pasted-image.png">
-            <a:extLst>
-              <a:ext uri="{FF2B5EF4-FFF2-40B4-BE49-F238E27FC236}">
-                <a16:creationId xmlns:a16="http://schemas.microsoft.com/office/drawing/2014/main" id="{6D430963-BB18-44FE-8CEE-D1B3C75FE63E}"/>
-              </a:ext>
-            </a:extLst>
-          </p:cNvPr>
-          <p:cNvPicPr>
-            <a:picLocks noChangeAspect="1"/>
-          </p:cNvPicPr>
-          <p:nvPr/>
-        </p:nvPicPr>
-        <p:blipFill>
-          <a:blip r:embed="rId2">
-            <a:extLst/>
-          </a:blip>
-          <a:stretch>
-            <a:fillRect/>
-          </a:stretch>
-        </p:blipFill>
-        <p:spPr>
-          <a:xfrm>
-            <a:off x="5392577" y="4779039"/>
-            <a:ext cx="1905001" cy="1905000"/>
-          </a:xfrm>
-          <a:prstGeom prst="rect">
-            <a:avLst/>
-          </a:prstGeom>
-          <a:ln w="12700">
-            <a:miter lim="400000"/>
-          </a:ln>
-        </p:spPr>
-      </p:pic>
-      <p:sp>
-        <p:nvSpPr>
-          <p:cNvPr id="8" name="Shape 238">
-            <a:extLst>
-              <a:ext uri="{FF2B5EF4-FFF2-40B4-BE49-F238E27FC236}">
-                <a16:creationId xmlns:a16="http://schemas.microsoft.com/office/drawing/2014/main" id="{24C6B0D3-F96F-4910-AB4B-D63103F5A047}"/>
-              </a:ext>
-            </a:extLst>
-          </p:cNvPr>
-          <p:cNvSpPr/>
-          <p:nvPr/>
-        </p:nvSpPr>
-        <p:spPr>
-          <a:xfrm>
-            <a:off x="7648069" y="5693439"/>
-            <a:ext cx="1623017" cy="0"/>
-          </a:xfrm>
-          <a:prstGeom prst="line">
-            <a:avLst/>
-          </a:prstGeom>
-          <a:ln w="76200">
-            <a:solidFill>
-              <a:srgbClr val="3298C8"/>
-            </a:solidFill>
-            <a:miter lim="400000"/>
-            <a:tailEnd type="triangle"/>
-          </a:ln>
-        </p:spPr>
-        <p:txBody>
-          <a:bodyPr lIns="50800" tIns="50800" rIns="50800" bIns="50800" anchor="ctr"/>
-          <a:lstStyle/>
-          <a:p>
-            <a:pPr>
-              <a:defRPr sz="2400"/>
-            </a:pPr>
-            <a:endParaRPr/>
-          </a:p>
-        </p:txBody>
-      </p:sp>
-      <p:sp>
-        <p:nvSpPr>
-          <p:cNvPr id="9" name="Shape 239">
-            <a:extLst>
-              <a:ext uri="{FF2B5EF4-FFF2-40B4-BE49-F238E27FC236}">
-                <a16:creationId xmlns:a16="http://schemas.microsoft.com/office/drawing/2014/main" id="{DB70B8F8-7B46-4A4F-A089-98BC8455CA57}"/>
-              </a:ext>
-            </a:extLst>
-          </p:cNvPr>
-          <p:cNvSpPr/>
-          <p:nvPr/>
-        </p:nvSpPr>
-        <p:spPr>
-          <a:xfrm>
-            <a:off x="6345077" y="3156230"/>
-            <a:ext cx="1" cy="1226318"/>
-          </a:xfrm>
-          <a:prstGeom prst="line">
-            <a:avLst/>
-          </a:prstGeom>
-          <a:ln w="76200">
-            <a:solidFill>
-              <a:srgbClr val="3298C8"/>
-            </a:solidFill>
-            <a:miter lim="400000"/>
-            <a:tailEnd type="triangle"/>
-          </a:ln>
-        </p:spPr>
-        <p:txBody>
-          <a:bodyPr lIns="50800" tIns="50800" rIns="50800" bIns="50800" anchor="ctr"/>
-          <a:lstStyle/>
-          <a:p>
-            <a:pPr>
-              <a:defRPr sz="2400"/>
-            </a:pPr>
-            <a:endParaRPr/>
+            <a:r>
+              <a:rPr lang="en-US" dirty="0"/>
+              <a:t>The new App won’t have the full power of Excel</a:t>
+            </a:r>
+          </a:p>
+          <a:p>
+            <a:r>
+              <a:rPr lang="en-US" dirty="0"/>
+              <a:t>It takes time to transition to the new system</a:t>
+            </a:r>
+          </a:p>
+          <a:p>
+            <a:r>
+              <a:rPr lang="en-US" dirty="0"/>
+              <a:t>It will take a lot of time to get to the same performance with the new app</a:t>
+            </a:r>
           </a:p>
         </p:txBody>
       </p:sp>
     </p:spTree>
     <p:extLst>
       <p:ext uri="{BB962C8B-B14F-4D97-AF65-F5344CB8AC3E}">
-        <p14:creationId xmlns:p14="http://schemas.microsoft.com/office/powerpoint/2010/main" val="2142047554"/>
+        <p14:creationId xmlns:p14="http://schemas.microsoft.com/office/powerpoint/2010/main" val="487963781"/>
       </p:ext>
     </p:extLst>
   </p:cSld>
@@ -20569,7 +23623,7 @@
           <p:cNvPr id="2" name="Title 1">
             <a:extLst>
               <a:ext uri="{FF2B5EF4-FFF2-40B4-BE49-F238E27FC236}">
-                <a16:creationId xmlns:a16="http://schemas.microsoft.com/office/drawing/2014/main" id="{F4E7171A-C474-47DD-99BB-6E66C6F61314}"/>
+                <a16:creationId xmlns:a16="http://schemas.microsoft.com/office/drawing/2014/main" id="{BC234324-B7AB-4F7F-A606-A9D722E160AE}"/>
               </a:ext>
             </a:extLst>
           </p:cNvPr>
@@ -20586,77 +23640,62 @@
           <a:lstStyle/>
           <a:p>
             <a:r>
-              <a:rPr lang="en-CA" dirty="0"/>
-              <a:t>Custom Functions for Excel</a:t>
-            </a:r>
-            <a:endParaRPr lang="en-US" dirty="0"/>
+              <a:rPr lang="en-US" dirty="0"/>
+              <a:t>But we need to replace Excel!</a:t>
+            </a:r>
           </a:p>
         </p:txBody>
       </p:sp>
-      <p:pic>
-        <p:nvPicPr>
-          <p:cNvPr id="4" name="Picture 3" descr="A person wearing a suit and tie&#10;&#10;Description generated with very high confidence">
+      <p:sp>
+        <p:nvSpPr>
+          <p:cNvPr id="3" name="Content Placeholder 2">
             <a:extLst>
               <a:ext uri="{FF2B5EF4-FFF2-40B4-BE49-F238E27FC236}">
-                <a16:creationId xmlns:a16="http://schemas.microsoft.com/office/drawing/2014/main" id="{C0CC5C42-D466-4A0D-BBBC-36966748AD08}"/>
+                <a16:creationId xmlns:a16="http://schemas.microsoft.com/office/drawing/2014/main" id="{4D26D719-1186-4AC7-8FD9-70ADAD2FF5AE}"/>
               </a:ext>
             </a:extLst>
           </p:cNvPr>
-          <p:cNvPicPr>
-            <a:picLocks noChangeAspect="1"/>
-          </p:cNvPicPr>
-          <p:nvPr/>
-        </p:nvPicPr>
-        <p:blipFill>
-          <a:blip r:embed="rId2"/>
-          <a:stretch>
-            <a:fillRect/>
-          </a:stretch>
-        </p:blipFill>
-        <p:spPr>
-          <a:xfrm>
-            <a:off x="1389764" y="1678616"/>
-            <a:ext cx="4762500" cy="4762500"/>
-          </a:xfrm>
-          <a:prstGeom prst="rect">
-            <a:avLst/>
-          </a:prstGeom>
-        </p:spPr>
-      </p:pic>
-      <p:pic>
-        <p:nvPicPr>
-          <p:cNvPr id="6" name="Picture 5" descr="A picture containing person, man, indoor&#10;&#10;Description generated with high confidence">
-            <a:extLst>
-              <a:ext uri="{FF2B5EF4-FFF2-40B4-BE49-F238E27FC236}">
-                <a16:creationId xmlns:a16="http://schemas.microsoft.com/office/drawing/2014/main" id="{DE510F10-ADE1-4861-8CF8-2A5FE821C9F1}"/>
-              </a:ext>
-            </a:extLst>
-          </p:cNvPr>
-          <p:cNvPicPr>
-            <a:picLocks noChangeAspect="1"/>
-          </p:cNvPicPr>
-          <p:nvPr/>
-        </p:nvPicPr>
-        <p:blipFill>
-          <a:blip r:embed="rId3"/>
-          <a:stretch>
-            <a:fillRect/>
-          </a:stretch>
-        </p:blipFill>
-        <p:spPr>
-          <a:xfrm>
-            <a:off x="6760139" y="2154866"/>
-            <a:ext cx="3810000" cy="3810000"/>
-          </a:xfrm>
-          <a:prstGeom prst="rect">
-            <a:avLst/>
-          </a:prstGeom>
-        </p:spPr>
-      </p:pic>
+          <p:cNvSpPr>
+            <a:spLocks noGrp="1"/>
+          </p:cNvSpPr>
+          <p:nvPr>
+            <p:ph idx="1"/>
+          </p:nvPr>
+        </p:nvSpPr>
+        <p:spPr/>
+        <p:txBody>
+          <a:bodyPr/>
+          <a:lstStyle/>
+          <a:p>
+            <a:r>
+              <a:rPr lang="en-US" dirty="0"/>
+              <a:t>Excel Spreadsheets are hard to maintain</a:t>
+            </a:r>
+          </a:p>
+          <a:p>
+            <a:r>
+              <a:rPr lang="en-US" dirty="0"/>
+              <a:t>Spreadsheets don’t scale well</a:t>
+            </a:r>
+          </a:p>
+          <a:p>
+            <a:r>
+              <a:rPr lang="en-US" dirty="0"/>
+              <a:t>Spreadsheets need to be imported</a:t>
+            </a:r>
+          </a:p>
+          <a:p>
+            <a:r>
+              <a:rPr lang="en-US" dirty="0"/>
+              <a:t>VBA is a pain ;)</a:t>
+            </a:r>
+          </a:p>
+        </p:txBody>
+      </p:sp>
     </p:spTree>
     <p:extLst>
       <p:ext uri="{BB962C8B-B14F-4D97-AF65-F5344CB8AC3E}">
-        <p14:creationId xmlns:p14="http://schemas.microsoft.com/office/powerpoint/2010/main" val="3843400752"/>
+        <p14:creationId xmlns:p14="http://schemas.microsoft.com/office/powerpoint/2010/main" val="3900671312"/>
       </p:ext>
     </p:extLst>
   </p:cSld>
@@ -20667,7 +23706,7 @@
 </file>
 
 <file path=ppt/slides/slide9.xml><?xml version="1.0" encoding="utf-8"?>
-<p:sld xmlns:a="http://schemas.openxmlformats.org/drawingml/2006/main" xmlns:r="http://schemas.openxmlformats.org/officeDocument/2006/relationships" xmlns:p="http://schemas.openxmlformats.org/presentationml/2006/main">
+<p:sld xmlns:a="http://schemas.openxmlformats.org/drawingml/2006/main" xmlns:r="http://schemas.openxmlformats.org/officeDocument/2006/relationships" xmlns:p="http://schemas.openxmlformats.org/presentationml/2006/main" show="0">
   <p:cSld>
     <p:spTree>
       <p:nvGrpSpPr>
@@ -20683,39 +23722,86 @@
           <a:chExt cx="0" cy="0"/>
         </a:xfrm>
       </p:grpSpPr>
-      <p:pic>
-        <p:nvPicPr>
-          <p:cNvPr id="2" name="Picture 1">
+      <p:sp>
+        <p:nvSpPr>
+          <p:cNvPr id="2" name="Title 1">
             <a:extLst>
               <a:ext uri="{FF2B5EF4-FFF2-40B4-BE49-F238E27FC236}">
-                <a16:creationId xmlns:a16="http://schemas.microsoft.com/office/drawing/2014/main" id="{DD285D8E-2230-47BF-9EE5-AC3EAC9BA772}"/>
+                <a16:creationId xmlns:a16="http://schemas.microsoft.com/office/drawing/2014/main" id="{3E6AA82C-44B3-464E-B7D7-AE12251B9FDD}"/>
               </a:ext>
             </a:extLst>
           </p:cNvPr>
-          <p:cNvPicPr>
-            <a:picLocks noChangeAspect="1"/>
-          </p:cNvPicPr>
-          <p:nvPr/>
-        </p:nvPicPr>
-        <p:blipFill rotWithShape="1">
-          <a:blip r:embed="rId2"/>
-          <a:srcRect b="2731"/>
-          <a:stretch/>
-        </p:blipFill>
-        <p:spPr>
-          <a:xfrm>
-            <a:off x="0" y="0"/>
-            <a:ext cx="12192000" cy="6858000"/>
-          </a:xfrm>
-          <a:prstGeom prst="rect">
-            <a:avLst/>
-          </a:prstGeom>
-        </p:spPr>
-      </p:pic>
+          <p:cNvSpPr>
+            <a:spLocks noGrp="1"/>
+          </p:cNvSpPr>
+          <p:nvPr>
+            <p:ph type="title"/>
+          </p:nvPr>
+        </p:nvSpPr>
+        <p:spPr/>
+        <p:txBody>
+          <a:bodyPr/>
+          <a:lstStyle/>
+          <a:p>
+            <a:r>
+              <a:rPr lang="en-US" dirty="0"/>
+              <a:t>There is a silver lining!</a:t>
+            </a:r>
+          </a:p>
+        </p:txBody>
+      </p:sp>
+      <p:sp>
+        <p:nvSpPr>
+          <p:cNvPr id="3" name="Content Placeholder 2">
+            <a:extLst>
+              <a:ext uri="{FF2B5EF4-FFF2-40B4-BE49-F238E27FC236}">
+                <a16:creationId xmlns:a16="http://schemas.microsoft.com/office/drawing/2014/main" id="{25C1A4F5-D149-498B-B4D2-6384D9E10A52}"/>
+              </a:ext>
+            </a:extLst>
+          </p:cNvPr>
+          <p:cNvSpPr>
+            <a:spLocks noGrp="1"/>
+          </p:cNvSpPr>
+          <p:nvPr>
+            <p:ph idx="1"/>
+          </p:nvPr>
+        </p:nvSpPr>
+        <p:spPr/>
+        <p:txBody>
+          <a:bodyPr/>
+          <a:lstStyle/>
+          <a:p>
+            <a:r>
+              <a:rPr lang="en-US" dirty="0"/>
+              <a:t>Custom Functions in Excel (preview)</a:t>
+            </a:r>
+          </a:p>
+          <a:p>
+            <a:r>
+              <a:rPr lang="en-US" dirty="0"/>
+              <a:t>Part of new Add-In system using JavaScript (Office 2016+; Excel, Word, </a:t>
+            </a:r>
+            <a:r>
+              <a:rPr lang="en-US" dirty="0" err="1"/>
+              <a:t>Powerpoint</a:t>
+            </a:r>
+            <a:r>
+              <a:rPr lang="en-US" dirty="0"/>
+              <a:t>, Outlook)</a:t>
+            </a:r>
+          </a:p>
+          <a:p>
+            <a:r>
+              <a:rPr lang="en-US" dirty="0"/>
+              <a:t>Deployable individually and Tenant-wide</a:t>
+            </a:r>
+          </a:p>
+        </p:txBody>
+      </p:sp>
     </p:spTree>
     <p:extLst>
       <p:ext uri="{BB962C8B-B14F-4D97-AF65-F5344CB8AC3E}">
-        <p14:creationId xmlns:p14="http://schemas.microsoft.com/office/powerpoint/2010/main" val="4094622271"/>
+        <p14:creationId xmlns:p14="http://schemas.microsoft.com/office/powerpoint/2010/main" val="367917897"/>
       </p:ext>
     </p:extLst>
   </p:cSld>

--- a/Custom Functions for Excel with Azure Functions.pptx
+++ b/Custom Functions for Excel with Azure Functions.pptx
@@ -6,7 +6,7 @@
     <p:sldMasterId id="2147483660" r:id="rId2"/>
   </p:sldMasterIdLst>
   <p:notesMasterIdLst>
-    <p:notesMasterId r:id="rId33"/>
+    <p:notesMasterId r:id="rId34"/>
   </p:notesMasterIdLst>
   <p:sldIdLst>
     <p:sldId id="256" r:id="rId3"/>
@@ -37,8 +37,9 @@
     <p:sldId id="1828" r:id="rId28"/>
     <p:sldId id="1845" r:id="rId29"/>
     <p:sldId id="1831" r:id="rId30"/>
-    <p:sldId id="1832" r:id="rId31"/>
-    <p:sldId id="1833" r:id="rId32"/>
+    <p:sldId id="1846" r:id="rId31"/>
+    <p:sldId id="1832" r:id="rId32"/>
+    <p:sldId id="1833" r:id="rId33"/>
   </p:sldIdLst>
   <p:sldSz cx="12192000" cy="6858000"/>
   <p:notesSz cx="6858000" cy="9144000"/>
@@ -271,12 +272,12 @@
                   <a:bodyPr/>
                   <a:lstStyle/>
                   <a:p>
-                    <a:fld id="{D5E231BB-FAB9-4B32-BFB3-E9BC018A22AC}" type="CELLRANGE">
+                    <a:fld id="{CF4DF2D2-9904-45A1-803F-5CE7EB70B705}" type="CELLRANGE">
                       <a:rPr lang="en-US"/>
                       <a:pPr/>
                       <a:t>[CELLRANGE]</a:t>
                     </a:fld>
-                    <a:endParaRPr lang="en-US"/>
+                    <a:endParaRPr lang="en-DE"/>
                   </a:p>
                 </c:rich>
               </c:tx>
@@ -304,12 +305,12 @@
                   <a:bodyPr/>
                   <a:lstStyle/>
                   <a:p>
-                    <a:fld id="{4869B7F1-FFA0-4C64-91FB-5B232DDFAC29}" type="CELLRANGE">
-                      <a:rPr lang="en-US"/>
+                    <a:fld id="{6CEF8FA5-9B53-4F7B-9221-81BA94553E2E}" type="CELLRANGE">
+                      <a:rPr lang="en-DE"/>
                       <a:pPr/>
                       <a:t>[CELLRANGE]</a:t>
                     </a:fld>
-                    <a:endParaRPr lang="en-US"/>
+                    <a:endParaRPr lang="en-DE"/>
                   </a:p>
                 </c:rich>
               </c:tx>
@@ -338,12 +339,12 @@
                   <a:bodyPr/>
                   <a:lstStyle/>
                   <a:p>
-                    <a:fld id="{33B1652F-1B84-46A5-A467-D46D7A8C6D6E}" type="CELLRANGE">
-                      <a:rPr lang="en-US"/>
+                    <a:fld id="{BDE71A92-FF9D-409D-8DB0-8D62BF666728}" type="CELLRANGE">
+                      <a:rPr lang="en-DE"/>
                       <a:pPr/>
                       <a:t>[CELLRANGE]</a:t>
                     </a:fld>
-                    <a:endParaRPr lang="en-US"/>
+                    <a:endParaRPr lang="en-DE"/>
                   </a:p>
                 </c:rich>
               </c:tx>
@@ -372,12 +373,12 @@
                   <a:bodyPr/>
                   <a:lstStyle/>
                   <a:p>
-                    <a:fld id="{DEE6C532-0AFF-4BF0-848F-464341EDB4F2}" type="CELLRANGE">
-                      <a:rPr lang="en-US"/>
+                    <a:fld id="{B6DD1050-6120-4382-82C3-610BB02C8B0D}" type="CELLRANGE">
+                      <a:rPr lang="en-DE"/>
                       <a:pPr/>
                       <a:t>[CELLRANGE]</a:t>
                     </a:fld>
-                    <a:endParaRPr lang="en-US"/>
+                    <a:endParaRPr lang="en-DE"/>
                   </a:p>
                 </c:rich>
               </c:tx>
@@ -406,12 +407,12 @@
                   <a:bodyPr/>
                   <a:lstStyle/>
                   <a:p>
-                    <a:fld id="{1266DAA1-0E26-4424-A0BE-061F40FC4C27}" type="CELLRANGE">
-                      <a:rPr lang="en-US"/>
+                    <a:fld id="{007D93E7-34D6-46AE-9BCE-720FAB4A0F42}" type="CELLRANGE">
+                      <a:rPr lang="en-DE"/>
                       <a:pPr/>
                       <a:t>[CELLRANGE]</a:t>
                     </a:fld>
-                    <a:endParaRPr lang="en-US"/>
+                    <a:endParaRPr lang="en-DE"/>
                   </a:p>
                 </c:rich>
               </c:tx>
@@ -598,12 +599,12 @@
                   <a:bodyPr/>
                   <a:lstStyle/>
                   <a:p>
-                    <a:fld id="{7A5B1DC6-F8E3-437B-8956-B113AD4BF413}" type="CELLRANGE">
+                    <a:fld id="{9F4FC9C4-9A34-4DAB-AAB6-D793E0F5194A}" type="CELLRANGE">
                       <a:rPr lang="en-US"/>
                       <a:pPr/>
                       <a:t>[CELLRANGE]</a:t>
                     </a:fld>
-                    <a:endParaRPr lang="en-US"/>
+                    <a:endParaRPr lang="en-DE"/>
                   </a:p>
                 </c:rich>
               </c:tx>
@@ -630,12 +631,12 @@
                   <a:bodyPr/>
                   <a:lstStyle/>
                   <a:p>
-                    <a:fld id="{AF3D1642-86B6-40C2-8460-ED971677C081}" type="CELLRANGE">
-                      <a:rPr lang="en-US"/>
+                    <a:fld id="{E4849C48-72CC-46CC-A711-8E242355ECFF}" type="CELLRANGE">
+                      <a:rPr lang="en-DE"/>
                       <a:pPr/>
                       <a:t>[CELLRANGE]</a:t>
                     </a:fld>
-                    <a:endParaRPr lang="en-US"/>
+                    <a:endParaRPr lang="en-DE"/>
                   </a:p>
                 </c:rich>
               </c:tx>
@@ -663,12 +664,12 @@
                   <a:bodyPr/>
                   <a:lstStyle/>
                   <a:p>
-                    <a:fld id="{95814418-AEEF-44F4-99DA-3106ABD3D492}" type="CELLRANGE">
-                      <a:rPr lang="en-US"/>
+                    <a:fld id="{9B0A52A7-5FF6-40AF-A240-9FCEA2934044}" type="CELLRANGE">
+                      <a:rPr lang="en-DE"/>
                       <a:pPr/>
                       <a:t>[CELLRANGE]</a:t>
                     </a:fld>
-                    <a:endParaRPr lang="en-US"/>
+                    <a:endParaRPr lang="en-DE"/>
                   </a:p>
                 </c:rich>
               </c:tx>
@@ -696,12 +697,12 @@
                   <a:bodyPr/>
                   <a:lstStyle/>
                   <a:p>
-                    <a:fld id="{2C7C2340-865E-4FCF-8085-1E7D26E8F97E}" type="CELLRANGE">
-                      <a:rPr lang="en-US"/>
+                    <a:fld id="{DF5A5BD4-60A4-430D-8208-AE32B78049E0}" type="CELLRANGE">
+                      <a:rPr lang="en-DE"/>
                       <a:pPr/>
                       <a:t>[CELLRANGE]</a:t>
                     </a:fld>
-                    <a:endParaRPr lang="en-US"/>
+                    <a:endParaRPr lang="en-DE"/>
                   </a:p>
                 </c:rich>
               </c:tx>
@@ -729,12 +730,12 @@
                   <a:bodyPr/>
                   <a:lstStyle/>
                   <a:p>
-                    <a:fld id="{3FA0473D-DD86-4464-A0CD-5A18C67E39E1}" type="CELLRANGE">
-                      <a:rPr lang="en-US"/>
+                    <a:fld id="{A7D63694-63BF-4664-93C2-B635B0805A0C}" type="CELLRANGE">
+                      <a:rPr lang="en-DE"/>
                       <a:pPr/>
                       <a:t>[CELLRANGE]</a:t>
                     </a:fld>
-                    <a:endParaRPr lang="en-US"/>
+                    <a:endParaRPr lang="en-DE"/>
                   </a:p>
                 </c:rich>
               </c:tx>
@@ -906,7 +907,7 @@
                 <a:cs typeface="+mn-cs"/>
               </a:defRPr>
             </a:pPr>
-            <a:endParaRPr lang="en-US"/>
+            <a:endParaRPr lang="en-DE"/>
           </a:p>
         </c:txPr>
         <c:crossAx val="774536872"/>
@@ -1001,7 +1002,7 @@
                 <a:cs typeface="+mn-cs"/>
               </a:defRPr>
             </a:pPr>
-            <a:endParaRPr lang="en-US"/>
+            <a:endParaRPr lang="en-DE"/>
           </a:p>
         </c:txPr>
         <c:crossAx val="886016424"/>
@@ -1026,7 +1027,7 @@
       <a:pPr>
         <a:defRPr/>
       </a:pPr>
-      <a:endParaRPr lang="en-US"/>
+      <a:endParaRPr lang="en-DE"/>
     </a:p>
   </c:txPr>
   <c:externalData r:id="rId1">
@@ -1557,7 +1558,7 @@
           <a:p>
             <a:fld id="{3FB708FD-E3AE-4119-BC7B-2A0B7B629D23}" type="datetimeFigureOut">
               <a:rPr lang="en-US" smtClean="0"/>
-              <a:t>9/4/2019</a:t>
+              <a:t>11/28/2020</a:t>
             </a:fld>
             <a:endParaRPr lang="en-US"/>
           </a:p>
@@ -2185,7 +2186,7 @@
           <a:p>
             <a:fld id="{9AB3A824-1A51-4B26-AD58-A6D8E14F6C04}" type="datetimeFigureOut">
               <a:rPr lang="en-US" dirty="0"/>
-              <a:t>9/4/2019</a:t>
+              <a:t>11/28/2020</a:t>
             </a:fld>
             <a:endParaRPr lang="en-US" dirty="0"/>
           </a:p>
@@ -2519,7 +2520,7 @@
           <a:p>
             <a:fld id="{D857E33E-8B18-4087-B112-809917729534}" type="datetimeFigureOut">
               <a:rPr lang="en-US" dirty="0"/>
-              <a:t>9/4/2019</a:t>
+              <a:t>11/28/2020</a:t>
             </a:fld>
             <a:endParaRPr lang="en-US" dirty="0"/>
           </a:p>
@@ -2821,7 +2822,7 @@
           <a:p>
             <a:fld id="{D3FFE419-2371-464F-8239-3959401C3561}" type="datetimeFigureOut">
               <a:rPr lang="en-US" dirty="0"/>
-              <a:t>9/4/2019</a:t>
+              <a:t>11/28/2020</a:t>
             </a:fld>
             <a:endParaRPr lang="en-US" dirty="0"/>
           </a:p>
@@ -6253,7 +6254,7 @@
           <a:p>
             <a:fld id="{97D162C4-EDD9-4389-A98B-B87ECEA2A816}" type="datetimeFigureOut">
               <a:rPr lang="en-US" dirty="0"/>
-              <a:t>9/4/2019</a:t>
+              <a:t>11/28/2020</a:t>
             </a:fld>
             <a:endParaRPr lang="en-US" dirty="0"/>
           </a:p>
@@ -8584,7 +8585,7 @@
           <a:p>
             <a:fld id="{3E5059C3-6A89-4494-99FF-5A4D6FFD50EB}" type="datetimeFigureOut">
               <a:rPr lang="en-US" dirty="0"/>
-              <a:t>9/4/2019</a:t>
+              <a:t>11/28/2020</a:t>
             </a:fld>
             <a:endParaRPr lang="en-US" dirty="0"/>
           </a:p>
@@ -9655,7 +9656,7 @@
                 <a:tabLst/>
                 <a:defRPr/>
               </a:pPr>
-              <a:t>9/4/2019</a:t>
+              <a:t>11/28/2020</a:t>
             </a:fld>
             <a:endParaRPr kumimoji="0" lang="en-US" sz="1765" b="0" i="0" u="none" strike="noStrike" kern="1200" cap="none" spc="0" normalizeH="0" baseline="0" noProof="0">
               <a:ln>
@@ -10370,7 +10371,7 @@
           <a:p>
             <a:fld id="{CA954B2F-12DE-47F5-8894-472B206D2E1E}" type="datetimeFigureOut">
               <a:rPr lang="en-US" dirty="0"/>
-              <a:t>9/4/2019</a:t>
+              <a:t>11/28/2020</a:t>
             </a:fld>
             <a:endParaRPr lang="en-US" dirty="0"/>
           </a:p>
@@ -10914,7 +10915,7 @@
           <a:p>
             <a:fld id="{3F30E46F-7819-4ACF-B48B-48222C2ACC88}" type="datetimeFigureOut">
               <a:rPr lang="en-US" dirty="0"/>
-              <a:t>9/4/2019</a:t>
+              <a:t>11/28/2020</a:t>
             </a:fld>
             <a:endParaRPr lang="en-US" dirty="0"/>
           </a:p>
@@ -11109,7 +11110,7 @@
           <a:p>
             <a:fld id="{1FAF3416-4057-4DAA-829D-4CA07428D088}" type="datetimeFigureOut">
               <a:rPr lang="en-US" dirty="0"/>
-              <a:t>9/4/2019</a:t>
+              <a:t>11/28/2020</a:t>
             </a:fld>
             <a:endParaRPr lang="en-US" dirty="0"/>
           </a:p>
@@ -11322,7 +11323,7 @@
           <a:p>
             <a:fld id="{921D9284-D300-4297-87F7-E791DCC15DB1}" type="datetimeFigureOut">
               <a:rPr lang="en-US" dirty="0"/>
-              <a:t>9/4/2019</a:t>
+              <a:t>11/28/2020</a:t>
             </a:fld>
             <a:endParaRPr lang="en-US" dirty="0"/>
           </a:p>
@@ -11691,7 +11692,7 @@
           <a:p>
             <a:fld id="{37D525BB-DA17-4BA0-B3C8-3AC3ABC827E6}" type="datetimeFigureOut">
               <a:rPr lang="en-US" dirty="0"/>
-              <a:t>9/4/2019</a:t>
+              <a:t>11/28/2020</a:t>
             </a:fld>
             <a:endParaRPr lang="en-US" dirty="0"/>
           </a:p>
@@ -12094,7 +12095,7 @@
           <a:p>
             <a:fld id="{B16C4C9A-3960-41CF-A4E9-2A8FB932454B}" type="datetimeFigureOut">
               <a:rPr lang="en-US" dirty="0"/>
-              <a:t>9/4/2019</a:t>
+              <a:t>11/28/2020</a:t>
             </a:fld>
             <a:endParaRPr lang="en-US" dirty="0"/>
           </a:p>
@@ -12432,7 +12433,7 @@
           <a:p>
             <a:fld id="{3CBC1C18-307B-4F68-A007-B5B542270E8D}" type="datetimeFigureOut">
               <a:rPr lang="en-US" dirty="0"/>
-              <a:t>9/4/2019</a:t>
+              <a:t>11/28/2020</a:t>
             </a:fld>
             <a:endParaRPr lang="en-US" dirty="0"/>
           </a:p>
@@ -15300,7 +15301,7 @@
 </file>
 
 <file path=ppt/slides/slide10.xml><?xml version="1.0" encoding="utf-8"?>
-<p:sld xmlns:a="http://schemas.openxmlformats.org/drawingml/2006/main" xmlns:r="http://schemas.openxmlformats.org/officeDocument/2006/relationships" xmlns:p="http://schemas.openxmlformats.org/presentationml/2006/main" show="0">
+<p:sld xmlns:a="http://schemas.openxmlformats.org/drawingml/2006/main" xmlns:r="http://schemas.openxmlformats.org/officeDocument/2006/relationships" xmlns:p="http://schemas.openxmlformats.org/presentationml/2006/main">
   <p:cSld>
     <p:spTree>
       <p:nvGrpSpPr>
@@ -15412,7 +15413,7 @@
 </file>
 
 <file path=ppt/slides/slide11.xml><?xml version="1.0" encoding="utf-8"?>
-<p:sld xmlns:a="http://schemas.openxmlformats.org/drawingml/2006/main" xmlns:r="http://schemas.openxmlformats.org/officeDocument/2006/relationships" xmlns:p="http://schemas.openxmlformats.org/presentationml/2006/main" show="0">
+<p:sld xmlns:a="http://schemas.openxmlformats.org/drawingml/2006/main" xmlns:r="http://schemas.openxmlformats.org/officeDocument/2006/relationships" xmlns:p="http://schemas.openxmlformats.org/presentationml/2006/main">
   <p:cSld>
     <p:spTree>
       <p:nvGrpSpPr>
@@ -15619,7 +15620,7 @@
 </file>
 
 <file path=ppt/slides/slide12.xml><?xml version="1.0" encoding="utf-8"?>
-<p:sld xmlns:a="http://schemas.openxmlformats.org/drawingml/2006/main" xmlns:r="http://schemas.openxmlformats.org/officeDocument/2006/relationships" xmlns:p="http://schemas.openxmlformats.org/presentationml/2006/main" show="0">
+<p:sld xmlns:a="http://schemas.openxmlformats.org/drawingml/2006/main" xmlns:r="http://schemas.openxmlformats.org/officeDocument/2006/relationships" xmlns:p="http://schemas.openxmlformats.org/presentationml/2006/main">
   <p:cSld>
     <p:spTree>
       <p:nvGrpSpPr>
@@ -15842,7 +15843,7 @@
 </file>
 
 <file path=ppt/slides/slide13.xml><?xml version="1.0" encoding="utf-8"?>
-<p:sld xmlns:a="http://schemas.openxmlformats.org/drawingml/2006/main" xmlns:r="http://schemas.openxmlformats.org/officeDocument/2006/relationships" xmlns:p="http://schemas.openxmlformats.org/presentationml/2006/main" show="0">
+<p:sld xmlns:a="http://schemas.openxmlformats.org/drawingml/2006/main" xmlns:r="http://schemas.openxmlformats.org/officeDocument/2006/relationships" xmlns:p="http://schemas.openxmlformats.org/presentationml/2006/main">
   <p:cSld>
     <p:spTree>
       <p:nvGrpSpPr>
@@ -16267,7 +16268,7 @@
 </file>
 
 <file path=ppt/slides/slide14.xml><?xml version="1.0" encoding="utf-8"?>
-<p:sld xmlns:a="http://schemas.openxmlformats.org/drawingml/2006/main" xmlns:r="http://schemas.openxmlformats.org/officeDocument/2006/relationships" xmlns:p="http://schemas.openxmlformats.org/presentationml/2006/main" show="0">
+<p:sld xmlns:a="http://schemas.openxmlformats.org/drawingml/2006/main" xmlns:r="http://schemas.openxmlformats.org/officeDocument/2006/relationships" xmlns:p="http://schemas.openxmlformats.org/presentationml/2006/main">
   <p:cSld>
     <p:spTree>
       <p:nvGrpSpPr>
@@ -16689,7 +16690,7 @@
 </file>
 
 <file path=ppt/slides/slide15.xml><?xml version="1.0" encoding="utf-8"?>
-<p:sld xmlns:a="http://schemas.openxmlformats.org/drawingml/2006/main" xmlns:r="http://schemas.openxmlformats.org/officeDocument/2006/relationships" xmlns:p="http://schemas.openxmlformats.org/presentationml/2006/main" show="0">
+<p:sld xmlns:a="http://schemas.openxmlformats.org/drawingml/2006/main" xmlns:r="http://schemas.openxmlformats.org/officeDocument/2006/relationships" xmlns:p="http://schemas.openxmlformats.org/presentationml/2006/main">
   <p:cSld>
     <p:spTree>
       <p:nvGrpSpPr>
@@ -17990,7 +17991,17 @@
           <a:p>
             <a:r>
               <a:rPr lang="en-US" sz="1800" dirty="0"/>
-              <a:t>Software engineer</a:t>
+              <a:t>Cloud architect</a:t>
+            </a:r>
+          </a:p>
+          <a:p>
+            <a:r>
+              <a:rPr lang="en-US" sz="1800" dirty="0" err="1"/>
+              <a:t>DevSecurity</a:t>
+            </a:r>
+            <a:r>
+              <a:rPr lang="en-US" sz="1800" dirty="0"/>
+              <a:t> Expert</a:t>
             </a:r>
           </a:p>
           <a:p>
@@ -18016,13 +18027,14 @@
           <a:p>
             <a:r>
               <a:rPr lang="en-US" sz="1800" dirty="0"/>
-              <a:t>From Germany</a:t>
-            </a:r>
-          </a:p>
-          <a:p>
-            <a:r>
-              <a:rPr lang="en-US" sz="1800" dirty="0"/>
-              <a:t>Used to live in Canada</a:t>
+              <a:t>Running DevTalks.de</a:t>
+            </a:r>
+          </a:p>
+          <a:p>
+            <a:pPr lvl="1"/>
+            <a:r>
+              <a:rPr lang="en-US" sz="1600" dirty="0"/>
+              <a:t>Next DevTalks 1.12. 9pm: Holger Schwichtenberg</a:t>
             </a:r>
           </a:p>
         </p:txBody>
@@ -20246,7 +20258,7 @@
 </file>
 
 <file path=ppt/slides/slide24.xml><?xml version="1.0" encoding="utf-8"?>
-<p:sld xmlns:a="http://schemas.openxmlformats.org/drawingml/2006/main" xmlns:r="http://schemas.openxmlformats.org/officeDocument/2006/relationships" xmlns:p="http://schemas.openxmlformats.org/presentationml/2006/main">
+<p:sld xmlns:a="http://schemas.openxmlformats.org/drawingml/2006/main" xmlns:r="http://schemas.openxmlformats.org/officeDocument/2006/relationships" xmlns:p="http://schemas.openxmlformats.org/presentationml/2006/main" show="0">
   <p:cSld>
     <p:spTree>
       <p:nvGrpSpPr>
@@ -20334,7 +20346,7 @@
 </file>
 
 <file path=ppt/slides/slide25.xml><?xml version="1.0" encoding="utf-8"?>
-<p:sld xmlns:a="http://schemas.openxmlformats.org/drawingml/2006/main" xmlns:r="http://schemas.openxmlformats.org/officeDocument/2006/relationships" xmlns:p="http://schemas.openxmlformats.org/presentationml/2006/main">
+<p:sld xmlns:a="http://schemas.openxmlformats.org/drawingml/2006/main" xmlns:r="http://schemas.openxmlformats.org/officeDocument/2006/relationships" xmlns:p="http://schemas.openxmlformats.org/presentationml/2006/main" show="0">
   <p:cSld>
     <p:spTree>
       <p:nvGrpSpPr>
@@ -20861,7 +20873,7 @@
 </file>
 
 <file path=ppt/slides/slide26.xml><?xml version="1.0" encoding="utf-8"?>
-<p:sld xmlns:a="http://schemas.openxmlformats.org/drawingml/2006/main" xmlns:r="http://schemas.openxmlformats.org/officeDocument/2006/relationships" xmlns:p="http://schemas.openxmlformats.org/presentationml/2006/main">
+<p:sld xmlns:a="http://schemas.openxmlformats.org/drawingml/2006/main" xmlns:r="http://schemas.openxmlformats.org/officeDocument/2006/relationships" xmlns:p="http://schemas.openxmlformats.org/presentationml/2006/main" show="0">
   <p:cSld>
     <p:spTree>
       <p:nvGrpSpPr>
@@ -20949,7 +20961,7 @@
 </file>
 
 <file path=ppt/slides/slide27.xml><?xml version="1.0" encoding="utf-8"?>
-<p:sld xmlns:a="http://schemas.openxmlformats.org/drawingml/2006/main" xmlns:r="http://schemas.openxmlformats.org/officeDocument/2006/relationships" xmlns:p="http://schemas.openxmlformats.org/presentationml/2006/main">
+<p:sld xmlns:a="http://schemas.openxmlformats.org/drawingml/2006/main" xmlns:r="http://schemas.openxmlformats.org/officeDocument/2006/relationships" xmlns:p="http://schemas.openxmlformats.org/presentationml/2006/main" show="0">
   <p:cSld>
     <p:spTree>
       <p:nvGrpSpPr>
@@ -21037,7 +21049,7 @@
 </file>
 
 <file path=ppt/slides/slide28.xml><?xml version="1.0" encoding="utf-8"?>
-<p:sld xmlns:a="http://schemas.openxmlformats.org/drawingml/2006/main" xmlns:r="http://schemas.openxmlformats.org/officeDocument/2006/relationships" xmlns:p="http://schemas.openxmlformats.org/presentationml/2006/main">
+<p:sld xmlns:a="http://schemas.openxmlformats.org/drawingml/2006/main" xmlns:r="http://schemas.openxmlformats.org/officeDocument/2006/relationships" xmlns:p="http://schemas.openxmlformats.org/presentationml/2006/main" show="0">
   <p:cSld>
     <p:spTree>
       <p:nvGrpSpPr>
@@ -21152,6 +21164,15 @@
 <file path=ppt/slides/slide29.xml><?xml version="1.0" encoding="utf-8"?>
 <p:sld xmlns:a="http://schemas.openxmlformats.org/drawingml/2006/main" xmlns:r="http://schemas.openxmlformats.org/officeDocument/2006/relationships" xmlns:p="http://schemas.openxmlformats.org/presentationml/2006/main">
   <p:cSld>
+    <p:bg>
+      <p:bgPr>
+        <a:blipFill rotWithShape="1">
+          <a:blip r:embed="rId2"/>
+          <a:stretch/>
+        </a:blipFill>
+        <a:effectLst/>
+      </p:bgPr>
+    </p:bg>
     <p:spTree>
       <p:nvGrpSpPr>
         <p:cNvPr id="1" name=""/>
@@ -21166,12 +21187,354 @@
           <a:chExt cx="0" cy="0"/>
         </a:xfrm>
       </p:grpSpPr>
+      <p:sp useBgFill="1">
+        <p:nvSpPr>
+          <p:cNvPr id="11" name="Rectangle 10">
+            <a:extLst>
+              <a:ext uri="{FF2B5EF4-FFF2-40B4-BE49-F238E27FC236}">
+                <a16:creationId xmlns:a16="http://schemas.microsoft.com/office/drawing/2014/main" id="{624A1565-B7E1-4C59-84A2-5831F11608D7}"/>
+              </a:ext>
+              <a:ext uri="{C183D7F6-B498-43B3-948B-1728B52AA6E4}">
+                <adec:decorative xmlns:adec="http://schemas.microsoft.com/office/drawing/2017/decorative" val="1"/>
+              </a:ext>
+            </a:extLst>
+          </p:cNvPr>
+          <p:cNvSpPr>
+            <a:spLocks noGrp="1" noRot="1" noChangeAspect="1" noMove="1" noResize="1" noEditPoints="1" noAdjustHandles="1" noChangeArrowheads="1" noChangeShapeType="1" noTextEdit="1"/>
+          </p:cNvSpPr>
+          <p:nvPr>
+            <p:extLst>
+              <p:ext uri="{386F3935-93C4-4BCD-93E2-E3B085C9AB24}">
+                <p16:designElem xmlns:p16="http://schemas.microsoft.com/office/powerpoint/2015/main" val="1"/>
+              </p:ext>
+            </p:extLst>
+          </p:nvPr>
+        </p:nvSpPr>
+        <p:spPr>
+          <a:xfrm>
+            <a:off x="0" y="0"/>
+            <a:ext cx="12189867" cy="6855282"/>
+          </a:xfrm>
+          <a:prstGeom prst="rect">
+            <a:avLst/>
+          </a:prstGeom>
+          <a:ln>
+            <a:noFill/>
+          </a:ln>
+        </p:spPr>
+        <p:style>
+          <a:lnRef idx="2">
+            <a:schemeClr val="accent1">
+              <a:shade val="50000"/>
+            </a:schemeClr>
+          </a:lnRef>
+          <a:fillRef idx="1">
+            <a:schemeClr val="accent1"/>
+          </a:fillRef>
+          <a:effectRef idx="0">
+            <a:schemeClr val="accent1"/>
+          </a:effectRef>
+          <a:fontRef idx="minor">
+            <a:schemeClr val="lt1"/>
+          </a:fontRef>
+        </p:style>
+        <p:txBody>
+          <a:bodyPr rtlCol="0" anchor="ctr"/>
+          <a:lstStyle/>
+          <a:p>
+            <a:pPr algn="ctr"/>
+            <a:endParaRPr lang="en-US"/>
+          </a:p>
+        </p:txBody>
+      </p:sp>
+      <p:pic>
+        <p:nvPicPr>
+          <p:cNvPr id="13" name="Picture 12">
+            <a:extLst>
+              <a:ext uri="{FF2B5EF4-FFF2-40B4-BE49-F238E27FC236}">
+                <a16:creationId xmlns:a16="http://schemas.microsoft.com/office/drawing/2014/main" id="{3B8B134C-47B2-49B8-B810-2931B20EA760}"/>
+              </a:ext>
+              <a:ext uri="{C183D7F6-B498-43B3-948B-1728B52AA6E4}">
+                <adec:decorative xmlns:adec="http://schemas.microsoft.com/office/drawing/2017/decorative" val="1"/>
+              </a:ext>
+            </a:extLst>
+          </p:cNvPr>
+          <p:cNvPicPr>
+            <a:picLocks noGrp="1" noRot="1" noChangeAspect="1" noMove="1" noResize="1" noEditPoints="1" noAdjustHandles="1" noChangeArrowheads="1" noChangeShapeType="1" noCrop="1"/>
+          </p:cNvPicPr>
+          <p:nvPr>
+            <p:extLst>
+              <p:ext uri="{386F3935-93C4-4BCD-93E2-E3B085C9AB24}">
+                <p16:designElem xmlns:p16="http://schemas.microsoft.com/office/powerpoint/2015/main" val="1"/>
+              </p:ext>
+            </p:extLst>
+          </p:nvPr>
+        </p:nvPicPr>
+        <p:blipFill>
+          <a:blip r:embed="rId3">
+            <a:extLst>
+              <a:ext uri="{28A0092B-C50C-407E-A947-70E740481C1C}">
+                <a14:useLocalDpi xmlns:a14="http://schemas.microsoft.com/office/drawing/2010/main" val="0"/>
+              </a:ext>
+            </a:extLst>
+          </a:blip>
+          <a:stretch>
+            <a:fillRect/>
+          </a:stretch>
+        </p:blipFill>
+        <p:spPr>
+          <a:xfrm>
+            <a:off x="2831794" y="2105202"/>
+            <a:ext cx="9360205" cy="4752798"/>
+          </a:xfrm>
+          <a:prstGeom prst="rect">
+            <a:avLst/>
+          </a:prstGeom>
+        </p:spPr>
+      </p:pic>
+      <p:pic>
+        <p:nvPicPr>
+          <p:cNvPr id="15" name="Picture 14">
+            <a:extLst>
+              <a:ext uri="{FF2B5EF4-FFF2-40B4-BE49-F238E27FC236}">
+                <a16:creationId xmlns:a16="http://schemas.microsoft.com/office/drawing/2014/main" id="{1550BD34-8417-42DB-BEA7-96B1E4156223}"/>
+              </a:ext>
+              <a:ext uri="{C183D7F6-B498-43B3-948B-1728B52AA6E4}">
+                <adec:decorative xmlns:adec="http://schemas.microsoft.com/office/drawing/2017/decorative" val="1"/>
+              </a:ext>
+            </a:extLst>
+          </p:cNvPr>
+          <p:cNvPicPr>
+            <a:picLocks noGrp="1" noRot="1" noChangeAspect="1" noMove="1" noResize="1" noEditPoints="1" noAdjustHandles="1" noChangeArrowheads="1" noChangeShapeType="1" noCrop="1"/>
+          </p:cNvPicPr>
+          <p:nvPr>
+            <p:extLst>
+              <p:ext uri="{386F3935-93C4-4BCD-93E2-E3B085C9AB24}">
+                <p16:designElem xmlns:p16="http://schemas.microsoft.com/office/powerpoint/2015/main" val="1"/>
+              </p:ext>
+            </p:extLst>
+          </p:nvPr>
+        </p:nvPicPr>
+        <p:blipFill>
+          <a:blip r:embed="rId4">
+            <a:alphaModFix/>
+            <a:extLst>
+              <a:ext uri="{28A0092B-C50C-407E-A947-70E740481C1C}">
+                <a14:useLocalDpi xmlns:a14="http://schemas.microsoft.com/office/drawing/2010/main" val="0"/>
+              </a:ext>
+            </a:extLst>
+          </a:blip>
+          <a:stretch>
+            <a:fillRect/>
+          </a:stretch>
+        </p:blipFill>
+        <p:spPr>
+          <a:xfrm>
+            <a:off x="0" y="0"/>
+            <a:ext cx="12189867" cy="6858000"/>
+          </a:xfrm>
+          <a:prstGeom prst="rect">
+            <a:avLst/>
+          </a:prstGeom>
+        </p:spPr>
+      </p:pic>
+      <p:sp>
+        <p:nvSpPr>
+          <p:cNvPr id="17" name="Rectangle 16">
+            <a:extLst>
+              <a:ext uri="{FF2B5EF4-FFF2-40B4-BE49-F238E27FC236}">
+                <a16:creationId xmlns:a16="http://schemas.microsoft.com/office/drawing/2014/main" id="{EE04A24D-ECF7-4024-BAC2-981BA69CF65C}"/>
+              </a:ext>
+              <a:ext uri="{C183D7F6-B498-43B3-948B-1728B52AA6E4}">
+                <adec:decorative xmlns:adec="http://schemas.microsoft.com/office/drawing/2017/decorative" val="1"/>
+              </a:ext>
+            </a:extLst>
+          </p:cNvPr>
+          <p:cNvSpPr>
+            <a:spLocks noGrp="1" noRot="1" noChangeAspect="1" noMove="1" noResize="1" noEditPoints="1" noAdjustHandles="1" noChangeArrowheads="1" noChangeShapeType="1" noTextEdit="1"/>
+          </p:cNvSpPr>
+          <p:nvPr>
+            <p:extLst>
+              <p:ext uri="{386F3935-93C4-4BCD-93E2-E3B085C9AB24}">
+                <p16:designElem xmlns:p16="http://schemas.microsoft.com/office/powerpoint/2015/main" val="1"/>
+              </p:ext>
+            </p:extLst>
+          </p:nvPr>
+        </p:nvSpPr>
+        <p:spPr>
+          <a:xfrm>
+            <a:off x="0" y="0"/>
+            <a:ext cx="964174" cy="6858000"/>
+          </a:xfrm>
+          <a:prstGeom prst="rect">
+            <a:avLst/>
+          </a:prstGeom>
+          <a:solidFill>
+            <a:schemeClr val="bg2"/>
+          </a:solidFill>
+          <a:ln>
+            <a:noFill/>
+          </a:ln>
+        </p:spPr>
+        <p:style>
+          <a:lnRef idx="2">
+            <a:schemeClr val="accent1">
+              <a:shade val="50000"/>
+            </a:schemeClr>
+          </a:lnRef>
+          <a:fillRef idx="1">
+            <a:schemeClr val="accent1"/>
+          </a:fillRef>
+          <a:effectRef idx="0">
+            <a:schemeClr val="accent1"/>
+          </a:effectRef>
+          <a:fontRef idx="minor">
+            <a:schemeClr val="lt1"/>
+          </a:fontRef>
+        </p:style>
+        <p:txBody>
+          <a:bodyPr rtlCol="0" anchor="ctr"/>
+          <a:lstStyle/>
+          <a:p>
+            <a:pPr algn="ctr"/>
+            <a:endParaRPr lang="en-US"/>
+          </a:p>
+        </p:txBody>
+      </p:sp>
+      <p:sp>
+        <p:nvSpPr>
+          <p:cNvPr id="19" name="Rectangle 18">
+            <a:extLst>
+              <a:ext uri="{FF2B5EF4-FFF2-40B4-BE49-F238E27FC236}">
+                <a16:creationId xmlns:a16="http://schemas.microsoft.com/office/drawing/2014/main" id="{F1C3D135-9831-45A9-8FBE-2A2548C87BCE}"/>
+              </a:ext>
+              <a:ext uri="{C183D7F6-B498-43B3-948B-1728B52AA6E4}">
+                <adec:decorative xmlns:adec="http://schemas.microsoft.com/office/drawing/2017/decorative" val="1"/>
+              </a:ext>
+            </a:extLst>
+          </p:cNvPr>
+          <p:cNvSpPr>
+            <a:spLocks noGrp="1" noRot="1" noChangeAspect="1" noMove="1" noResize="1" noEditPoints="1" noAdjustHandles="1" noChangeArrowheads="1" noChangeShapeType="1" noTextEdit="1"/>
+          </p:cNvSpPr>
+          <p:nvPr>
+            <p:extLst>
+              <p:ext uri="{386F3935-93C4-4BCD-93E2-E3B085C9AB24}">
+                <p16:designElem xmlns:p16="http://schemas.microsoft.com/office/powerpoint/2015/main" val="1"/>
+              </p:ext>
+            </p:extLst>
+          </p:nvPr>
+        </p:nvSpPr>
+        <p:spPr>
+          <a:xfrm>
+            <a:off x="962042" y="0"/>
+            <a:ext cx="45719" cy="6858000"/>
+          </a:xfrm>
+          <a:prstGeom prst="rect">
+            <a:avLst/>
+          </a:prstGeom>
+          <a:solidFill>
+            <a:schemeClr val="accent6"/>
+          </a:solidFill>
+          <a:ln>
+            <a:noFill/>
+          </a:ln>
+        </p:spPr>
+        <p:style>
+          <a:lnRef idx="2">
+            <a:schemeClr val="accent1">
+              <a:shade val="50000"/>
+            </a:schemeClr>
+          </a:lnRef>
+          <a:fillRef idx="1">
+            <a:schemeClr val="accent1"/>
+          </a:fillRef>
+          <a:effectRef idx="0">
+            <a:schemeClr val="accent1"/>
+          </a:effectRef>
+          <a:fontRef idx="minor">
+            <a:schemeClr val="lt1"/>
+          </a:fontRef>
+        </p:style>
+        <p:txBody>
+          <a:bodyPr rtlCol="0" anchor="ctr"/>
+          <a:lstStyle/>
+          <a:p>
+            <a:pPr algn="ctr"/>
+            <a:endParaRPr lang="en-US"/>
+          </a:p>
+        </p:txBody>
+      </p:sp>
+      <p:sp>
+        <p:nvSpPr>
+          <p:cNvPr id="21" name="Rectangle 20">
+            <a:extLst>
+              <a:ext uri="{FF2B5EF4-FFF2-40B4-BE49-F238E27FC236}">
+                <a16:creationId xmlns:a16="http://schemas.microsoft.com/office/drawing/2014/main" id="{F8375ABF-52E0-4C78-B2CF-0A949D7D887E}"/>
+              </a:ext>
+              <a:ext uri="{C183D7F6-B498-43B3-948B-1728B52AA6E4}">
+                <adec:decorative xmlns:adec="http://schemas.microsoft.com/office/drawing/2017/decorative" val="1"/>
+              </a:ext>
+            </a:extLst>
+          </p:cNvPr>
+          <p:cNvSpPr>
+            <a:spLocks noGrp="1" noRot="1" noChangeAspect="1" noMove="1" noResize="1" noEditPoints="1" noAdjustHandles="1" noChangeArrowheads="1" noChangeShapeType="1" noTextEdit="1"/>
+          </p:cNvSpPr>
+          <p:nvPr>
+            <p:extLst>
+              <p:ext uri="{386F3935-93C4-4BCD-93E2-E3B085C9AB24}">
+                <p16:designElem xmlns:p16="http://schemas.microsoft.com/office/powerpoint/2015/main" val="1"/>
+              </p:ext>
+            </p:extLst>
+          </p:nvPr>
+        </p:nvSpPr>
+        <p:spPr>
+          <a:xfrm>
+            <a:off x="1007533" y="0"/>
+            <a:ext cx="10378001" cy="6858000"/>
+          </a:xfrm>
+          <a:prstGeom prst="rect">
+            <a:avLst/>
+          </a:prstGeom>
+          <a:solidFill>
+            <a:schemeClr val="bg2">
+              <a:alpha val="92000"/>
+            </a:schemeClr>
+          </a:solidFill>
+          <a:ln>
+            <a:noFill/>
+          </a:ln>
+        </p:spPr>
+        <p:style>
+          <a:lnRef idx="2">
+            <a:schemeClr val="accent1">
+              <a:shade val="50000"/>
+            </a:schemeClr>
+          </a:lnRef>
+          <a:fillRef idx="1">
+            <a:schemeClr val="accent1"/>
+          </a:fillRef>
+          <a:effectRef idx="0">
+            <a:schemeClr val="accent1"/>
+          </a:effectRef>
+          <a:fontRef idx="minor">
+            <a:schemeClr val="lt1"/>
+          </a:fontRef>
+        </p:style>
+        <p:txBody>
+          <a:bodyPr rtlCol="0" anchor="ctr"/>
+          <a:lstStyle/>
+          <a:p>
+            <a:pPr algn="ctr"/>
+            <a:endParaRPr lang="en-US"/>
+          </a:p>
+        </p:txBody>
+      </p:sp>
       <p:sp>
         <p:nvSpPr>
           <p:cNvPr id="2" name="Title 1">
             <a:extLst>
               <a:ext uri="{FF2B5EF4-FFF2-40B4-BE49-F238E27FC236}">
-                <a16:creationId xmlns:a16="http://schemas.microsoft.com/office/drawing/2014/main" id="{4A890656-BF43-4ED6-BFC7-493D058A9195}"/>
+                <a16:creationId xmlns:a16="http://schemas.microsoft.com/office/drawing/2014/main" id="{665AE0AC-735C-4869-AFE3-A844262E2A1B}"/>
               </a:ext>
             </a:extLst>
           </p:cNvPr>
@@ -21182,48 +21545,450 @@
             <p:ph type="title"/>
           </p:nvPr>
         </p:nvSpPr>
-        <p:spPr/>
+        <p:spPr>
+          <a:xfrm>
+            <a:off x="1969804" y="808056"/>
+            <a:ext cx="3969504" cy="1077229"/>
+          </a:xfrm>
+        </p:spPr>
         <p:txBody>
-          <a:bodyPr/>
+          <a:bodyPr>
+            <a:normAutofit/>
+          </a:bodyPr>
           <a:lstStyle/>
           <a:p>
-            <a:r>
-              <a:rPr lang="en-CA" dirty="0"/>
-              <a:t>Q &amp; A</a:t>
-            </a:r>
-            <a:endParaRPr lang="en-US" dirty="0"/>
+            <a:pPr algn="l"/>
+            <a:r>
+              <a:rPr lang="en-US"/>
+              <a:t>Resources</a:t>
+            </a:r>
+            <a:endParaRPr lang="en-DE"/>
           </a:p>
         </p:txBody>
       </p:sp>
       <p:sp>
         <p:nvSpPr>
-          <p:cNvPr id="3" name="Content Placeholder 2">
+          <p:cNvPr id="4" name="Rectangle 1">
             <a:extLst>
               <a:ext uri="{FF2B5EF4-FFF2-40B4-BE49-F238E27FC236}">
-                <a16:creationId xmlns:a16="http://schemas.microsoft.com/office/drawing/2014/main" id="{E0ADF46A-8944-4000-83AA-3AE93132D94B}"/>
+                <a16:creationId xmlns:a16="http://schemas.microsoft.com/office/drawing/2014/main" id="{1E092D75-A4A9-455A-82CD-6759B89CC795}"/>
               </a:ext>
             </a:extLst>
           </p:cNvPr>
           <p:cNvSpPr>
-            <a:spLocks noGrp="1"/>
+            <a:spLocks noGrp="1" noChangeArrowheads="1"/>
           </p:cNvSpPr>
           <p:nvPr>
             <p:ph idx="1"/>
           </p:nvPr>
         </p:nvSpPr>
-        <p:spPr/>
+        <p:spPr bwMode="auto">
+          <a:xfrm>
+            <a:off x="1969803" y="2052116"/>
+            <a:ext cx="4126197" cy="3997828"/>
+          </a:xfrm>
+          <a:prstGeom prst="rect">
+            <a:avLst/>
+          </a:prstGeom>
+          <a:extLst>
+            <a:ext uri="{909E8E84-426E-40DD-AFC4-6F175D3DCCD1}">
+              <a14:hiddenFill xmlns:a14="http://schemas.microsoft.com/office/drawing/2010/main">
+                <a:solidFill>
+                  <a:schemeClr val="accent1"/>
+                </a:solidFill>
+              </a14:hiddenFill>
+            </a:ext>
+            <a:ext uri="{91240B29-F687-4F45-9708-019B960494DF}">
+              <a14:hiddenLine xmlns:a14="http://schemas.microsoft.com/office/drawing/2010/main" w="9525">
+                <a:solidFill>
+                  <a:schemeClr val="tx1"/>
+                </a:solidFill>
+                <a:miter lim="800000"/>
+                <a:headEnd/>
+                <a:tailEnd/>
+              </a14:hiddenLine>
+            </a:ext>
+            <a:ext uri="{AF507438-7753-43E0-B8FC-AC1667EBCBE1}">
+              <a14:hiddenEffects xmlns:a14="http://schemas.microsoft.com/office/drawing/2010/main">
+                <a:effectLst>
+                  <a:outerShdw dist="35921" dir="2700000" algn="ctr" rotWithShape="0">
+                    <a:schemeClr val="bg2"/>
+                  </a:outerShdw>
+                </a:effectLst>
+              </a14:hiddenEffects>
+            </a:ext>
+          </a:extLst>
+        </p:spPr>
         <p:txBody>
-          <a:bodyPr/>
+          <a:bodyPr vert="horz" lIns="91440" tIns="45720" rIns="91440" bIns="45720" numCol="1" anchorCtr="0" compatLnSpc="1">
+            <a:prstTxWarp prst="textNoShape">
+              <a:avLst/>
+            </a:prstTxWarp>
+            <a:normAutofit/>
+          </a:bodyPr>
           <a:lstStyle/>
           <a:p>
-            <a:endParaRPr lang="en-US" dirty="0"/>
+            <a:pPr marL="0" marR="0" lvl="0" indent="0" defTabSz="914400" rtl="0" eaLnBrk="0" fontAlgn="base" latinLnBrk="0" hangingPunct="0">
+              <a:lnSpc>
+                <a:spcPct val="110000"/>
+              </a:lnSpc>
+              <a:spcBef>
+                <a:spcPct val="0"/>
+              </a:spcBef>
+              <a:buClrTx/>
+              <a:buSzTx/>
+              <a:buFontTx/>
+              <a:buNone/>
+              <a:tabLst/>
+            </a:pPr>
+            <a:r>
+              <a:rPr kumimoji="0" lang="en-DE" altLang="en-DE" sz="1400" b="0" i="0" u="none" strike="noStrike" cap="none" normalizeH="0" baseline="0" dirty="0">
+                <a:ln>
+                  <a:noFill/>
+                </a:ln>
+                <a:effectLst/>
+                <a:latin typeface="Arial Unicode MS"/>
+                <a:hlinkClick r:id="rId5"/>
+              </a:rPr>
+              <a:t>https://docs.microsoft.com/en-us/office/dev/add-ins/reference/javascript-api-for-office</a:t>
+            </a:r>
+            <a:endParaRPr kumimoji="0" lang="en-US" altLang="en-DE" sz="1400" b="0" i="0" u="none" strike="noStrike" cap="none" normalizeH="0" baseline="0" dirty="0">
+              <a:ln>
+                <a:noFill/>
+              </a:ln>
+              <a:effectLst/>
+              <a:latin typeface="Arial Unicode MS"/>
+            </a:endParaRPr>
+          </a:p>
+          <a:p>
+            <a:pPr marL="0" marR="0" lvl="0" indent="0" defTabSz="914400" rtl="0" eaLnBrk="0" fontAlgn="base" latinLnBrk="0" hangingPunct="0">
+              <a:lnSpc>
+                <a:spcPct val="110000"/>
+              </a:lnSpc>
+              <a:spcBef>
+                <a:spcPct val="0"/>
+              </a:spcBef>
+              <a:buClrTx/>
+              <a:buSzTx/>
+              <a:buFontTx/>
+              <a:buNone/>
+              <a:tabLst/>
+            </a:pPr>
+            <a:r>
+              <a:rPr kumimoji="0" lang="en-DE" altLang="en-DE" sz="1400" b="0" i="0" u="none" strike="noStrike" cap="none" normalizeH="0" baseline="0" dirty="0">
+                <a:ln>
+                  <a:noFill/>
+                </a:ln>
+                <a:effectLst/>
+                <a:latin typeface="Arial Unicode MS"/>
+                <a:hlinkClick r:id="rId6"/>
+              </a:rPr>
+              <a:t>https://github.com/officedev/office-js/</a:t>
+            </a:r>
+            <a:endParaRPr kumimoji="0" lang="en-US" altLang="en-DE" sz="1400" b="0" i="0" u="none" strike="noStrike" cap="none" normalizeH="0" baseline="0" dirty="0">
+              <a:ln>
+                <a:noFill/>
+              </a:ln>
+              <a:effectLst/>
+              <a:latin typeface="Arial Unicode MS"/>
+            </a:endParaRPr>
+          </a:p>
+          <a:p>
+            <a:pPr marL="0" marR="0" lvl="0" indent="0" defTabSz="914400" rtl="0" eaLnBrk="0" fontAlgn="base" latinLnBrk="0" hangingPunct="0">
+              <a:lnSpc>
+                <a:spcPct val="110000"/>
+              </a:lnSpc>
+              <a:spcBef>
+                <a:spcPct val="0"/>
+              </a:spcBef>
+              <a:buClrTx/>
+              <a:buSzTx/>
+              <a:buFontTx/>
+              <a:buNone/>
+              <a:tabLst/>
+            </a:pPr>
+            <a:r>
+              <a:rPr kumimoji="0" lang="en-DE" altLang="en-DE" sz="1400" b="0" i="0" u="none" strike="noStrike" cap="none" normalizeH="0" baseline="0" dirty="0">
+                <a:ln>
+                  <a:noFill/>
+                </a:ln>
+                <a:effectLst/>
+                <a:latin typeface="Arial Unicode MS"/>
+                <a:hlinkClick r:id="rId7"/>
+              </a:rPr>
+              <a:t>https://docs.microsoft.com/en-us/javascript/api/custom-functions-runtime?view=excel-js-preview</a:t>
+            </a:r>
+            <a:endParaRPr kumimoji="0" lang="en-US" altLang="en-DE" sz="1400" b="0" i="0" u="none" strike="noStrike" cap="none" normalizeH="0" baseline="0" dirty="0">
+              <a:ln>
+                <a:noFill/>
+              </a:ln>
+              <a:effectLst/>
+              <a:latin typeface="Arial Unicode MS"/>
+            </a:endParaRPr>
+          </a:p>
+          <a:p>
+            <a:pPr marL="0" marR="0" lvl="0" indent="0" defTabSz="914400" rtl="0" eaLnBrk="0" fontAlgn="base" latinLnBrk="0" hangingPunct="0">
+              <a:lnSpc>
+                <a:spcPct val="110000"/>
+              </a:lnSpc>
+              <a:spcBef>
+                <a:spcPct val="0"/>
+              </a:spcBef>
+              <a:buClrTx/>
+              <a:buSzTx/>
+              <a:buFontTx/>
+              <a:buNone/>
+              <a:tabLst/>
+            </a:pPr>
+            <a:r>
+              <a:rPr kumimoji="0" lang="en-DE" altLang="en-DE" sz="1400" b="0" i="0" u="none" strike="noStrike" cap="none" normalizeH="0" baseline="0" dirty="0">
+                <a:ln>
+                  <a:noFill/>
+                </a:ln>
+                <a:effectLst/>
+                <a:latin typeface="Arial Unicode MS"/>
+                <a:hlinkClick r:id="rId8"/>
+              </a:rPr>
+              <a:t>https://docs.microsoft.com/en-us/office/dev/add-ins/excel/custom-functions-overview</a:t>
+            </a:r>
+            <a:endParaRPr kumimoji="0" lang="en-US" altLang="en-DE" sz="1400" b="0" i="0" u="none" strike="noStrike" cap="none" normalizeH="0" baseline="0" dirty="0">
+              <a:ln>
+                <a:noFill/>
+              </a:ln>
+              <a:effectLst/>
+              <a:latin typeface="Arial Unicode MS"/>
+            </a:endParaRPr>
+          </a:p>
+          <a:p>
+            <a:pPr marL="0" marR="0" lvl="0" indent="0" defTabSz="914400" rtl="0" eaLnBrk="0" fontAlgn="base" latinLnBrk="0" hangingPunct="0">
+              <a:lnSpc>
+                <a:spcPct val="110000"/>
+              </a:lnSpc>
+              <a:spcBef>
+                <a:spcPct val="0"/>
+              </a:spcBef>
+              <a:buClrTx/>
+              <a:buSzTx/>
+              <a:buFontTx/>
+              <a:buNone/>
+              <a:tabLst/>
+            </a:pPr>
+            <a:r>
+              <a:rPr kumimoji="0" lang="en-DE" altLang="en-DE" sz="1400" b="0" i="0" u="none" strike="noStrike" cap="none" normalizeH="0" baseline="0" dirty="0">
+                <a:ln>
+                  <a:noFill/>
+                </a:ln>
+                <a:effectLst/>
+                <a:latin typeface="Arial Unicode MS"/>
+                <a:hlinkClick r:id="rId9"/>
+              </a:rPr>
+              <a:t>https://docs.microsoft.com/en-us/office/dev/add-ins/excel/</a:t>
+            </a:r>
+            <a:endParaRPr kumimoji="0" lang="en-US" altLang="en-DE" sz="1400" b="0" i="0" u="none" strike="noStrike" cap="none" normalizeH="0" baseline="0" dirty="0">
+              <a:ln>
+                <a:noFill/>
+              </a:ln>
+              <a:effectLst/>
+              <a:latin typeface="Arial Unicode MS"/>
+            </a:endParaRPr>
+          </a:p>
+          <a:p>
+            <a:pPr marL="0" marR="0" lvl="0" indent="0" defTabSz="914400" rtl="0" eaLnBrk="0" fontAlgn="base" latinLnBrk="0" hangingPunct="0">
+              <a:lnSpc>
+                <a:spcPct val="110000"/>
+              </a:lnSpc>
+              <a:spcBef>
+                <a:spcPct val="0"/>
+              </a:spcBef>
+              <a:buClrTx/>
+              <a:buSzTx/>
+              <a:buFontTx/>
+              <a:buNone/>
+              <a:tabLst/>
+            </a:pPr>
+            <a:r>
+              <a:rPr kumimoji="0" lang="en-DE" altLang="en-DE" sz="1400" b="0" i="0" u="none" strike="noStrike" cap="none" normalizeH="0" baseline="0" dirty="0">
+                <a:ln>
+                  <a:noFill/>
+                </a:ln>
+                <a:effectLst/>
+                <a:latin typeface="Arial Unicode MS"/>
+                <a:hlinkClick r:id="rId10"/>
+              </a:rPr>
+              <a:t>https://github.com/dersia/ExcelSignalRSample</a:t>
+            </a:r>
+            <a:endParaRPr kumimoji="0" lang="en-US" altLang="en-DE" sz="1400" b="0" i="0" u="none" strike="noStrike" cap="none" normalizeH="0" baseline="0" dirty="0">
+              <a:ln>
+                <a:noFill/>
+              </a:ln>
+              <a:effectLst/>
+              <a:latin typeface="Arial Unicode MS"/>
+            </a:endParaRPr>
+          </a:p>
+          <a:p>
+            <a:pPr marL="0" marR="0" lvl="0" indent="0" defTabSz="914400" rtl="0" eaLnBrk="0" fontAlgn="base" latinLnBrk="0" hangingPunct="0">
+              <a:lnSpc>
+                <a:spcPct val="110000"/>
+              </a:lnSpc>
+              <a:spcBef>
+                <a:spcPct val="0"/>
+              </a:spcBef>
+              <a:buClrTx/>
+              <a:buSzTx/>
+              <a:buFontTx/>
+              <a:buNone/>
+              <a:tabLst/>
+            </a:pPr>
+            <a:r>
+              <a:rPr kumimoji="0" lang="en-US" altLang="en-DE" sz="1400" b="0" i="0" u="none" strike="noStrike" cap="none" normalizeH="0" baseline="0" dirty="0">
+                <a:ln>
+                  <a:noFill/>
+                </a:ln>
+                <a:effectLst/>
+                <a:latin typeface="Arial Unicode MS"/>
+                <a:hlinkClick r:id="rId11"/>
+              </a:rPr>
+              <a:t>https://github.com/dersia/m365bootcamp</a:t>
+            </a:r>
+            <a:endParaRPr kumimoji="0" lang="en-US" altLang="en-DE" sz="1400" b="0" i="0" u="none" strike="noStrike" cap="none" normalizeH="0" baseline="0" dirty="0">
+              <a:ln>
+                <a:noFill/>
+              </a:ln>
+              <a:effectLst/>
+              <a:latin typeface="Arial Unicode MS"/>
+            </a:endParaRPr>
+          </a:p>
+        </p:txBody>
+      </p:sp>
+      <p:pic>
+        <p:nvPicPr>
+          <p:cNvPr id="6" name="Picture 5" descr="Qr code&#10;&#10;Description automatically generated">
+            <a:extLst>
+              <a:ext uri="{FF2B5EF4-FFF2-40B4-BE49-F238E27FC236}">
+                <a16:creationId xmlns:a16="http://schemas.microsoft.com/office/drawing/2014/main" id="{7F9280A4-5BFA-46E9-8800-81795E9D9D07}"/>
+              </a:ext>
+            </a:extLst>
+          </p:cNvPr>
+          <p:cNvPicPr>
+            <a:picLocks noChangeAspect="1"/>
+          </p:cNvPicPr>
+          <p:nvPr/>
+        </p:nvPicPr>
+        <p:blipFill>
+          <a:blip r:embed="rId12"/>
+          <a:stretch>
+            <a:fillRect/>
+          </a:stretch>
+        </p:blipFill>
+        <p:spPr>
+          <a:xfrm>
+            <a:off x="6751768" y="1432023"/>
+            <a:ext cx="3994617" cy="3994617"/>
+          </a:xfrm>
+          <a:prstGeom prst="rect">
+            <a:avLst/>
+          </a:prstGeom>
+          <a:ln>
+            <a:gradFill flip="none" rotWithShape="1">
+              <a:gsLst>
+                <a:gs pos="86000">
+                  <a:schemeClr val="accent6">
+                    <a:lumMod val="67000"/>
+                  </a:schemeClr>
+                </a:gs>
+                <a:gs pos="20000">
+                  <a:schemeClr val="accent6">
+                    <a:lumMod val="97000"/>
+                    <a:lumOff val="3000"/>
+                  </a:schemeClr>
+                </a:gs>
+                <a:gs pos="100000">
+                  <a:schemeClr val="accent6">
+                    <a:lumMod val="60000"/>
+                    <a:lumOff val="40000"/>
+                  </a:schemeClr>
+                </a:gs>
+              </a:gsLst>
+              <a:lin ang="16200000" scaled="1"/>
+              <a:tileRect/>
+            </a:gradFill>
+          </a:ln>
+          <a:effectLst>
+            <a:innerShdw blurRad="127000">
+              <a:prstClr val="black">
+                <a:alpha val="90000"/>
+              </a:prstClr>
+            </a:innerShdw>
+          </a:effectLst>
+        </p:spPr>
+      </p:pic>
+      <p:sp>
+        <p:nvSpPr>
+          <p:cNvPr id="23" name="Rectangle 22">
+            <a:extLst>
+              <a:ext uri="{FF2B5EF4-FFF2-40B4-BE49-F238E27FC236}">
+                <a16:creationId xmlns:a16="http://schemas.microsoft.com/office/drawing/2014/main" id="{34BB1BDF-EAFF-49B6-ABF3-7F9B3201C989}"/>
+              </a:ext>
+              <a:ext uri="{C183D7F6-B498-43B3-948B-1728B52AA6E4}">
+                <adec:decorative xmlns:adec="http://schemas.microsoft.com/office/drawing/2017/decorative" val="1"/>
+              </a:ext>
+            </a:extLst>
+          </p:cNvPr>
+          <p:cNvSpPr>
+            <a:spLocks noGrp="1" noRot="1" noChangeAspect="1" noMove="1" noResize="1" noEditPoints="1" noAdjustHandles="1" noChangeArrowheads="1" noChangeShapeType="1" noTextEdit="1"/>
+          </p:cNvSpPr>
+          <p:nvPr>
+            <p:extLst>
+              <p:ext uri="{386F3935-93C4-4BCD-93E2-E3B085C9AB24}">
+                <p16:designElem xmlns:p16="http://schemas.microsoft.com/office/powerpoint/2015/main" val="1"/>
+              </p:ext>
+            </p:extLst>
+          </p:nvPr>
+        </p:nvSpPr>
+        <p:spPr>
+          <a:xfrm>
+            <a:off x="11387666" y="-2718"/>
+            <a:ext cx="27432" cy="6858000"/>
+          </a:xfrm>
+          <a:prstGeom prst="rect">
+            <a:avLst/>
+          </a:prstGeom>
+          <a:solidFill>
+            <a:schemeClr val="accent6"/>
+          </a:solidFill>
+          <a:ln>
+            <a:noFill/>
+          </a:ln>
+        </p:spPr>
+        <p:style>
+          <a:lnRef idx="2">
+            <a:schemeClr val="accent1">
+              <a:shade val="50000"/>
+            </a:schemeClr>
+          </a:lnRef>
+          <a:fillRef idx="1">
+            <a:schemeClr val="accent1"/>
+          </a:fillRef>
+          <a:effectRef idx="0">
+            <a:schemeClr val="accent1"/>
+          </a:effectRef>
+          <a:fontRef idx="minor">
+            <a:schemeClr val="lt1"/>
+          </a:fontRef>
+        </p:style>
+        <p:txBody>
+          <a:bodyPr rtlCol="0" anchor="ctr"/>
+          <a:lstStyle/>
+          <a:p>
+            <a:pPr algn="ctr"/>
+            <a:endParaRPr lang="en-US"/>
           </a:p>
         </p:txBody>
       </p:sp>
     </p:spTree>
     <p:extLst>
       <p:ext uri="{BB962C8B-B14F-4D97-AF65-F5344CB8AC3E}">
-        <p14:creationId xmlns:p14="http://schemas.microsoft.com/office/powerpoint/2010/main" val="3701073861"/>
+        <p14:creationId xmlns:p14="http://schemas.microsoft.com/office/powerpoint/2010/main" val="3470171689"/>
       </p:ext>
     </p:extLst>
   </p:cSld>
@@ -21327,6 +22092,90 @@
 </file>
 
 <file path=ppt/slides/slide30.xml><?xml version="1.0" encoding="utf-8"?>
+<p:sld xmlns:a="http://schemas.openxmlformats.org/drawingml/2006/main" xmlns:r="http://schemas.openxmlformats.org/officeDocument/2006/relationships" xmlns:p="http://schemas.openxmlformats.org/presentationml/2006/main">
+  <p:cSld>
+    <p:spTree>
+      <p:nvGrpSpPr>
+        <p:cNvPr id="1" name=""/>
+        <p:cNvGrpSpPr/>
+        <p:nvPr/>
+      </p:nvGrpSpPr>
+      <p:grpSpPr>
+        <a:xfrm>
+          <a:off x="0" y="0"/>
+          <a:ext cx="0" cy="0"/>
+          <a:chOff x="0" y="0"/>
+          <a:chExt cx="0" cy="0"/>
+        </a:xfrm>
+      </p:grpSpPr>
+      <p:sp>
+        <p:nvSpPr>
+          <p:cNvPr id="2" name="Title 1">
+            <a:extLst>
+              <a:ext uri="{FF2B5EF4-FFF2-40B4-BE49-F238E27FC236}">
+                <a16:creationId xmlns:a16="http://schemas.microsoft.com/office/drawing/2014/main" id="{4A890656-BF43-4ED6-BFC7-493D058A9195}"/>
+              </a:ext>
+            </a:extLst>
+          </p:cNvPr>
+          <p:cNvSpPr>
+            <a:spLocks noGrp="1"/>
+          </p:cNvSpPr>
+          <p:nvPr>
+            <p:ph type="title"/>
+          </p:nvPr>
+        </p:nvSpPr>
+        <p:spPr/>
+        <p:txBody>
+          <a:bodyPr/>
+          <a:lstStyle/>
+          <a:p>
+            <a:r>
+              <a:rPr lang="en-CA" dirty="0"/>
+              <a:t>Q &amp; A</a:t>
+            </a:r>
+            <a:endParaRPr lang="en-US" dirty="0"/>
+          </a:p>
+        </p:txBody>
+      </p:sp>
+      <p:sp>
+        <p:nvSpPr>
+          <p:cNvPr id="3" name="Content Placeholder 2">
+            <a:extLst>
+              <a:ext uri="{FF2B5EF4-FFF2-40B4-BE49-F238E27FC236}">
+                <a16:creationId xmlns:a16="http://schemas.microsoft.com/office/drawing/2014/main" id="{E0ADF46A-8944-4000-83AA-3AE93132D94B}"/>
+              </a:ext>
+            </a:extLst>
+          </p:cNvPr>
+          <p:cNvSpPr>
+            <a:spLocks noGrp="1"/>
+          </p:cNvSpPr>
+          <p:nvPr>
+            <p:ph idx="1"/>
+          </p:nvPr>
+        </p:nvSpPr>
+        <p:spPr/>
+        <p:txBody>
+          <a:bodyPr/>
+          <a:lstStyle/>
+          <a:p>
+            <a:endParaRPr lang="en-US" dirty="0"/>
+          </a:p>
+        </p:txBody>
+      </p:sp>
+    </p:spTree>
+    <p:extLst>
+      <p:ext uri="{BB962C8B-B14F-4D97-AF65-F5344CB8AC3E}">
+        <p14:creationId xmlns:p14="http://schemas.microsoft.com/office/powerpoint/2010/main" val="3701073861"/>
+      </p:ext>
+    </p:extLst>
+  </p:cSld>
+  <p:clrMapOvr>
+    <a:masterClrMapping/>
+  </p:clrMapOvr>
+</p:sld>
+</file>
+
+<file path=ppt/slides/slide31.xml><?xml version="1.0" encoding="utf-8"?>
 <p:sld xmlns:a="http://schemas.openxmlformats.org/drawingml/2006/main" xmlns:r="http://schemas.openxmlformats.org/officeDocument/2006/relationships" xmlns:p="http://schemas.openxmlformats.org/presentationml/2006/main">
   <p:cSld>
     <p:spTree>
